--- a/GITHUB運用の勧め.pptx
+++ b/GITHUB運用の勧め.pptx
@@ -5,14 +5,16 @@
     <p:sldMasterId id="2147483648" r:id="rId1"/>
   </p:sldMasterIdLst>
   <p:notesMasterIdLst>
-    <p:notesMasterId r:id="rId7"/>
+    <p:notesMasterId r:id="rId9"/>
   </p:notesMasterIdLst>
   <p:sldIdLst>
     <p:sldId id="256" r:id="rId2"/>
     <p:sldId id="257" r:id="rId3"/>
-    <p:sldId id="260" r:id="rId4"/>
+    <p:sldId id="261" r:id="rId4"/>
     <p:sldId id="258" r:id="rId5"/>
     <p:sldId id="259" r:id="rId6"/>
+    <p:sldId id="263" r:id="rId7"/>
+    <p:sldId id="260" r:id="rId8"/>
   </p:sldIdLst>
   <p:sldSz cx="12192000" cy="6858000"/>
   <p:notesSz cx="6858000" cy="9144000"/>
@@ -201,7 +203,7 @@
           <a:p>
             <a:fld id="{F9EC3F6F-729F-4772-99B9-342B55CB3BF8}" type="datetimeFigureOut">
               <a:rPr kumimoji="1" lang="ja-JP" altLang="en-US" smtClean="0"/>
-              <a:t>2017/6/2</a:t>
+              <a:t>2017/6/5</a:t>
             </a:fld>
             <a:endParaRPr kumimoji="1" lang="ja-JP" altLang="en-US"/>
           </a:p>
@@ -632,7 +634,7 @@
           <a:p>
             <a:fld id="{1B016D60-7977-4250-98AD-CC5A8A7CB987}" type="datetimeFigureOut">
               <a:rPr kumimoji="1" lang="ja-JP" altLang="en-US" smtClean="0"/>
-              <a:t>2017/6/2</a:t>
+              <a:t>2017/6/5</a:t>
             </a:fld>
             <a:endParaRPr kumimoji="1" lang="ja-JP" altLang="en-US"/>
           </a:p>
@@ -834,7 +836,7 @@
           <a:p>
             <a:fld id="{1B016D60-7977-4250-98AD-CC5A8A7CB987}" type="datetimeFigureOut">
               <a:rPr kumimoji="1" lang="ja-JP" altLang="en-US" smtClean="0"/>
-              <a:t>2017/6/2</a:t>
+              <a:t>2017/6/5</a:t>
             </a:fld>
             <a:endParaRPr kumimoji="1" lang="ja-JP" altLang="en-US"/>
           </a:p>
@@ -1046,7 +1048,7 @@
           <a:p>
             <a:fld id="{1B016D60-7977-4250-98AD-CC5A8A7CB987}" type="datetimeFigureOut">
               <a:rPr kumimoji="1" lang="ja-JP" altLang="en-US" smtClean="0"/>
-              <a:t>2017/6/2</a:t>
+              <a:t>2017/6/5</a:t>
             </a:fld>
             <a:endParaRPr kumimoji="1" lang="ja-JP" altLang="en-US"/>
           </a:p>
@@ -1248,7 +1250,7 @@
           <a:p>
             <a:fld id="{1B016D60-7977-4250-98AD-CC5A8A7CB987}" type="datetimeFigureOut">
               <a:rPr kumimoji="1" lang="ja-JP" altLang="en-US" smtClean="0"/>
-              <a:t>2017/6/2</a:t>
+              <a:t>2017/6/5</a:t>
             </a:fld>
             <a:endParaRPr kumimoji="1" lang="ja-JP" altLang="en-US"/>
           </a:p>
@@ -1494,7 +1496,7 @@
           <a:p>
             <a:fld id="{1B016D60-7977-4250-98AD-CC5A8A7CB987}" type="datetimeFigureOut">
               <a:rPr kumimoji="1" lang="ja-JP" altLang="en-US" smtClean="0"/>
-              <a:t>2017/6/2</a:t>
+              <a:t>2017/6/5</a:t>
             </a:fld>
             <a:endParaRPr kumimoji="1" lang="ja-JP" altLang="en-US"/>
           </a:p>
@@ -1790,7 +1792,7 @@
           <a:p>
             <a:fld id="{1B016D60-7977-4250-98AD-CC5A8A7CB987}" type="datetimeFigureOut">
               <a:rPr kumimoji="1" lang="ja-JP" altLang="en-US" smtClean="0"/>
-              <a:t>2017/6/2</a:t>
+              <a:t>2017/6/5</a:t>
             </a:fld>
             <a:endParaRPr kumimoji="1" lang="ja-JP" altLang="en-US"/>
           </a:p>
@@ -2221,7 +2223,7 @@
           <a:p>
             <a:fld id="{1B016D60-7977-4250-98AD-CC5A8A7CB987}" type="datetimeFigureOut">
               <a:rPr kumimoji="1" lang="ja-JP" altLang="en-US" smtClean="0"/>
-              <a:t>2017/6/2</a:t>
+              <a:t>2017/6/5</a:t>
             </a:fld>
             <a:endParaRPr kumimoji="1" lang="ja-JP" altLang="en-US"/>
           </a:p>
@@ -2339,7 +2341,7 @@
           <a:p>
             <a:fld id="{1B016D60-7977-4250-98AD-CC5A8A7CB987}" type="datetimeFigureOut">
               <a:rPr kumimoji="1" lang="ja-JP" altLang="en-US" smtClean="0"/>
-              <a:t>2017/6/2</a:t>
+              <a:t>2017/6/5</a:t>
             </a:fld>
             <a:endParaRPr kumimoji="1" lang="ja-JP" altLang="en-US"/>
           </a:p>
@@ -2434,7 +2436,7 @@
           <a:p>
             <a:fld id="{1B016D60-7977-4250-98AD-CC5A8A7CB987}" type="datetimeFigureOut">
               <a:rPr kumimoji="1" lang="ja-JP" altLang="en-US" smtClean="0"/>
-              <a:t>2017/6/2</a:t>
+              <a:t>2017/6/5</a:t>
             </a:fld>
             <a:endParaRPr kumimoji="1" lang="ja-JP" altLang="en-US"/>
           </a:p>
@@ -2743,7 +2745,7 @@
           <a:p>
             <a:fld id="{1B016D60-7977-4250-98AD-CC5A8A7CB987}" type="datetimeFigureOut">
               <a:rPr kumimoji="1" lang="ja-JP" altLang="en-US" smtClean="0"/>
-              <a:t>2017/6/2</a:t>
+              <a:t>2017/6/5</a:t>
             </a:fld>
             <a:endParaRPr kumimoji="1" lang="ja-JP" altLang="en-US"/>
           </a:p>
@@ -2996,7 +2998,7 @@
           <a:p>
             <a:fld id="{1B016D60-7977-4250-98AD-CC5A8A7CB987}" type="datetimeFigureOut">
               <a:rPr kumimoji="1" lang="ja-JP" altLang="en-US" smtClean="0"/>
-              <a:t>2017/6/2</a:t>
+              <a:t>2017/6/5</a:t>
             </a:fld>
             <a:endParaRPr kumimoji="1" lang="ja-JP" altLang="en-US"/>
           </a:p>
@@ -3241,7 +3243,7 @@
           <a:p>
             <a:fld id="{1B016D60-7977-4250-98AD-CC5A8A7CB987}" type="datetimeFigureOut">
               <a:rPr kumimoji="1" lang="ja-JP" altLang="en-US" smtClean="0"/>
-              <a:t>2017/6/2</a:t>
+              <a:t>2017/6/5</a:t>
             </a:fld>
             <a:endParaRPr kumimoji="1" lang="ja-JP" altLang="en-US"/>
           </a:p>
@@ -3911,7 +3913,7 @@
         <p:spPr>
           <a:xfrm>
             <a:off x="411480" y="1033272"/>
-            <a:ext cx="5955476" cy="369332"/>
+            <a:ext cx="6186309" cy="369332"/>
           </a:xfrm>
           <a:prstGeom prst="rect">
             <a:avLst/>
@@ -3926,11 +3928,11 @@
           <a:p>
             <a:r>
               <a:rPr kumimoji="1" lang="ja-JP" altLang="en-US" dirty="0" smtClean="0"/>
-              <a:t>バージョン管理</a:t>
+              <a:t>バージョン管理システム</a:t>
             </a:r>
             <a:r>
               <a:rPr lang="ja-JP" altLang="en-US" dirty="0" smtClean="0"/>
-              <a:t>ツール。敢えて詳しくは説明しません。</a:t>
+              <a:t>。敢えて詳しくは説明しません。</a:t>
             </a:r>
             <a:endParaRPr lang="en-US" altLang="ja-JP" dirty="0" smtClean="0"/>
           </a:p>
@@ -4018,183 +4020,9 @@
             </a:r>
             <a:r>
               <a:rPr lang="ja-JP" altLang="en-US" dirty="0" smtClean="0"/>
-              <a:t>ページ上で見やすくした</a:t>
-            </a:r>
-            <a:r>
-              <a:rPr lang="ja-JP" altLang="en-US" smtClean="0"/>
-              <a:t>もの。同上</a:t>
+              <a:t>ページ上で見やすくしたもの。同上</a:t>
             </a:r>
             <a:endParaRPr lang="en-US" altLang="ja-JP" dirty="0" smtClean="0"/>
-          </a:p>
-        </p:txBody>
-      </p:sp>
-      <p:sp>
-        <p:nvSpPr>
-          <p:cNvPr id="9" name="テキスト ボックス 8"/>
-          <p:cNvSpPr txBox="1"/>
-          <p:nvPr/>
-        </p:nvSpPr>
-        <p:spPr>
-          <a:xfrm>
-            <a:off x="421098" y="2995769"/>
-            <a:ext cx="3877985" cy="584775"/>
-          </a:xfrm>
-          <a:prstGeom prst="rect">
-            <a:avLst/>
-          </a:prstGeom>
-          <a:noFill/>
-        </p:spPr>
-        <p:txBody>
-          <a:bodyPr wrap="none" rtlCol="0">
-            <a:spAutoFit/>
-          </a:bodyPr>
-          <a:lstStyle/>
-          <a:p>
-            <a:r>
-              <a:rPr lang="ja-JP" altLang="en-US" sz="3200" dirty="0" smtClean="0"/>
-              <a:t>使うメリットとは？</a:t>
-            </a:r>
-            <a:endParaRPr lang="en-US" altLang="ja-JP" sz="3200" dirty="0" smtClean="0"/>
-          </a:p>
-        </p:txBody>
-      </p:sp>
-      <p:sp>
-        <p:nvSpPr>
-          <p:cNvPr id="11" name="テキスト ボックス 10"/>
-          <p:cNvSpPr txBox="1"/>
-          <p:nvPr/>
-        </p:nvSpPr>
-        <p:spPr>
-          <a:xfrm>
-            <a:off x="421098" y="3674770"/>
-            <a:ext cx="7851829" cy="2031325"/>
-          </a:xfrm>
-          <a:prstGeom prst="rect">
-            <a:avLst/>
-          </a:prstGeom>
-          <a:noFill/>
-        </p:spPr>
-        <p:txBody>
-          <a:bodyPr wrap="none" rtlCol="0">
-            <a:spAutoFit/>
-          </a:bodyPr>
-          <a:lstStyle/>
-          <a:p>
-            <a:r>
-              <a:rPr lang="ja-JP" altLang="en-US" dirty="0" smtClean="0">
-                <a:solidFill>
-                  <a:srgbClr val="FF0000"/>
-                </a:solidFill>
-              </a:rPr>
-              <a:t>会社でバージョン管理ソフトは絶対使う。</a:t>
-            </a:r>
-            <a:endParaRPr lang="en-US" altLang="ja-JP" dirty="0"/>
-          </a:p>
-          <a:p>
-            <a:r>
-              <a:rPr lang="ja-JP" altLang="en-US" dirty="0" smtClean="0"/>
-              <a:t>集団制作の時に</a:t>
-            </a:r>
-            <a:r>
-              <a:rPr lang="ja-JP" altLang="en-US" b="1" u="sng" dirty="0" smtClean="0"/>
-              <a:t>ちゃんと理解</a:t>
-            </a:r>
-            <a:r>
-              <a:rPr lang="ja-JP" altLang="en-US" dirty="0" smtClean="0"/>
-              <a:t>して使うと作業効率が上がる。（</a:t>
-            </a:r>
-            <a:r>
-              <a:rPr lang="en-US" altLang="ja-JP" dirty="0" smtClean="0"/>
-              <a:t>※2P</a:t>
-            </a:r>
-            <a:r>
-              <a:rPr lang="ja-JP" altLang="en-US" dirty="0" smtClean="0"/>
-              <a:t>後述）</a:t>
-            </a:r>
-            <a:endParaRPr lang="en-US" altLang="ja-JP" dirty="0" smtClean="0"/>
-          </a:p>
-          <a:p>
-            <a:r>
-              <a:rPr lang="ja-JP" altLang="en-US" dirty="0">
-                <a:solidFill>
-                  <a:srgbClr val="FF0000"/>
-                </a:solidFill>
-              </a:rPr>
-              <a:t>会社でバージョン管理ソフトは絶対</a:t>
-            </a:r>
-            <a:r>
-              <a:rPr lang="ja-JP" altLang="en-US" dirty="0" smtClean="0">
-                <a:solidFill>
-                  <a:srgbClr val="FF0000"/>
-                </a:solidFill>
-              </a:rPr>
-              <a:t>使う。</a:t>
-            </a:r>
-            <a:endParaRPr lang="en-US" altLang="ja-JP" dirty="0"/>
-          </a:p>
-          <a:p>
-            <a:r>
-              <a:rPr lang="ja-JP" altLang="en-US" dirty="0" smtClean="0"/>
-              <a:t>記録が（嫌でも）しっかり残る（サボリがばれる）。</a:t>
-            </a:r>
-            <a:endParaRPr lang="en-US" altLang="ja-JP" dirty="0" smtClean="0"/>
-          </a:p>
-          <a:p>
-            <a:r>
-              <a:rPr lang="ja-JP" altLang="en-US" dirty="0">
-                <a:solidFill>
-                  <a:srgbClr val="FF0000"/>
-                </a:solidFill>
-              </a:rPr>
-              <a:t>会社でバージョン管理ソフトは絶対</a:t>
-            </a:r>
-            <a:r>
-              <a:rPr lang="ja-JP" altLang="en-US" dirty="0" smtClean="0">
-                <a:solidFill>
-                  <a:srgbClr val="FF0000"/>
-                </a:solidFill>
-              </a:rPr>
-              <a:t>使う</a:t>
-            </a:r>
-            <a:r>
-              <a:rPr lang="ja-JP" altLang="en-US" dirty="0" smtClean="0"/>
-              <a:t>。</a:t>
-            </a:r>
-            <a:endParaRPr lang="en-US" altLang="ja-JP" dirty="0" smtClean="0"/>
-          </a:p>
-          <a:p>
-            <a:r>
-              <a:rPr lang="ja-JP" altLang="en-US" dirty="0" smtClean="0"/>
-              <a:t>各々がやることが分かりやすい。（</a:t>
-            </a:r>
-            <a:r>
-              <a:rPr lang="en-US" altLang="ja-JP" dirty="0" smtClean="0"/>
-              <a:t>※</a:t>
-            </a:r>
-            <a:r>
-              <a:rPr lang="ja-JP" altLang="en-US" dirty="0" smtClean="0"/>
-              <a:t>実際の説明書を見て説明）</a:t>
-            </a:r>
-            <a:endParaRPr lang="en-US" altLang="ja-JP" dirty="0" smtClean="0"/>
-          </a:p>
-          <a:p>
-            <a:r>
-              <a:rPr lang="ja-JP" altLang="en-US" dirty="0">
-                <a:solidFill>
-                  <a:srgbClr val="FF0000"/>
-                </a:solidFill>
-              </a:rPr>
-              <a:t>会社で</a:t>
-            </a:r>
-            <a:r>
-              <a:rPr lang="ja-JP" altLang="en-US" dirty="0" smtClean="0">
-                <a:solidFill>
-                  <a:srgbClr val="FF0000"/>
-                </a:solidFill>
-              </a:rPr>
-              <a:t>バージョン管理ソフトは絶対使うんだから黙ってやれ。</a:t>
-            </a:r>
-            <a:endParaRPr lang="en-US" altLang="ja-JP" dirty="0"/>
           </a:p>
         </p:txBody>
       </p:sp>
@@ -4225,6 +4053,84 @@
               <a:t>1</a:t>
             </a:r>
             <a:endParaRPr kumimoji="1" lang="ja-JP" altLang="en-US" sz="6000" dirty="0"/>
+          </a:p>
+        </p:txBody>
+      </p:sp>
+      <p:sp>
+        <p:nvSpPr>
+          <p:cNvPr id="12" name="テキスト ボックス 11"/>
+          <p:cNvSpPr txBox="1"/>
+          <p:nvPr/>
+        </p:nvSpPr>
+        <p:spPr>
+          <a:xfrm>
+            <a:off x="421098" y="3007891"/>
+            <a:ext cx="4288353" cy="584775"/>
+          </a:xfrm>
+          <a:prstGeom prst="rect">
+            <a:avLst/>
+          </a:prstGeom>
+          <a:noFill/>
+        </p:spPr>
+        <p:txBody>
+          <a:bodyPr wrap="none" rtlCol="0">
+            <a:spAutoFit/>
+          </a:bodyPr>
+          <a:lstStyle/>
+          <a:p>
+            <a:r>
+              <a:rPr lang="ja-JP" altLang="en-US" sz="3200" dirty="0" smtClean="0"/>
+              <a:t>でも難しいんでしょ？</a:t>
+            </a:r>
+            <a:endParaRPr lang="en-US" altLang="ja-JP" sz="3200" dirty="0" smtClean="0"/>
+          </a:p>
+        </p:txBody>
+      </p:sp>
+      <p:sp>
+        <p:nvSpPr>
+          <p:cNvPr id="14" name="テキスト ボックス 13"/>
+          <p:cNvSpPr txBox="1"/>
+          <p:nvPr/>
+        </p:nvSpPr>
+        <p:spPr>
+          <a:xfrm>
+            <a:off x="411479" y="3808072"/>
+            <a:ext cx="4570482" cy="923330"/>
+          </a:xfrm>
+          <a:prstGeom prst="rect">
+            <a:avLst/>
+          </a:prstGeom>
+          <a:noFill/>
+        </p:spPr>
+        <p:txBody>
+          <a:bodyPr wrap="none" rtlCol="0">
+            <a:spAutoFit/>
+          </a:bodyPr>
+          <a:lstStyle/>
+          <a:p>
+            <a:r>
+              <a:rPr lang="ja-JP" altLang="en-US" dirty="0" smtClean="0"/>
+              <a:t>ツールを使えば思ったより全然楽です。</a:t>
+            </a:r>
+            <a:endParaRPr lang="en-US" altLang="ja-JP" dirty="0"/>
+          </a:p>
+          <a:p>
+            <a:r>
+              <a:rPr lang="ja-JP" altLang="en-US" dirty="0" smtClean="0"/>
+              <a:t>強いて言うなら新しい用語ばかりなので、</a:t>
+            </a:r>
+            <a:endParaRPr lang="en-US" altLang="ja-JP" dirty="0" smtClean="0"/>
+          </a:p>
+          <a:p>
+            <a:r>
+              <a:rPr lang="ja-JP" altLang="en-US" dirty="0"/>
+              <a:t>なれる</a:t>
+            </a:r>
+            <a:r>
+              <a:rPr lang="ja-JP" altLang="en-US" dirty="0" smtClean="0"/>
+              <a:t>まで時間がかかります。</a:t>
+            </a:r>
+            <a:endParaRPr lang="en-US" altLang="ja-JP" dirty="0" smtClean="0"/>
           </a:p>
         </p:txBody>
       </p:sp>
@@ -4484,7 +4390,7 @@
                                           </p:stCondLst>
                                         </p:cTn>
                                         <p:tgtEl>
-                                          <p:spTgt spid="9"/>
+                                          <p:spTgt spid="12"/>
                                         </p:tgtEl>
                                         <p:attrNameLst>
                                           <p:attrName>style.visibility</p:attrName>
@@ -4498,7 +4404,685 @@
                                       <p:cBhvr>
                                         <p:cTn id="27" dur="500"/>
                                         <p:tgtEl>
+                                          <p:spTgt spid="12"/>
+                                        </p:tgtEl>
+                                      </p:cBhvr>
+                                    </p:animEffect>
+                                  </p:childTnLst>
+                                </p:cTn>
+                              </p:par>
+                            </p:childTnLst>
+                          </p:cTn>
+                        </p:par>
+                      </p:childTnLst>
+                    </p:cTn>
+                  </p:par>
+                  <p:par>
+                    <p:cTn id="28" fill="hold">
+                      <p:stCondLst>
+                        <p:cond delay="indefinite"/>
+                      </p:stCondLst>
+                      <p:childTnLst>
+                        <p:par>
+                          <p:cTn id="29" fill="hold">
+                            <p:stCondLst>
+                              <p:cond delay="0"/>
+                            </p:stCondLst>
+                            <p:childTnLst>
+                              <p:par>
+                                <p:cTn id="30" presetID="10" presetClass="entr" presetSubtype="0" fill="hold" grpId="0" nodeType="clickEffect">
+                                  <p:stCondLst>
+                                    <p:cond delay="0"/>
+                                  </p:stCondLst>
+                                  <p:childTnLst>
+                                    <p:set>
+                                      <p:cBhvr>
+                                        <p:cTn id="31" dur="1" fill="hold">
+                                          <p:stCondLst>
+                                            <p:cond delay="0"/>
+                                          </p:stCondLst>
+                                        </p:cTn>
+                                        <p:tgtEl>
+                                          <p:spTgt spid="14"/>
+                                        </p:tgtEl>
+                                        <p:attrNameLst>
+                                          <p:attrName>style.visibility</p:attrName>
+                                        </p:attrNameLst>
+                                      </p:cBhvr>
+                                      <p:to>
+                                        <p:strVal val="visible"/>
+                                      </p:to>
+                                    </p:set>
+                                    <p:animEffect transition="in" filter="fade">
+                                      <p:cBhvr>
+                                        <p:cTn id="32" dur="500"/>
+                                        <p:tgtEl>
+                                          <p:spTgt spid="14"/>
+                                        </p:tgtEl>
+                                      </p:cBhvr>
+                                    </p:animEffect>
+                                  </p:childTnLst>
+                                </p:cTn>
+                              </p:par>
+                            </p:childTnLst>
+                          </p:cTn>
+                        </p:par>
+                      </p:childTnLst>
+                    </p:cTn>
+                  </p:par>
+                </p:childTnLst>
+              </p:cTn>
+              <p:prevCondLst>
+                <p:cond evt="onPrev" delay="0">
+                  <p:tgtEl>
+                    <p:sldTgt/>
+                  </p:tgtEl>
+                </p:cond>
+              </p:prevCondLst>
+              <p:nextCondLst>
+                <p:cond evt="onNext" delay="0">
+                  <p:tgtEl>
+                    <p:sldTgt/>
+                  </p:tgtEl>
+                </p:cond>
+              </p:nextCondLst>
+            </p:seq>
+          </p:childTnLst>
+        </p:cTn>
+      </p:par>
+    </p:tnLst>
+    <p:bldLst>
+      <p:bldP spid="3" grpId="0"/>
+      <p:bldP spid="5" grpId="0"/>
+      <p:bldP spid="6" grpId="0"/>
+      <p:bldP spid="7" grpId="0"/>
+      <p:bldP spid="12" grpId="0"/>
+      <p:bldP spid="14" grpId="0"/>
+    </p:bldLst>
+  </p:timing>
+</p:sld>
+</file>
+
+<file path=ppt/slides/slide3.xml><?xml version="1.0" encoding="utf-8"?>
+<p:sld xmlns:a="http://schemas.openxmlformats.org/drawingml/2006/main" xmlns:r="http://schemas.openxmlformats.org/officeDocument/2006/relationships" xmlns:p="http://schemas.openxmlformats.org/presentationml/2006/main">
+  <p:cSld>
+    <p:spTree>
+      <p:nvGrpSpPr>
+        <p:cNvPr id="1" name=""/>
+        <p:cNvGrpSpPr/>
+        <p:nvPr/>
+      </p:nvGrpSpPr>
+      <p:grpSpPr>
+        <a:xfrm>
+          <a:off x="0" y="0"/>
+          <a:ext cx="0" cy="0"/>
+          <a:chOff x="0" y="0"/>
+          <a:chExt cx="0" cy="0"/>
+        </a:xfrm>
+      </p:grpSpPr>
+      <p:pic>
+        <p:nvPicPr>
+          <p:cNvPr id="2" name="図 1"/>
+          <p:cNvPicPr>
+            <a:picLocks noChangeAspect="1"/>
+          </p:cNvPicPr>
+          <p:nvPr/>
+        </p:nvPicPr>
+        <p:blipFill>
+          <a:blip r:embed="rId2">
+            <a:extLst>
+              <a:ext uri="{28A0092B-C50C-407E-A947-70E740481C1C}">
+                <a14:useLocalDpi xmlns:a14="http://schemas.microsoft.com/office/drawing/2010/main" val="0"/>
+              </a:ext>
+            </a:extLst>
+          </a:blip>
+          <a:stretch>
+            <a:fillRect/>
+          </a:stretch>
+        </p:blipFill>
+        <p:spPr>
+          <a:xfrm>
+            <a:off x="0" y="5497393"/>
+            <a:ext cx="4685714" cy="1726984"/>
+          </a:xfrm>
+          <a:prstGeom prst="rect">
+            <a:avLst/>
+          </a:prstGeom>
+        </p:spPr>
+      </p:pic>
+      <p:sp>
+        <p:nvSpPr>
+          <p:cNvPr id="9" name="テキスト ボックス 8"/>
+          <p:cNvSpPr txBox="1"/>
+          <p:nvPr/>
+        </p:nvSpPr>
+        <p:spPr>
+          <a:xfrm>
+            <a:off x="425440" y="364536"/>
+            <a:ext cx="3877985" cy="584775"/>
+          </a:xfrm>
+          <a:prstGeom prst="rect">
+            <a:avLst/>
+          </a:prstGeom>
+          <a:noFill/>
+        </p:spPr>
+        <p:txBody>
+          <a:bodyPr wrap="none" rtlCol="0">
+            <a:spAutoFit/>
+          </a:bodyPr>
+          <a:lstStyle/>
+          <a:p>
+            <a:r>
+              <a:rPr lang="ja-JP" altLang="en-US" sz="3200" dirty="0" smtClean="0"/>
+              <a:t>使うメリットとは？</a:t>
+            </a:r>
+            <a:endParaRPr lang="en-US" altLang="ja-JP" sz="3200" dirty="0" smtClean="0"/>
+          </a:p>
+        </p:txBody>
+      </p:sp>
+      <p:sp>
+        <p:nvSpPr>
+          <p:cNvPr id="11" name="テキスト ボックス 10"/>
+          <p:cNvSpPr txBox="1"/>
+          <p:nvPr/>
+        </p:nvSpPr>
+        <p:spPr>
+          <a:xfrm>
+            <a:off x="425440" y="1828149"/>
+            <a:ext cx="11674991" cy="3108543"/>
+          </a:xfrm>
+          <a:prstGeom prst="rect">
+            <a:avLst/>
+          </a:prstGeom>
+          <a:noFill/>
+        </p:spPr>
+        <p:txBody>
+          <a:bodyPr wrap="none" rtlCol="0">
+            <a:spAutoFit/>
+          </a:bodyPr>
+          <a:lstStyle/>
+          <a:p>
+            <a:r>
+              <a:rPr lang="ja-JP" altLang="en-US" sz="2800" dirty="0" smtClean="0">
+                <a:solidFill>
+                  <a:srgbClr val="FF0000"/>
+                </a:solidFill>
+              </a:rPr>
+              <a:t>会社でバージョン管理ソフトは絶対使う。</a:t>
+            </a:r>
+            <a:endParaRPr lang="en-US" altLang="ja-JP" sz="2800" dirty="0"/>
+          </a:p>
+          <a:p>
+            <a:r>
+              <a:rPr lang="ja-JP" altLang="en-US" sz="2800" dirty="0" smtClean="0"/>
+              <a:t>集団制作の時に</a:t>
+            </a:r>
+            <a:r>
+              <a:rPr lang="ja-JP" altLang="en-US" sz="2800" b="1" u="sng" dirty="0" smtClean="0"/>
+              <a:t>ちゃんと理解</a:t>
+            </a:r>
+            <a:r>
+              <a:rPr lang="ja-JP" altLang="en-US" sz="2800" dirty="0" smtClean="0"/>
+              <a:t>して使うと作業効率が上がる。（</a:t>
+            </a:r>
+            <a:r>
+              <a:rPr lang="en-US" altLang="ja-JP" sz="2800" dirty="0" smtClean="0"/>
+              <a:t>※</a:t>
+            </a:r>
+            <a:r>
+              <a:rPr lang="ja-JP" altLang="en-US" sz="2800" dirty="0" smtClean="0"/>
+              <a:t>余談）</a:t>
+            </a:r>
+            <a:endParaRPr lang="en-US" altLang="ja-JP" sz="2800" dirty="0" smtClean="0"/>
+          </a:p>
+          <a:p>
+            <a:r>
+              <a:rPr lang="ja-JP" altLang="en-US" sz="2800" dirty="0">
+                <a:solidFill>
+                  <a:srgbClr val="FF0000"/>
+                </a:solidFill>
+              </a:rPr>
+              <a:t>会社でバージョン管理ソフトは絶対</a:t>
+            </a:r>
+            <a:r>
+              <a:rPr lang="ja-JP" altLang="en-US" sz="2800" dirty="0" smtClean="0">
+                <a:solidFill>
+                  <a:srgbClr val="FF0000"/>
+                </a:solidFill>
+              </a:rPr>
+              <a:t>使う。</a:t>
+            </a:r>
+            <a:endParaRPr lang="en-US" altLang="ja-JP" sz="2800" dirty="0"/>
+          </a:p>
+          <a:p>
+            <a:r>
+              <a:rPr lang="ja-JP" altLang="en-US" sz="2800" dirty="0" smtClean="0"/>
+              <a:t>記録が（嫌でも）しっかり残る（サボリがばれる）。</a:t>
+            </a:r>
+            <a:endParaRPr lang="en-US" altLang="ja-JP" sz="2800" dirty="0" smtClean="0"/>
+          </a:p>
+          <a:p>
+            <a:r>
+              <a:rPr lang="ja-JP" altLang="en-US" sz="2800" dirty="0">
+                <a:solidFill>
+                  <a:srgbClr val="FF0000"/>
+                </a:solidFill>
+              </a:rPr>
+              <a:t>会社でバージョン管理ソフトは絶対</a:t>
+            </a:r>
+            <a:r>
+              <a:rPr lang="ja-JP" altLang="en-US" sz="2800" dirty="0" smtClean="0">
+                <a:solidFill>
+                  <a:srgbClr val="FF0000"/>
+                </a:solidFill>
+              </a:rPr>
+              <a:t>使う</a:t>
+            </a:r>
+            <a:r>
+              <a:rPr lang="ja-JP" altLang="en-US" sz="2800" dirty="0" smtClean="0"/>
+              <a:t>。</a:t>
+            </a:r>
+            <a:endParaRPr lang="en-US" altLang="ja-JP" sz="2800" dirty="0" smtClean="0"/>
+          </a:p>
+          <a:p>
+            <a:r>
+              <a:rPr lang="ja-JP" altLang="en-US" sz="2800" dirty="0" smtClean="0"/>
+              <a:t>各々がやることが分かりやすい。（</a:t>
+            </a:r>
+            <a:r>
+              <a:rPr lang="en-US" altLang="ja-JP" sz="2800" dirty="0" smtClean="0"/>
+              <a:t>※</a:t>
+            </a:r>
+            <a:r>
+              <a:rPr lang="ja-JP" altLang="en-US" sz="2800" dirty="0" smtClean="0"/>
+              <a:t>実際の説明書を見て説明）</a:t>
+            </a:r>
+            <a:endParaRPr lang="en-US" altLang="ja-JP" sz="2800" dirty="0" smtClean="0"/>
+          </a:p>
+          <a:p>
+            <a:r>
+              <a:rPr lang="ja-JP" altLang="en-US" sz="2800" dirty="0">
+                <a:solidFill>
+                  <a:srgbClr val="FF0000"/>
+                </a:solidFill>
+              </a:rPr>
+              <a:t>会社で</a:t>
+            </a:r>
+            <a:r>
+              <a:rPr lang="ja-JP" altLang="en-US" sz="2800" dirty="0" smtClean="0">
+                <a:solidFill>
+                  <a:srgbClr val="FF0000"/>
+                </a:solidFill>
+              </a:rPr>
+              <a:t>バージョン管理ソフトは絶対使うんだから黙ってやれ。</a:t>
+            </a:r>
+            <a:endParaRPr lang="en-US" altLang="ja-JP" sz="2800" dirty="0"/>
+          </a:p>
+        </p:txBody>
+      </p:sp>
+      <p:sp>
+        <p:nvSpPr>
+          <p:cNvPr id="13" name="テキスト ボックス 12"/>
+          <p:cNvSpPr txBox="1"/>
+          <p:nvPr/>
+        </p:nvSpPr>
+        <p:spPr>
+          <a:xfrm>
+            <a:off x="10262558" y="2552416"/>
+            <a:ext cx="612668" cy="1015663"/>
+          </a:xfrm>
+          <a:prstGeom prst="rect">
+            <a:avLst/>
+          </a:prstGeom>
+          <a:noFill/>
+        </p:spPr>
+        <p:txBody>
+          <a:bodyPr wrap="none" rtlCol="0">
+            <a:spAutoFit/>
+          </a:bodyPr>
+          <a:lstStyle/>
+          <a:p>
+            <a:r>
+              <a:rPr lang="en-US" altLang="ja-JP" sz="6000" dirty="0"/>
+              <a:t>2</a:t>
+            </a:r>
+            <a:endParaRPr kumimoji="1" lang="ja-JP" altLang="en-US" sz="6000" dirty="0"/>
+          </a:p>
+        </p:txBody>
+      </p:sp>
+      <p:pic>
+        <p:nvPicPr>
+          <p:cNvPr id="8" name="図 7"/>
+          <p:cNvPicPr>
+            <a:picLocks noChangeAspect="1"/>
+          </p:cNvPicPr>
+          <p:nvPr/>
+        </p:nvPicPr>
+        <p:blipFill>
+          <a:blip r:embed="rId3">
+            <a:extLst>
+              <a:ext uri="{28A0092B-C50C-407E-A947-70E740481C1C}">
+                <a14:useLocalDpi xmlns:a14="http://schemas.microsoft.com/office/drawing/2010/main" val="0"/>
+              </a:ext>
+            </a:extLst>
+          </a:blip>
+          <a:stretch>
+            <a:fillRect/>
+          </a:stretch>
+        </p:blipFill>
+        <p:spPr>
+          <a:xfrm>
+            <a:off x="8542908" y="3085950"/>
+            <a:ext cx="3772050" cy="3772050"/>
+          </a:xfrm>
+          <a:prstGeom prst="rect">
+            <a:avLst/>
+          </a:prstGeom>
+        </p:spPr>
+      </p:pic>
+    </p:spTree>
+    <p:extLst>
+      <p:ext uri="{BB962C8B-B14F-4D97-AF65-F5344CB8AC3E}">
+        <p14:creationId xmlns:p14="http://schemas.microsoft.com/office/powerpoint/2010/main" val="4223544231"/>
+      </p:ext>
+    </p:extLst>
+  </p:cSld>
+  <p:clrMapOvr>
+    <a:masterClrMapping/>
+  </p:clrMapOvr>
+  <p:timing>
+    <p:tnLst>
+      <p:par>
+        <p:cTn id="1" dur="indefinite" restart="never" nodeType="tmRoot">
+          <p:childTnLst>
+            <p:seq concurrent="1" nextAc="seek">
+              <p:cTn id="2" dur="indefinite" nodeType="mainSeq">
+                <p:childTnLst>
+                  <p:par>
+                    <p:cTn id="3" fill="hold">
+                      <p:stCondLst>
+                        <p:cond delay="indefinite"/>
+                      </p:stCondLst>
+                      <p:childTnLst>
+                        <p:par>
+                          <p:cTn id="4" fill="hold">
+                            <p:stCondLst>
+                              <p:cond delay="0"/>
+                            </p:stCondLst>
+                            <p:childTnLst>
+                              <p:par>
+                                <p:cTn id="5" presetID="10" presetClass="entr" presetSubtype="0" fill="hold" grpId="0" nodeType="clickEffect">
+                                  <p:stCondLst>
+                                    <p:cond delay="0"/>
+                                  </p:stCondLst>
+                                  <p:childTnLst>
+                                    <p:set>
+                                      <p:cBhvr>
+                                        <p:cTn id="6" dur="1" fill="hold">
+                                          <p:stCondLst>
+                                            <p:cond delay="0"/>
+                                          </p:stCondLst>
+                                        </p:cTn>
+                                        <p:tgtEl>
                                           <p:spTgt spid="9"/>
+                                        </p:tgtEl>
+                                        <p:attrNameLst>
+                                          <p:attrName>style.visibility</p:attrName>
+                                        </p:attrNameLst>
+                                      </p:cBhvr>
+                                      <p:to>
+                                        <p:strVal val="visible"/>
+                                      </p:to>
+                                    </p:set>
+                                    <p:animEffect transition="in" filter="fade">
+                                      <p:cBhvr>
+                                        <p:cTn id="7" dur="500"/>
+                                        <p:tgtEl>
+                                          <p:spTgt spid="9"/>
+                                        </p:tgtEl>
+                                      </p:cBhvr>
+                                    </p:animEffect>
+                                  </p:childTnLst>
+                                </p:cTn>
+                              </p:par>
+                            </p:childTnLst>
+                          </p:cTn>
+                        </p:par>
+                      </p:childTnLst>
+                    </p:cTn>
+                  </p:par>
+                  <p:par>
+                    <p:cTn id="8" fill="hold">
+                      <p:stCondLst>
+                        <p:cond delay="indefinite"/>
+                      </p:stCondLst>
+                      <p:childTnLst>
+                        <p:par>
+                          <p:cTn id="9" fill="hold">
+                            <p:stCondLst>
+                              <p:cond delay="0"/>
+                            </p:stCondLst>
+                            <p:childTnLst>
+                              <p:par>
+                                <p:cTn id="10" presetID="10" presetClass="entr" presetSubtype="0" fill="hold" nodeType="clickEffect">
+                                  <p:stCondLst>
+                                    <p:cond delay="0"/>
+                                  </p:stCondLst>
+                                  <p:childTnLst>
+                                    <p:set>
+                                      <p:cBhvr>
+                                        <p:cTn id="11" dur="1" fill="hold">
+                                          <p:stCondLst>
+                                            <p:cond delay="0"/>
+                                          </p:stCondLst>
+                                        </p:cTn>
+                                        <p:tgtEl>
+                                          <p:spTgt spid="11">
+                                            <p:txEl>
+                                              <p:pRg st="0" end="0"/>
+                                            </p:txEl>
+                                          </p:spTgt>
+                                        </p:tgtEl>
+                                        <p:attrNameLst>
+                                          <p:attrName>style.visibility</p:attrName>
+                                        </p:attrNameLst>
+                                      </p:cBhvr>
+                                      <p:to>
+                                        <p:strVal val="visible"/>
+                                      </p:to>
+                                    </p:set>
+                                    <p:animEffect transition="in" filter="fade">
+                                      <p:cBhvr>
+                                        <p:cTn id="12" dur="500"/>
+                                        <p:tgtEl>
+                                          <p:spTgt spid="11">
+                                            <p:txEl>
+                                              <p:pRg st="0" end="0"/>
+                                            </p:txEl>
+                                          </p:spTgt>
+                                        </p:tgtEl>
+                                      </p:cBhvr>
+                                    </p:animEffect>
+                                  </p:childTnLst>
+                                </p:cTn>
+                              </p:par>
+                            </p:childTnLst>
+                          </p:cTn>
+                        </p:par>
+                      </p:childTnLst>
+                    </p:cTn>
+                  </p:par>
+                  <p:par>
+                    <p:cTn id="13" fill="hold">
+                      <p:stCondLst>
+                        <p:cond delay="indefinite"/>
+                      </p:stCondLst>
+                      <p:childTnLst>
+                        <p:par>
+                          <p:cTn id="14" fill="hold">
+                            <p:stCondLst>
+                              <p:cond delay="0"/>
+                            </p:stCondLst>
+                            <p:childTnLst>
+                              <p:par>
+                                <p:cTn id="15" presetID="10" presetClass="entr" presetSubtype="0" fill="hold" nodeType="clickEffect">
+                                  <p:stCondLst>
+                                    <p:cond delay="0"/>
+                                  </p:stCondLst>
+                                  <p:childTnLst>
+                                    <p:set>
+                                      <p:cBhvr>
+                                        <p:cTn id="16" dur="1" fill="hold">
+                                          <p:stCondLst>
+                                            <p:cond delay="0"/>
+                                          </p:stCondLst>
+                                        </p:cTn>
+                                        <p:tgtEl>
+                                          <p:spTgt spid="11">
+                                            <p:txEl>
+                                              <p:pRg st="1" end="1"/>
+                                            </p:txEl>
+                                          </p:spTgt>
+                                        </p:tgtEl>
+                                        <p:attrNameLst>
+                                          <p:attrName>style.visibility</p:attrName>
+                                        </p:attrNameLst>
+                                      </p:cBhvr>
+                                      <p:to>
+                                        <p:strVal val="visible"/>
+                                      </p:to>
+                                    </p:set>
+                                    <p:animEffect transition="in" filter="fade">
+                                      <p:cBhvr>
+                                        <p:cTn id="17" dur="500"/>
+                                        <p:tgtEl>
+                                          <p:spTgt spid="11">
+                                            <p:txEl>
+                                              <p:pRg st="1" end="1"/>
+                                            </p:txEl>
+                                          </p:spTgt>
+                                        </p:tgtEl>
+                                      </p:cBhvr>
+                                    </p:animEffect>
+                                  </p:childTnLst>
+                                </p:cTn>
+                              </p:par>
+                            </p:childTnLst>
+                          </p:cTn>
+                        </p:par>
+                      </p:childTnLst>
+                    </p:cTn>
+                  </p:par>
+                  <p:par>
+                    <p:cTn id="18" fill="hold">
+                      <p:stCondLst>
+                        <p:cond delay="indefinite"/>
+                      </p:stCondLst>
+                      <p:childTnLst>
+                        <p:par>
+                          <p:cTn id="19" fill="hold">
+                            <p:stCondLst>
+                              <p:cond delay="0"/>
+                            </p:stCondLst>
+                            <p:childTnLst>
+                              <p:par>
+                                <p:cTn id="20" presetID="10" presetClass="entr" presetSubtype="0" fill="hold" nodeType="clickEffect">
+                                  <p:stCondLst>
+                                    <p:cond delay="0"/>
+                                  </p:stCondLst>
+                                  <p:childTnLst>
+                                    <p:set>
+                                      <p:cBhvr>
+                                        <p:cTn id="21" dur="1" fill="hold">
+                                          <p:stCondLst>
+                                            <p:cond delay="0"/>
+                                          </p:stCondLst>
+                                        </p:cTn>
+                                        <p:tgtEl>
+                                          <p:spTgt spid="11">
+                                            <p:txEl>
+                                              <p:pRg st="2" end="2"/>
+                                            </p:txEl>
+                                          </p:spTgt>
+                                        </p:tgtEl>
+                                        <p:attrNameLst>
+                                          <p:attrName>style.visibility</p:attrName>
+                                        </p:attrNameLst>
+                                      </p:cBhvr>
+                                      <p:to>
+                                        <p:strVal val="visible"/>
+                                      </p:to>
+                                    </p:set>
+                                    <p:animEffect transition="in" filter="fade">
+                                      <p:cBhvr>
+                                        <p:cTn id="22" dur="500"/>
+                                        <p:tgtEl>
+                                          <p:spTgt spid="11">
+                                            <p:txEl>
+                                              <p:pRg st="2" end="2"/>
+                                            </p:txEl>
+                                          </p:spTgt>
+                                        </p:tgtEl>
+                                      </p:cBhvr>
+                                    </p:animEffect>
+                                  </p:childTnLst>
+                                </p:cTn>
+                              </p:par>
+                            </p:childTnLst>
+                          </p:cTn>
+                        </p:par>
+                      </p:childTnLst>
+                    </p:cTn>
+                  </p:par>
+                  <p:par>
+                    <p:cTn id="23" fill="hold">
+                      <p:stCondLst>
+                        <p:cond delay="indefinite"/>
+                      </p:stCondLst>
+                      <p:childTnLst>
+                        <p:par>
+                          <p:cTn id="24" fill="hold">
+                            <p:stCondLst>
+                              <p:cond delay="0"/>
+                            </p:stCondLst>
+                            <p:childTnLst>
+                              <p:par>
+                                <p:cTn id="25" presetID="10" presetClass="entr" presetSubtype="0" fill="hold" nodeType="clickEffect">
+                                  <p:stCondLst>
+                                    <p:cond delay="0"/>
+                                  </p:stCondLst>
+                                  <p:childTnLst>
+                                    <p:set>
+                                      <p:cBhvr>
+                                        <p:cTn id="26" dur="1" fill="hold">
+                                          <p:stCondLst>
+                                            <p:cond delay="0"/>
+                                          </p:stCondLst>
+                                        </p:cTn>
+                                        <p:tgtEl>
+                                          <p:spTgt spid="11">
+                                            <p:txEl>
+                                              <p:pRg st="3" end="3"/>
+                                            </p:txEl>
+                                          </p:spTgt>
+                                        </p:tgtEl>
+                                        <p:attrNameLst>
+                                          <p:attrName>style.visibility</p:attrName>
+                                        </p:attrNameLst>
+                                      </p:cBhvr>
+                                      <p:to>
+                                        <p:strVal val="visible"/>
+                                      </p:to>
+                                    </p:set>
+                                    <p:animEffect transition="in" filter="fade">
+                                      <p:cBhvr>
+                                        <p:cTn id="27" dur="500"/>
+                                        <p:tgtEl>
+                                          <p:spTgt spid="11">
+                                            <p:txEl>
+                                              <p:pRg st="3" end="3"/>
+                                            </p:txEl>
+                                          </p:spTgt>
                                         </p:tgtEl>
                                       </p:cBhvr>
                                     </p:animEffect>
@@ -4539,7 +5123,7 @@
                                         <p:tgtEl>
                                           <p:spTgt spid="11">
                                             <p:txEl>
-                                              <p:pRg st="0" end="0"/>
+                                              <p:pRg st="4" end="4"/>
                                             </p:txEl>
                                           </p:spTgt>
                                         </p:tgtEl>
@@ -4557,7 +5141,7 @@
                                         <p:tgtEl>
                                           <p:spTgt spid="11">
                                             <p:txEl>
-                                              <p:pRg st="0" end="0"/>
+                                              <p:pRg st="4" end="4"/>
                                             </p:txEl>
                                           </p:spTgt>
                                         </p:tgtEl>
@@ -4600,7 +5184,7 @@
                                         <p:tgtEl>
                                           <p:spTgt spid="11">
                                             <p:txEl>
-                                              <p:pRg st="1" end="1"/>
+                                              <p:pRg st="5" end="5"/>
                                             </p:txEl>
                                           </p:spTgt>
                                         </p:tgtEl>
@@ -4618,7 +5202,7 @@
                                         <p:tgtEl>
                                           <p:spTgt spid="11">
                                             <p:txEl>
-                                              <p:pRg st="1" end="1"/>
+                                              <p:pRg st="5" end="5"/>
                                             </p:txEl>
                                           </p:spTgt>
                                         </p:tgtEl>
@@ -4661,7 +5245,7 @@
                                         <p:tgtEl>
                                           <p:spTgt spid="11">
                                             <p:txEl>
-                                              <p:pRg st="2" end="2"/>
+                                              <p:pRg st="6" end="6"/>
                                             </p:txEl>
                                           </p:spTgt>
                                         </p:tgtEl>
@@ -4676,250 +5260,6 @@
                                     <p:animEffect transition="in" filter="fade">
                                       <p:cBhvr>
                                         <p:cTn id="42" dur="500"/>
-                                        <p:tgtEl>
-                                          <p:spTgt spid="11">
-                                            <p:txEl>
-                                              <p:pRg st="2" end="2"/>
-                                            </p:txEl>
-                                          </p:spTgt>
-                                        </p:tgtEl>
-                                      </p:cBhvr>
-                                    </p:animEffect>
-                                  </p:childTnLst>
-                                </p:cTn>
-                              </p:par>
-                            </p:childTnLst>
-                          </p:cTn>
-                        </p:par>
-                      </p:childTnLst>
-                    </p:cTn>
-                  </p:par>
-                  <p:par>
-                    <p:cTn id="43" fill="hold">
-                      <p:stCondLst>
-                        <p:cond delay="indefinite"/>
-                      </p:stCondLst>
-                      <p:childTnLst>
-                        <p:par>
-                          <p:cTn id="44" fill="hold">
-                            <p:stCondLst>
-                              <p:cond delay="0"/>
-                            </p:stCondLst>
-                            <p:childTnLst>
-                              <p:par>
-                                <p:cTn id="45" presetID="10" presetClass="entr" presetSubtype="0" fill="hold" nodeType="clickEffect">
-                                  <p:stCondLst>
-                                    <p:cond delay="0"/>
-                                  </p:stCondLst>
-                                  <p:childTnLst>
-                                    <p:set>
-                                      <p:cBhvr>
-                                        <p:cTn id="46" dur="1" fill="hold">
-                                          <p:stCondLst>
-                                            <p:cond delay="0"/>
-                                          </p:stCondLst>
-                                        </p:cTn>
-                                        <p:tgtEl>
-                                          <p:spTgt spid="11">
-                                            <p:txEl>
-                                              <p:pRg st="3" end="3"/>
-                                            </p:txEl>
-                                          </p:spTgt>
-                                        </p:tgtEl>
-                                        <p:attrNameLst>
-                                          <p:attrName>style.visibility</p:attrName>
-                                        </p:attrNameLst>
-                                      </p:cBhvr>
-                                      <p:to>
-                                        <p:strVal val="visible"/>
-                                      </p:to>
-                                    </p:set>
-                                    <p:animEffect transition="in" filter="fade">
-                                      <p:cBhvr>
-                                        <p:cTn id="47" dur="500"/>
-                                        <p:tgtEl>
-                                          <p:spTgt spid="11">
-                                            <p:txEl>
-                                              <p:pRg st="3" end="3"/>
-                                            </p:txEl>
-                                          </p:spTgt>
-                                        </p:tgtEl>
-                                      </p:cBhvr>
-                                    </p:animEffect>
-                                  </p:childTnLst>
-                                </p:cTn>
-                              </p:par>
-                            </p:childTnLst>
-                          </p:cTn>
-                        </p:par>
-                      </p:childTnLst>
-                    </p:cTn>
-                  </p:par>
-                  <p:par>
-                    <p:cTn id="48" fill="hold">
-                      <p:stCondLst>
-                        <p:cond delay="indefinite"/>
-                      </p:stCondLst>
-                      <p:childTnLst>
-                        <p:par>
-                          <p:cTn id="49" fill="hold">
-                            <p:stCondLst>
-                              <p:cond delay="0"/>
-                            </p:stCondLst>
-                            <p:childTnLst>
-                              <p:par>
-                                <p:cTn id="50" presetID="10" presetClass="entr" presetSubtype="0" fill="hold" nodeType="clickEffect">
-                                  <p:stCondLst>
-                                    <p:cond delay="0"/>
-                                  </p:stCondLst>
-                                  <p:childTnLst>
-                                    <p:set>
-                                      <p:cBhvr>
-                                        <p:cTn id="51" dur="1" fill="hold">
-                                          <p:stCondLst>
-                                            <p:cond delay="0"/>
-                                          </p:stCondLst>
-                                        </p:cTn>
-                                        <p:tgtEl>
-                                          <p:spTgt spid="11">
-                                            <p:txEl>
-                                              <p:pRg st="4" end="4"/>
-                                            </p:txEl>
-                                          </p:spTgt>
-                                        </p:tgtEl>
-                                        <p:attrNameLst>
-                                          <p:attrName>style.visibility</p:attrName>
-                                        </p:attrNameLst>
-                                      </p:cBhvr>
-                                      <p:to>
-                                        <p:strVal val="visible"/>
-                                      </p:to>
-                                    </p:set>
-                                    <p:animEffect transition="in" filter="fade">
-                                      <p:cBhvr>
-                                        <p:cTn id="52" dur="500"/>
-                                        <p:tgtEl>
-                                          <p:spTgt spid="11">
-                                            <p:txEl>
-                                              <p:pRg st="4" end="4"/>
-                                            </p:txEl>
-                                          </p:spTgt>
-                                        </p:tgtEl>
-                                      </p:cBhvr>
-                                    </p:animEffect>
-                                  </p:childTnLst>
-                                </p:cTn>
-                              </p:par>
-                            </p:childTnLst>
-                          </p:cTn>
-                        </p:par>
-                      </p:childTnLst>
-                    </p:cTn>
-                  </p:par>
-                  <p:par>
-                    <p:cTn id="53" fill="hold">
-                      <p:stCondLst>
-                        <p:cond delay="indefinite"/>
-                      </p:stCondLst>
-                      <p:childTnLst>
-                        <p:par>
-                          <p:cTn id="54" fill="hold">
-                            <p:stCondLst>
-                              <p:cond delay="0"/>
-                            </p:stCondLst>
-                            <p:childTnLst>
-                              <p:par>
-                                <p:cTn id="55" presetID="10" presetClass="entr" presetSubtype="0" fill="hold" nodeType="clickEffect">
-                                  <p:stCondLst>
-                                    <p:cond delay="0"/>
-                                  </p:stCondLst>
-                                  <p:childTnLst>
-                                    <p:set>
-                                      <p:cBhvr>
-                                        <p:cTn id="56" dur="1" fill="hold">
-                                          <p:stCondLst>
-                                            <p:cond delay="0"/>
-                                          </p:stCondLst>
-                                        </p:cTn>
-                                        <p:tgtEl>
-                                          <p:spTgt spid="11">
-                                            <p:txEl>
-                                              <p:pRg st="5" end="5"/>
-                                            </p:txEl>
-                                          </p:spTgt>
-                                        </p:tgtEl>
-                                        <p:attrNameLst>
-                                          <p:attrName>style.visibility</p:attrName>
-                                        </p:attrNameLst>
-                                      </p:cBhvr>
-                                      <p:to>
-                                        <p:strVal val="visible"/>
-                                      </p:to>
-                                    </p:set>
-                                    <p:animEffect transition="in" filter="fade">
-                                      <p:cBhvr>
-                                        <p:cTn id="57" dur="500"/>
-                                        <p:tgtEl>
-                                          <p:spTgt spid="11">
-                                            <p:txEl>
-                                              <p:pRg st="5" end="5"/>
-                                            </p:txEl>
-                                          </p:spTgt>
-                                        </p:tgtEl>
-                                      </p:cBhvr>
-                                    </p:animEffect>
-                                  </p:childTnLst>
-                                </p:cTn>
-                              </p:par>
-                            </p:childTnLst>
-                          </p:cTn>
-                        </p:par>
-                      </p:childTnLst>
-                    </p:cTn>
-                  </p:par>
-                  <p:par>
-                    <p:cTn id="58" fill="hold">
-                      <p:stCondLst>
-                        <p:cond delay="indefinite"/>
-                      </p:stCondLst>
-                      <p:childTnLst>
-                        <p:par>
-                          <p:cTn id="59" fill="hold">
-                            <p:stCondLst>
-                              <p:cond delay="0"/>
-                            </p:stCondLst>
-                            <p:childTnLst>
-                              <p:par>
-                                <p:cTn id="60" presetID="10" presetClass="entr" presetSubtype="0" fill="hold" nodeType="clickEffect">
-                                  <p:stCondLst>
-                                    <p:cond delay="0"/>
-                                  </p:stCondLst>
-                                  <p:childTnLst>
-                                    <p:set>
-                                      <p:cBhvr>
-                                        <p:cTn id="61" dur="1" fill="hold">
-                                          <p:stCondLst>
-                                            <p:cond delay="0"/>
-                                          </p:stCondLst>
-                                        </p:cTn>
-                                        <p:tgtEl>
-                                          <p:spTgt spid="11">
-                                            <p:txEl>
-                                              <p:pRg st="6" end="6"/>
-                                            </p:txEl>
-                                          </p:spTgt>
-                                        </p:tgtEl>
-                                        <p:attrNameLst>
-                                          <p:attrName>style.visibility</p:attrName>
-                                        </p:attrNameLst>
-                                      </p:cBhvr>
-                                      <p:to>
-                                        <p:strVal val="visible"/>
-                                      </p:to>
-                                    </p:set>
-                                    <p:animEffect transition="in" filter="fade">
-                                      <p:cBhvr>
-                                        <p:cTn id="62" dur="500"/>
                                         <p:tgtEl>
                                           <p:spTgt spid="11">
                                             <p:txEl>
@@ -4960,17 +5300,1694 @@
       </p:par>
     </p:tnLst>
     <p:bldLst>
-      <p:bldP spid="3" grpId="0"/>
-      <p:bldP spid="5" grpId="0"/>
-      <p:bldP spid="6" grpId="0"/>
-      <p:bldP spid="7" grpId="0"/>
       <p:bldP spid="9" grpId="0"/>
     </p:bldLst>
   </p:timing>
 </p:sld>
 </file>
 
-<file path=ppt/slides/slide3.xml><?xml version="1.0" encoding="utf-8"?>
+<file path=ppt/slides/slide4.xml><?xml version="1.0" encoding="utf-8"?>
+<p:sld xmlns:a="http://schemas.openxmlformats.org/drawingml/2006/main" xmlns:r="http://schemas.openxmlformats.org/officeDocument/2006/relationships" xmlns:p="http://schemas.openxmlformats.org/presentationml/2006/main">
+  <p:cSld>
+    <p:spTree>
+      <p:nvGrpSpPr>
+        <p:cNvPr id="1" name=""/>
+        <p:cNvGrpSpPr/>
+        <p:nvPr/>
+      </p:nvGrpSpPr>
+      <p:grpSpPr>
+        <a:xfrm>
+          <a:off x="0" y="0"/>
+          <a:ext cx="0" cy="0"/>
+          <a:chOff x="0" y="0"/>
+          <a:chExt cx="0" cy="0"/>
+        </a:xfrm>
+      </p:grpSpPr>
+      <p:pic>
+        <p:nvPicPr>
+          <p:cNvPr id="2" name="図 1"/>
+          <p:cNvPicPr>
+            <a:picLocks noChangeAspect="1"/>
+          </p:cNvPicPr>
+          <p:nvPr/>
+        </p:nvPicPr>
+        <p:blipFill>
+          <a:blip r:embed="rId2">
+            <a:extLst>
+              <a:ext uri="{28A0092B-C50C-407E-A947-70E740481C1C}">
+                <a14:useLocalDpi xmlns:a14="http://schemas.microsoft.com/office/drawing/2010/main" val="0"/>
+              </a:ext>
+            </a:extLst>
+          </a:blip>
+          <a:stretch>
+            <a:fillRect/>
+          </a:stretch>
+        </p:blipFill>
+        <p:spPr>
+          <a:xfrm>
+            <a:off x="0" y="5497393"/>
+            <a:ext cx="4685714" cy="1726984"/>
+          </a:xfrm>
+          <a:prstGeom prst="rect">
+            <a:avLst/>
+          </a:prstGeom>
+        </p:spPr>
+      </p:pic>
+      <p:pic>
+        <p:nvPicPr>
+          <p:cNvPr id="4" name="図 3"/>
+          <p:cNvPicPr>
+            <a:picLocks noChangeAspect="1"/>
+          </p:cNvPicPr>
+          <p:nvPr/>
+        </p:nvPicPr>
+        <p:blipFill>
+          <a:blip r:embed="rId3">
+            <a:extLst>
+              <a:ext uri="{28A0092B-C50C-407E-A947-70E740481C1C}">
+                <a14:useLocalDpi xmlns:a14="http://schemas.microsoft.com/office/drawing/2010/main" val="0"/>
+              </a:ext>
+            </a:extLst>
+          </a:blip>
+          <a:stretch>
+            <a:fillRect/>
+          </a:stretch>
+        </p:blipFill>
+        <p:spPr>
+          <a:xfrm>
+            <a:off x="7817525" y="2964581"/>
+            <a:ext cx="4259796" cy="4259796"/>
+          </a:xfrm>
+          <a:prstGeom prst="rect">
+            <a:avLst/>
+          </a:prstGeom>
+        </p:spPr>
+      </p:pic>
+      <p:sp>
+        <p:nvSpPr>
+          <p:cNvPr id="5" name="テキスト ボックス 4"/>
+          <p:cNvSpPr txBox="1"/>
+          <p:nvPr/>
+        </p:nvSpPr>
+        <p:spPr>
+          <a:xfrm>
+            <a:off x="9795587" y="2456749"/>
+            <a:ext cx="612668" cy="1015663"/>
+          </a:xfrm>
+          <a:prstGeom prst="rect">
+            <a:avLst/>
+          </a:prstGeom>
+          <a:noFill/>
+        </p:spPr>
+        <p:txBody>
+          <a:bodyPr wrap="none" rtlCol="0">
+            <a:spAutoFit/>
+          </a:bodyPr>
+          <a:lstStyle/>
+          <a:p>
+            <a:r>
+              <a:rPr kumimoji="1" lang="en-US" altLang="ja-JP" sz="6000" dirty="0" smtClean="0"/>
+              <a:t>3</a:t>
+            </a:r>
+            <a:endParaRPr kumimoji="1" lang="ja-JP" altLang="en-US" sz="6000" dirty="0"/>
+          </a:p>
+        </p:txBody>
+      </p:sp>
+      <p:sp>
+        <p:nvSpPr>
+          <p:cNvPr id="6" name="テキスト ボックス 5"/>
+          <p:cNvSpPr txBox="1"/>
+          <p:nvPr/>
+        </p:nvSpPr>
+        <p:spPr>
+          <a:xfrm>
+            <a:off x="318357" y="267128"/>
+            <a:ext cx="1826141" cy="584775"/>
+          </a:xfrm>
+          <a:prstGeom prst="rect">
+            <a:avLst/>
+          </a:prstGeom>
+          <a:noFill/>
+        </p:spPr>
+        <p:txBody>
+          <a:bodyPr wrap="none" rtlCol="0">
+            <a:spAutoFit/>
+          </a:bodyPr>
+          <a:lstStyle/>
+          <a:p>
+            <a:r>
+              <a:rPr lang="ja-JP" altLang="en-US" sz="3200" b="1" dirty="0" smtClean="0"/>
+              <a:t>用語</a:t>
+            </a:r>
+            <a:r>
+              <a:rPr lang="ja-JP" altLang="en-US" sz="3200" b="1" dirty="0"/>
+              <a:t>解説</a:t>
+            </a:r>
+            <a:endParaRPr kumimoji="1" lang="ja-JP" altLang="en-US" sz="3200" b="1" dirty="0"/>
+          </a:p>
+        </p:txBody>
+      </p:sp>
+      <p:sp>
+        <p:nvSpPr>
+          <p:cNvPr id="7" name="テキスト ボックス 6"/>
+          <p:cNvSpPr txBox="1"/>
+          <p:nvPr/>
+        </p:nvSpPr>
+        <p:spPr>
+          <a:xfrm>
+            <a:off x="318357" y="1466488"/>
+            <a:ext cx="9417963" cy="3970318"/>
+          </a:xfrm>
+          <a:prstGeom prst="rect">
+            <a:avLst/>
+          </a:prstGeom>
+          <a:noFill/>
+        </p:spPr>
+        <p:txBody>
+          <a:bodyPr wrap="none" rtlCol="0">
+            <a:spAutoFit/>
+          </a:bodyPr>
+          <a:lstStyle/>
+          <a:p>
+            <a:r>
+              <a:rPr lang="ja-JP" altLang="en-US" b="1" dirty="0" smtClean="0"/>
+              <a:t>リポジトリ（直訳で倉庫、まぁ作業場みたいな感じでとらえると良いかも）</a:t>
+            </a:r>
+            <a:endParaRPr lang="en-US" altLang="ja-JP" b="1" dirty="0" smtClean="0"/>
+          </a:p>
+          <a:p>
+            <a:r>
+              <a:rPr lang="ja-JP" altLang="en-US" dirty="0" smtClean="0"/>
+              <a:t>作業する場所、最初に作成するもの。</a:t>
+            </a:r>
+            <a:endParaRPr lang="en-US" altLang="ja-JP" dirty="0"/>
+          </a:p>
+          <a:p>
+            <a:r>
+              <a:rPr lang="ja-JP" altLang="en-US" dirty="0" smtClean="0"/>
+              <a:t>そういう名前と認識すればＯＫ。</a:t>
+            </a:r>
+            <a:endParaRPr lang="en-US" altLang="ja-JP" dirty="0" smtClean="0"/>
+          </a:p>
+          <a:p>
+            <a:r>
+              <a:rPr lang="ja-JP" altLang="en-US" b="1" dirty="0" smtClean="0"/>
+              <a:t>ブランチ（枝）</a:t>
+            </a:r>
+            <a:endParaRPr lang="en-US" altLang="ja-JP" b="1" dirty="0" smtClean="0"/>
+          </a:p>
+          <a:p>
+            <a:r>
+              <a:rPr lang="ja-JP" altLang="en-US" dirty="0" smtClean="0"/>
+              <a:t>名前の通り、主軸から作業を分けるために枝別れした領域を作る。</a:t>
+            </a:r>
+            <a:endParaRPr lang="en-US" altLang="ja-JP" dirty="0" smtClean="0"/>
+          </a:p>
+          <a:p>
+            <a:r>
+              <a:rPr lang="ja-JP" altLang="en-US" b="1" dirty="0" smtClean="0"/>
+              <a:t>プル、クローン</a:t>
+            </a:r>
+            <a:endParaRPr lang="en-US" altLang="ja-JP" b="1" dirty="0" smtClean="0"/>
+          </a:p>
+          <a:p>
+            <a:r>
+              <a:rPr lang="en-US" altLang="ja-JP" dirty="0" smtClean="0"/>
+              <a:t>Web</a:t>
+            </a:r>
+            <a:r>
+              <a:rPr lang="ja-JP" altLang="en-US" dirty="0" smtClean="0"/>
+              <a:t>か</a:t>
+            </a:r>
+            <a:r>
+              <a:rPr lang="ja-JP" altLang="en-US" dirty="0"/>
+              <a:t>ら</a:t>
+            </a:r>
+            <a:r>
+              <a:rPr lang="ja-JP" altLang="en-US" dirty="0" smtClean="0"/>
+              <a:t>データを持ってくる</a:t>
+            </a:r>
+            <a:endParaRPr lang="en-US" altLang="ja-JP" dirty="0" smtClean="0"/>
+          </a:p>
+          <a:p>
+            <a:r>
+              <a:rPr lang="ja-JP" altLang="en-US" b="1" dirty="0" smtClean="0"/>
+              <a:t>コミット</a:t>
+            </a:r>
+            <a:endParaRPr lang="en-US" altLang="ja-JP" b="1" dirty="0" smtClean="0"/>
+          </a:p>
+          <a:p>
+            <a:r>
+              <a:rPr lang="ja-JP" altLang="en-US" dirty="0"/>
+              <a:t>終了</a:t>
+            </a:r>
+            <a:r>
+              <a:rPr lang="ja-JP" altLang="en-US" dirty="0" smtClean="0"/>
+              <a:t>した作業を統合するためにマスターブランチに投げる（この時点では統合されない）</a:t>
+            </a:r>
+            <a:endParaRPr lang="en-US" altLang="ja-JP" dirty="0" smtClean="0"/>
+          </a:p>
+          <a:p>
+            <a:r>
+              <a:rPr lang="ja-JP" altLang="en-US" b="1" dirty="0" smtClean="0"/>
+              <a:t>マージ</a:t>
+            </a:r>
+            <a:endParaRPr lang="en-US" altLang="ja-JP" b="1" dirty="0" smtClean="0"/>
+          </a:p>
+          <a:p>
+            <a:r>
+              <a:rPr lang="ja-JP" altLang="en-US" dirty="0" smtClean="0"/>
+              <a:t>投げられてきたコミットを統合する。</a:t>
+            </a:r>
+            <a:endParaRPr lang="en-US" altLang="ja-JP" dirty="0"/>
+          </a:p>
+          <a:p>
+            <a:r>
+              <a:rPr lang="en-US" altLang="ja-JP" b="1" dirty="0" smtClean="0"/>
+              <a:t>Sync(</a:t>
+            </a:r>
+            <a:r>
+              <a:rPr lang="ja-JP" altLang="en-US" b="1" dirty="0" smtClean="0"/>
+              <a:t>変更来ました</a:t>
+            </a:r>
+            <a:r>
+              <a:rPr lang="en-US" altLang="ja-JP" b="1" dirty="0" smtClean="0"/>
+              <a:t>)-&gt;push origin</a:t>
+            </a:r>
+          </a:p>
+          <a:p>
+            <a:r>
+              <a:rPr lang="ja-JP" altLang="en-US" dirty="0" smtClean="0"/>
+              <a:t>自分が投げたコミットをアップすると同時に最新版とってくる。</a:t>
+            </a:r>
+            <a:endParaRPr lang="en-US" altLang="ja-JP" dirty="0" smtClean="0"/>
+          </a:p>
+          <a:p>
+            <a:endParaRPr lang="en-US" altLang="ja-JP" dirty="0"/>
+          </a:p>
+        </p:txBody>
+      </p:sp>
+    </p:spTree>
+    <p:extLst>
+      <p:ext uri="{BB962C8B-B14F-4D97-AF65-F5344CB8AC3E}">
+        <p14:creationId xmlns:p14="http://schemas.microsoft.com/office/powerpoint/2010/main" val="2141803967"/>
+      </p:ext>
+    </p:extLst>
+  </p:cSld>
+  <p:clrMapOvr>
+    <a:masterClrMapping/>
+  </p:clrMapOvr>
+  <p:timing>
+    <p:tnLst>
+      <p:par>
+        <p:cTn id="1" dur="indefinite" restart="never" nodeType="tmRoot">
+          <p:childTnLst>
+            <p:seq concurrent="1" nextAc="seek">
+              <p:cTn id="2" dur="indefinite" nodeType="mainSeq">
+                <p:childTnLst>
+                  <p:par>
+                    <p:cTn id="3" fill="hold">
+                      <p:stCondLst>
+                        <p:cond delay="indefinite"/>
+                      </p:stCondLst>
+                      <p:childTnLst>
+                        <p:par>
+                          <p:cTn id="4" fill="hold">
+                            <p:stCondLst>
+                              <p:cond delay="0"/>
+                            </p:stCondLst>
+                            <p:childTnLst>
+                              <p:par>
+                                <p:cTn id="5" presetID="10" presetClass="entr" presetSubtype="0" fill="hold" grpId="0" nodeType="clickEffect">
+                                  <p:stCondLst>
+                                    <p:cond delay="0"/>
+                                  </p:stCondLst>
+                                  <p:childTnLst>
+                                    <p:set>
+                                      <p:cBhvr>
+                                        <p:cTn id="6" dur="1" fill="hold">
+                                          <p:stCondLst>
+                                            <p:cond delay="0"/>
+                                          </p:stCondLst>
+                                        </p:cTn>
+                                        <p:tgtEl>
+                                          <p:spTgt spid="6"/>
+                                        </p:tgtEl>
+                                        <p:attrNameLst>
+                                          <p:attrName>style.visibility</p:attrName>
+                                        </p:attrNameLst>
+                                      </p:cBhvr>
+                                      <p:to>
+                                        <p:strVal val="visible"/>
+                                      </p:to>
+                                    </p:set>
+                                    <p:animEffect transition="in" filter="fade">
+                                      <p:cBhvr>
+                                        <p:cTn id="7" dur="500"/>
+                                        <p:tgtEl>
+                                          <p:spTgt spid="6"/>
+                                        </p:tgtEl>
+                                      </p:cBhvr>
+                                    </p:animEffect>
+                                  </p:childTnLst>
+                                </p:cTn>
+                              </p:par>
+                            </p:childTnLst>
+                          </p:cTn>
+                        </p:par>
+                      </p:childTnLst>
+                    </p:cTn>
+                  </p:par>
+                </p:childTnLst>
+              </p:cTn>
+              <p:prevCondLst>
+                <p:cond evt="onPrev" delay="0">
+                  <p:tgtEl>
+                    <p:sldTgt/>
+                  </p:tgtEl>
+                </p:cond>
+              </p:prevCondLst>
+              <p:nextCondLst>
+                <p:cond evt="onNext" delay="0">
+                  <p:tgtEl>
+                    <p:sldTgt/>
+                  </p:tgtEl>
+                </p:cond>
+              </p:nextCondLst>
+            </p:seq>
+          </p:childTnLst>
+        </p:cTn>
+      </p:par>
+    </p:tnLst>
+    <p:bldLst>
+      <p:bldP spid="6" grpId="0"/>
+    </p:bldLst>
+  </p:timing>
+</p:sld>
+</file>
+
+<file path=ppt/slides/slide5.xml><?xml version="1.0" encoding="utf-8"?>
+<p:sld xmlns:a="http://schemas.openxmlformats.org/drawingml/2006/main" xmlns:r="http://schemas.openxmlformats.org/officeDocument/2006/relationships" xmlns:p="http://schemas.openxmlformats.org/presentationml/2006/main">
+  <p:cSld>
+    <p:spTree>
+      <p:nvGrpSpPr>
+        <p:cNvPr id="1" name=""/>
+        <p:cNvGrpSpPr/>
+        <p:nvPr/>
+      </p:nvGrpSpPr>
+      <p:grpSpPr>
+        <a:xfrm>
+          <a:off x="0" y="0"/>
+          <a:ext cx="0" cy="0"/>
+          <a:chOff x="0" y="0"/>
+          <a:chExt cx="0" cy="0"/>
+        </a:xfrm>
+      </p:grpSpPr>
+      <p:pic>
+        <p:nvPicPr>
+          <p:cNvPr id="2" name="図 1"/>
+          <p:cNvPicPr>
+            <a:picLocks noChangeAspect="1"/>
+          </p:cNvPicPr>
+          <p:nvPr/>
+        </p:nvPicPr>
+        <p:blipFill>
+          <a:blip r:embed="rId2">
+            <a:extLst>
+              <a:ext uri="{28A0092B-C50C-407E-A947-70E740481C1C}">
+                <a14:useLocalDpi xmlns:a14="http://schemas.microsoft.com/office/drawing/2010/main" val="0"/>
+              </a:ext>
+            </a:extLst>
+          </a:blip>
+          <a:stretch>
+            <a:fillRect/>
+          </a:stretch>
+        </p:blipFill>
+        <p:spPr>
+          <a:xfrm>
+            <a:off x="0" y="5497393"/>
+            <a:ext cx="4685714" cy="1726984"/>
+          </a:xfrm>
+          <a:prstGeom prst="rect">
+            <a:avLst/>
+          </a:prstGeom>
+        </p:spPr>
+      </p:pic>
+      <p:pic>
+        <p:nvPicPr>
+          <p:cNvPr id="6" name="図 5"/>
+          <p:cNvPicPr>
+            <a:picLocks noChangeAspect="1"/>
+          </p:cNvPicPr>
+          <p:nvPr/>
+        </p:nvPicPr>
+        <p:blipFill>
+          <a:blip r:embed="rId3">
+            <a:extLst>
+              <a:ext uri="{28A0092B-C50C-407E-A947-70E740481C1C}">
+                <a14:useLocalDpi xmlns:a14="http://schemas.microsoft.com/office/drawing/2010/main" val="0"/>
+              </a:ext>
+            </a:extLst>
+          </a:blip>
+          <a:stretch>
+            <a:fillRect/>
+          </a:stretch>
+        </p:blipFill>
+        <p:spPr>
+          <a:xfrm>
+            <a:off x="8316227" y="3180258"/>
+            <a:ext cx="3677742" cy="3677742"/>
+          </a:xfrm>
+          <a:prstGeom prst="rect">
+            <a:avLst/>
+          </a:prstGeom>
+        </p:spPr>
+      </p:pic>
+      <p:sp>
+        <p:nvSpPr>
+          <p:cNvPr id="4" name="テキスト ボックス 3"/>
+          <p:cNvSpPr txBox="1"/>
+          <p:nvPr/>
+        </p:nvSpPr>
+        <p:spPr>
+          <a:xfrm>
+            <a:off x="9692845" y="2022199"/>
+            <a:ext cx="612668" cy="1015663"/>
+          </a:xfrm>
+          <a:prstGeom prst="rect">
+            <a:avLst/>
+          </a:prstGeom>
+          <a:noFill/>
+        </p:spPr>
+        <p:txBody>
+          <a:bodyPr wrap="none" rtlCol="0">
+            <a:spAutoFit/>
+          </a:bodyPr>
+          <a:lstStyle/>
+          <a:p>
+            <a:r>
+              <a:rPr kumimoji="1" lang="en-US" altLang="ja-JP" sz="6000" dirty="0" smtClean="0"/>
+              <a:t>4</a:t>
+            </a:r>
+            <a:endParaRPr kumimoji="1" lang="ja-JP" altLang="en-US" sz="6000" dirty="0"/>
+          </a:p>
+        </p:txBody>
+      </p:sp>
+      <p:sp>
+        <p:nvSpPr>
+          <p:cNvPr id="5" name="テキスト ボックス 4"/>
+          <p:cNvSpPr txBox="1"/>
+          <p:nvPr/>
+        </p:nvSpPr>
+        <p:spPr>
+          <a:xfrm>
+            <a:off x="318357" y="267128"/>
+            <a:ext cx="6750566" cy="584775"/>
+          </a:xfrm>
+          <a:prstGeom prst="rect">
+            <a:avLst/>
+          </a:prstGeom>
+          <a:noFill/>
+        </p:spPr>
+        <p:txBody>
+          <a:bodyPr wrap="none" rtlCol="0">
+            <a:spAutoFit/>
+          </a:bodyPr>
+          <a:lstStyle/>
+          <a:p>
+            <a:r>
+              <a:rPr lang="ja-JP" altLang="en-US" sz="3200" b="1" dirty="0" smtClean="0"/>
+              <a:t>使うツールとかおすすめツールとか</a:t>
+            </a:r>
+            <a:endParaRPr kumimoji="1" lang="ja-JP" altLang="en-US" sz="3200" b="1" dirty="0"/>
+          </a:p>
+        </p:txBody>
+      </p:sp>
+      <p:sp>
+        <p:nvSpPr>
+          <p:cNvPr id="7" name="テキスト ボックス 6"/>
+          <p:cNvSpPr txBox="1"/>
+          <p:nvPr/>
+        </p:nvSpPr>
+        <p:spPr>
+          <a:xfrm>
+            <a:off x="318357" y="1745200"/>
+            <a:ext cx="7119257" cy="2862322"/>
+          </a:xfrm>
+          <a:prstGeom prst="rect">
+            <a:avLst/>
+          </a:prstGeom>
+          <a:noFill/>
+        </p:spPr>
+        <p:txBody>
+          <a:bodyPr wrap="none" rtlCol="0">
+            <a:spAutoFit/>
+          </a:bodyPr>
+          <a:lstStyle/>
+          <a:p>
+            <a:r>
+              <a:rPr lang="en-US" altLang="ja-JP" b="1" dirty="0" smtClean="0"/>
+              <a:t>GITHUB</a:t>
+            </a:r>
+            <a:r>
+              <a:rPr lang="ja-JP" altLang="en-US" b="1" dirty="0" smtClean="0"/>
+              <a:t>　</a:t>
+            </a:r>
+            <a:r>
+              <a:rPr lang="en-US" altLang="ja-JP" b="1" dirty="0" smtClean="0"/>
+              <a:t>DESKTOP</a:t>
+            </a:r>
+            <a:endParaRPr lang="en-US" altLang="ja-JP" dirty="0"/>
+          </a:p>
+          <a:p>
+            <a:r>
+              <a:rPr lang="en-US" altLang="ja-JP" dirty="0" smtClean="0"/>
+              <a:t>GITHUB</a:t>
+            </a:r>
+            <a:r>
+              <a:rPr lang="ja-JP" altLang="en-US" dirty="0" smtClean="0"/>
+              <a:t>との通信を簡単にしてくれるソフト。</a:t>
+            </a:r>
+            <a:endParaRPr lang="en-US" altLang="ja-JP" dirty="0" smtClean="0"/>
+          </a:p>
+          <a:p>
+            <a:r>
+              <a:rPr lang="ja-JP" altLang="en-US" dirty="0" smtClean="0"/>
+              <a:t>今回使うんで必須。</a:t>
+            </a:r>
+            <a:endParaRPr lang="en-US" altLang="ja-JP" dirty="0" smtClean="0"/>
+          </a:p>
+          <a:p>
+            <a:r>
+              <a:rPr lang="en-US" altLang="ja-JP" b="1" dirty="0" smtClean="0"/>
+              <a:t>Unity</a:t>
+            </a:r>
+            <a:endParaRPr lang="en-US" altLang="ja-JP" b="1" dirty="0"/>
+          </a:p>
+          <a:p>
+            <a:r>
+              <a:rPr lang="ja-JP" altLang="en-US" dirty="0" smtClean="0"/>
+              <a:t>いわずと知れた神ソフト。正直これ以外いる？</a:t>
+            </a:r>
+            <a:endParaRPr lang="en-US" altLang="ja-JP" dirty="0" smtClean="0"/>
+          </a:p>
+          <a:p>
+            <a:r>
+              <a:rPr lang="en-US" altLang="ja-JP" b="1" dirty="0" smtClean="0"/>
+              <a:t>Slack</a:t>
+            </a:r>
+          </a:p>
+          <a:p>
+            <a:r>
+              <a:rPr lang="en-US" altLang="ja-JP" dirty="0" err="1" smtClean="0"/>
+              <a:t>Github</a:t>
+            </a:r>
+            <a:r>
+              <a:rPr lang="ja-JP" altLang="en-US" dirty="0" smtClean="0"/>
+              <a:t>と連携も出来て、更新ごとに通知とか出来る。</a:t>
+            </a:r>
+            <a:endParaRPr lang="en-US" altLang="ja-JP" dirty="0" smtClean="0"/>
+          </a:p>
+          <a:p>
+            <a:r>
+              <a:rPr lang="en-US" altLang="ja-JP" b="1" dirty="0" smtClean="0"/>
+              <a:t>Trello</a:t>
+            </a:r>
+          </a:p>
+          <a:p>
+            <a:r>
+              <a:rPr lang="en-US" altLang="ja-JP" dirty="0" err="1" smtClean="0"/>
+              <a:t>Github</a:t>
+            </a:r>
+            <a:r>
+              <a:rPr lang="ja-JP" altLang="en-US" dirty="0" smtClean="0"/>
+              <a:t>の</a:t>
+            </a:r>
+            <a:r>
+              <a:rPr lang="en-US" altLang="ja-JP" dirty="0" smtClean="0"/>
+              <a:t>Project</a:t>
+            </a:r>
+            <a:r>
+              <a:rPr lang="ja-JP" altLang="en-US" dirty="0" smtClean="0"/>
+              <a:t>タブと密接な関係なんと上記の</a:t>
+            </a:r>
+            <a:r>
+              <a:rPr lang="en-US" altLang="ja-JP" b="1" dirty="0" smtClean="0"/>
+              <a:t>Slack</a:t>
+            </a:r>
+            <a:r>
+              <a:rPr lang="ja-JP" altLang="en-US" dirty="0" smtClean="0"/>
+              <a:t>とも連携可能</a:t>
+            </a:r>
+            <a:endParaRPr lang="en-US" altLang="ja-JP" dirty="0" smtClean="0"/>
+          </a:p>
+          <a:p>
+            <a:endParaRPr lang="en-US" altLang="ja-JP" dirty="0" smtClean="0"/>
+          </a:p>
+        </p:txBody>
+      </p:sp>
+    </p:spTree>
+    <p:extLst>
+      <p:ext uri="{BB962C8B-B14F-4D97-AF65-F5344CB8AC3E}">
+        <p14:creationId xmlns:p14="http://schemas.microsoft.com/office/powerpoint/2010/main" val="659175246"/>
+      </p:ext>
+    </p:extLst>
+  </p:cSld>
+  <p:clrMapOvr>
+    <a:masterClrMapping/>
+  </p:clrMapOvr>
+  <p:timing>
+    <p:tnLst>
+      <p:par>
+        <p:cTn id="1" dur="indefinite" restart="never" nodeType="tmRoot">
+          <p:childTnLst>
+            <p:seq concurrent="1" nextAc="seek">
+              <p:cTn id="2" dur="indefinite" nodeType="mainSeq">
+                <p:childTnLst>
+                  <p:par>
+                    <p:cTn id="3" fill="hold">
+                      <p:stCondLst>
+                        <p:cond delay="indefinite"/>
+                      </p:stCondLst>
+                      <p:childTnLst>
+                        <p:par>
+                          <p:cTn id="4" fill="hold">
+                            <p:stCondLst>
+                              <p:cond delay="0"/>
+                            </p:stCondLst>
+                            <p:childTnLst>
+                              <p:par>
+                                <p:cTn id="5" presetID="10" presetClass="entr" presetSubtype="0" fill="hold" grpId="0" nodeType="clickEffect">
+                                  <p:stCondLst>
+                                    <p:cond delay="0"/>
+                                  </p:stCondLst>
+                                  <p:childTnLst>
+                                    <p:set>
+                                      <p:cBhvr>
+                                        <p:cTn id="6" dur="1" fill="hold">
+                                          <p:stCondLst>
+                                            <p:cond delay="0"/>
+                                          </p:stCondLst>
+                                        </p:cTn>
+                                        <p:tgtEl>
+                                          <p:spTgt spid="5"/>
+                                        </p:tgtEl>
+                                        <p:attrNameLst>
+                                          <p:attrName>style.visibility</p:attrName>
+                                        </p:attrNameLst>
+                                      </p:cBhvr>
+                                      <p:to>
+                                        <p:strVal val="visible"/>
+                                      </p:to>
+                                    </p:set>
+                                    <p:animEffect transition="in" filter="fade">
+                                      <p:cBhvr>
+                                        <p:cTn id="7" dur="500"/>
+                                        <p:tgtEl>
+                                          <p:spTgt spid="5"/>
+                                        </p:tgtEl>
+                                      </p:cBhvr>
+                                    </p:animEffect>
+                                  </p:childTnLst>
+                                </p:cTn>
+                              </p:par>
+                            </p:childTnLst>
+                          </p:cTn>
+                        </p:par>
+                      </p:childTnLst>
+                    </p:cTn>
+                  </p:par>
+                  <p:par>
+                    <p:cTn id="8" fill="hold">
+                      <p:stCondLst>
+                        <p:cond delay="indefinite"/>
+                      </p:stCondLst>
+                      <p:childTnLst>
+                        <p:par>
+                          <p:cTn id="9" fill="hold">
+                            <p:stCondLst>
+                              <p:cond delay="0"/>
+                            </p:stCondLst>
+                            <p:childTnLst>
+                              <p:par>
+                                <p:cTn id="10" presetID="10" presetClass="entr" presetSubtype="0" fill="hold" nodeType="clickEffect">
+                                  <p:stCondLst>
+                                    <p:cond delay="0"/>
+                                  </p:stCondLst>
+                                  <p:childTnLst>
+                                    <p:set>
+                                      <p:cBhvr>
+                                        <p:cTn id="11" dur="1" fill="hold">
+                                          <p:stCondLst>
+                                            <p:cond delay="0"/>
+                                          </p:stCondLst>
+                                        </p:cTn>
+                                        <p:tgtEl>
+                                          <p:spTgt spid="7">
+                                            <p:txEl>
+                                              <p:pRg st="0" end="0"/>
+                                            </p:txEl>
+                                          </p:spTgt>
+                                        </p:tgtEl>
+                                        <p:attrNameLst>
+                                          <p:attrName>style.visibility</p:attrName>
+                                        </p:attrNameLst>
+                                      </p:cBhvr>
+                                      <p:to>
+                                        <p:strVal val="visible"/>
+                                      </p:to>
+                                    </p:set>
+                                    <p:animEffect transition="in" filter="fade">
+                                      <p:cBhvr>
+                                        <p:cTn id="12" dur="500"/>
+                                        <p:tgtEl>
+                                          <p:spTgt spid="7">
+                                            <p:txEl>
+                                              <p:pRg st="0" end="0"/>
+                                            </p:txEl>
+                                          </p:spTgt>
+                                        </p:tgtEl>
+                                      </p:cBhvr>
+                                    </p:animEffect>
+                                  </p:childTnLst>
+                                </p:cTn>
+                              </p:par>
+                              <p:par>
+                                <p:cTn id="13" presetID="10" presetClass="entr" presetSubtype="0" fill="hold" nodeType="withEffect">
+                                  <p:stCondLst>
+                                    <p:cond delay="0"/>
+                                  </p:stCondLst>
+                                  <p:childTnLst>
+                                    <p:set>
+                                      <p:cBhvr>
+                                        <p:cTn id="14" dur="1" fill="hold">
+                                          <p:stCondLst>
+                                            <p:cond delay="0"/>
+                                          </p:stCondLst>
+                                        </p:cTn>
+                                        <p:tgtEl>
+                                          <p:spTgt spid="7">
+                                            <p:txEl>
+                                              <p:pRg st="1" end="1"/>
+                                            </p:txEl>
+                                          </p:spTgt>
+                                        </p:tgtEl>
+                                        <p:attrNameLst>
+                                          <p:attrName>style.visibility</p:attrName>
+                                        </p:attrNameLst>
+                                      </p:cBhvr>
+                                      <p:to>
+                                        <p:strVal val="visible"/>
+                                      </p:to>
+                                    </p:set>
+                                    <p:animEffect transition="in" filter="fade">
+                                      <p:cBhvr>
+                                        <p:cTn id="15" dur="500"/>
+                                        <p:tgtEl>
+                                          <p:spTgt spid="7">
+                                            <p:txEl>
+                                              <p:pRg st="1" end="1"/>
+                                            </p:txEl>
+                                          </p:spTgt>
+                                        </p:tgtEl>
+                                      </p:cBhvr>
+                                    </p:animEffect>
+                                  </p:childTnLst>
+                                </p:cTn>
+                              </p:par>
+                              <p:par>
+                                <p:cTn id="16" presetID="10" presetClass="entr" presetSubtype="0" fill="hold" nodeType="withEffect">
+                                  <p:stCondLst>
+                                    <p:cond delay="0"/>
+                                  </p:stCondLst>
+                                  <p:childTnLst>
+                                    <p:set>
+                                      <p:cBhvr>
+                                        <p:cTn id="17" dur="1" fill="hold">
+                                          <p:stCondLst>
+                                            <p:cond delay="0"/>
+                                          </p:stCondLst>
+                                        </p:cTn>
+                                        <p:tgtEl>
+                                          <p:spTgt spid="7">
+                                            <p:txEl>
+                                              <p:pRg st="2" end="2"/>
+                                            </p:txEl>
+                                          </p:spTgt>
+                                        </p:tgtEl>
+                                        <p:attrNameLst>
+                                          <p:attrName>style.visibility</p:attrName>
+                                        </p:attrNameLst>
+                                      </p:cBhvr>
+                                      <p:to>
+                                        <p:strVal val="visible"/>
+                                      </p:to>
+                                    </p:set>
+                                    <p:animEffect transition="in" filter="fade">
+                                      <p:cBhvr>
+                                        <p:cTn id="18" dur="500"/>
+                                        <p:tgtEl>
+                                          <p:spTgt spid="7">
+                                            <p:txEl>
+                                              <p:pRg st="2" end="2"/>
+                                            </p:txEl>
+                                          </p:spTgt>
+                                        </p:tgtEl>
+                                      </p:cBhvr>
+                                    </p:animEffect>
+                                  </p:childTnLst>
+                                </p:cTn>
+                              </p:par>
+                            </p:childTnLst>
+                          </p:cTn>
+                        </p:par>
+                      </p:childTnLst>
+                    </p:cTn>
+                  </p:par>
+                  <p:par>
+                    <p:cTn id="19" fill="hold">
+                      <p:stCondLst>
+                        <p:cond delay="indefinite"/>
+                      </p:stCondLst>
+                      <p:childTnLst>
+                        <p:par>
+                          <p:cTn id="20" fill="hold">
+                            <p:stCondLst>
+                              <p:cond delay="0"/>
+                            </p:stCondLst>
+                            <p:childTnLst>
+                              <p:par>
+                                <p:cTn id="21" presetID="10" presetClass="entr" presetSubtype="0" fill="hold" nodeType="clickEffect">
+                                  <p:stCondLst>
+                                    <p:cond delay="0"/>
+                                  </p:stCondLst>
+                                  <p:childTnLst>
+                                    <p:set>
+                                      <p:cBhvr>
+                                        <p:cTn id="22" dur="1" fill="hold">
+                                          <p:stCondLst>
+                                            <p:cond delay="0"/>
+                                          </p:stCondLst>
+                                        </p:cTn>
+                                        <p:tgtEl>
+                                          <p:spTgt spid="7">
+                                            <p:txEl>
+                                              <p:pRg st="3" end="3"/>
+                                            </p:txEl>
+                                          </p:spTgt>
+                                        </p:tgtEl>
+                                        <p:attrNameLst>
+                                          <p:attrName>style.visibility</p:attrName>
+                                        </p:attrNameLst>
+                                      </p:cBhvr>
+                                      <p:to>
+                                        <p:strVal val="visible"/>
+                                      </p:to>
+                                    </p:set>
+                                    <p:animEffect transition="in" filter="fade">
+                                      <p:cBhvr>
+                                        <p:cTn id="23" dur="500"/>
+                                        <p:tgtEl>
+                                          <p:spTgt spid="7">
+                                            <p:txEl>
+                                              <p:pRg st="3" end="3"/>
+                                            </p:txEl>
+                                          </p:spTgt>
+                                        </p:tgtEl>
+                                      </p:cBhvr>
+                                    </p:animEffect>
+                                  </p:childTnLst>
+                                </p:cTn>
+                              </p:par>
+                              <p:par>
+                                <p:cTn id="24" presetID="10" presetClass="entr" presetSubtype="0" fill="hold" nodeType="withEffect">
+                                  <p:stCondLst>
+                                    <p:cond delay="0"/>
+                                  </p:stCondLst>
+                                  <p:childTnLst>
+                                    <p:set>
+                                      <p:cBhvr>
+                                        <p:cTn id="25" dur="1" fill="hold">
+                                          <p:stCondLst>
+                                            <p:cond delay="0"/>
+                                          </p:stCondLst>
+                                        </p:cTn>
+                                        <p:tgtEl>
+                                          <p:spTgt spid="7">
+                                            <p:txEl>
+                                              <p:pRg st="4" end="4"/>
+                                            </p:txEl>
+                                          </p:spTgt>
+                                        </p:tgtEl>
+                                        <p:attrNameLst>
+                                          <p:attrName>style.visibility</p:attrName>
+                                        </p:attrNameLst>
+                                      </p:cBhvr>
+                                      <p:to>
+                                        <p:strVal val="visible"/>
+                                      </p:to>
+                                    </p:set>
+                                    <p:animEffect transition="in" filter="fade">
+                                      <p:cBhvr>
+                                        <p:cTn id="26" dur="500"/>
+                                        <p:tgtEl>
+                                          <p:spTgt spid="7">
+                                            <p:txEl>
+                                              <p:pRg st="4" end="4"/>
+                                            </p:txEl>
+                                          </p:spTgt>
+                                        </p:tgtEl>
+                                      </p:cBhvr>
+                                    </p:animEffect>
+                                  </p:childTnLst>
+                                </p:cTn>
+                              </p:par>
+                            </p:childTnLst>
+                          </p:cTn>
+                        </p:par>
+                      </p:childTnLst>
+                    </p:cTn>
+                  </p:par>
+                  <p:par>
+                    <p:cTn id="27" fill="hold">
+                      <p:stCondLst>
+                        <p:cond delay="indefinite"/>
+                      </p:stCondLst>
+                      <p:childTnLst>
+                        <p:par>
+                          <p:cTn id="28" fill="hold">
+                            <p:stCondLst>
+                              <p:cond delay="0"/>
+                            </p:stCondLst>
+                            <p:childTnLst>
+                              <p:par>
+                                <p:cTn id="29" presetID="10" presetClass="entr" presetSubtype="0" fill="hold" nodeType="clickEffect">
+                                  <p:stCondLst>
+                                    <p:cond delay="0"/>
+                                  </p:stCondLst>
+                                  <p:childTnLst>
+                                    <p:set>
+                                      <p:cBhvr>
+                                        <p:cTn id="30" dur="1" fill="hold">
+                                          <p:stCondLst>
+                                            <p:cond delay="0"/>
+                                          </p:stCondLst>
+                                        </p:cTn>
+                                        <p:tgtEl>
+                                          <p:spTgt spid="7">
+                                            <p:txEl>
+                                              <p:pRg st="5" end="5"/>
+                                            </p:txEl>
+                                          </p:spTgt>
+                                        </p:tgtEl>
+                                        <p:attrNameLst>
+                                          <p:attrName>style.visibility</p:attrName>
+                                        </p:attrNameLst>
+                                      </p:cBhvr>
+                                      <p:to>
+                                        <p:strVal val="visible"/>
+                                      </p:to>
+                                    </p:set>
+                                    <p:animEffect transition="in" filter="fade">
+                                      <p:cBhvr>
+                                        <p:cTn id="31" dur="500"/>
+                                        <p:tgtEl>
+                                          <p:spTgt spid="7">
+                                            <p:txEl>
+                                              <p:pRg st="5" end="5"/>
+                                            </p:txEl>
+                                          </p:spTgt>
+                                        </p:tgtEl>
+                                      </p:cBhvr>
+                                    </p:animEffect>
+                                  </p:childTnLst>
+                                </p:cTn>
+                              </p:par>
+                              <p:par>
+                                <p:cTn id="32" presetID="10" presetClass="entr" presetSubtype="0" fill="hold" nodeType="withEffect">
+                                  <p:stCondLst>
+                                    <p:cond delay="0"/>
+                                  </p:stCondLst>
+                                  <p:childTnLst>
+                                    <p:set>
+                                      <p:cBhvr>
+                                        <p:cTn id="33" dur="1" fill="hold">
+                                          <p:stCondLst>
+                                            <p:cond delay="0"/>
+                                          </p:stCondLst>
+                                        </p:cTn>
+                                        <p:tgtEl>
+                                          <p:spTgt spid="7">
+                                            <p:txEl>
+                                              <p:pRg st="6" end="6"/>
+                                            </p:txEl>
+                                          </p:spTgt>
+                                        </p:tgtEl>
+                                        <p:attrNameLst>
+                                          <p:attrName>style.visibility</p:attrName>
+                                        </p:attrNameLst>
+                                      </p:cBhvr>
+                                      <p:to>
+                                        <p:strVal val="visible"/>
+                                      </p:to>
+                                    </p:set>
+                                    <p:animEffect transition="in" filter="fade">
+                                      <p:cBhvr>
+                                        <p:cTn id="34" dur="500"/>
+                                        <p:tgtEl>
+                                          <p:spTgt spid="7">
+                                            <p:txEl>
+                                              <p:pRg st="6" end="6"/>
+                                            </p:txEl>
+                                          </p:spTgt>
+                                        </p:tgtEl>
+                                      </p:cBhvr>
+                                    </p:animEffect>
+                                  </p:childTnLst>
+                                </p:cTn>
+                              </p:par>
+                            </p:childTnLst>
+                          </p:cTn>
+                        </p:par>
+                      </p:childTnLst>
+                    </p:cTn>
+                  </p:par>
+                  <p:par>
+                    <p:cTn id="35" fill="hold">
+                      <p:stCondLst>
+                        <p:cond delay="indefinite"/>
+                      </p:stCondLst>
+                      <p:childTnLst>
+                        <p:par>
+                          <p:cTn id="36" fill="hold">
+                            <p:stCondLst>
+                              <p:cond delay="0"/>
+                            </p:stCondLst>
+                            <p:childTnLst>
+                              <p:par>
+                                <p:cTn id="37" presetID="10" presetClass="entr" presetSubtype="0" fill="hold" nodeType="clickEffect">
+                                  <p:stCondLst>
+                                    <p:cond delay="0"/>
+                                  </p:stCondLst>
+                                  <p:childTnLst>
+                                    <p:set>
+                                      <p:cBhvr>
+                                        <p:cTn id="38" dur="1" fill="hold">
+                                          <p:stCondLst>
+                                            <p:cond delay="0"/>
+                                          </p:stCondLst>
+                                        </p:cTn>
+                                        <p:tgtEl>
+                                          <p:spTgt spid="7">
+                                            <p:txEl>
+                                              <p:pRg st="7" end="7"/>
+                                            </p:txEl>
+                                          </p:spTgt>
+                                        </p:tgtEl>
+                                        <p:attrNameLst>
+                                          <p:attrName>style.visibility</p:attrName>
+                                        </p:attrNameLst>
+                                      </p:cBhvr>
+                                      <p:to>
+                                        <p:strVal val="visible"/>
+                                      </p:to>
+                                    </p:set>
+                                    <p:animEffect transition="in" filter="fade">
+                                      <p:cBhvr>
+                                        <p:cTn id="39" dur="500"/>
+                                        <p:tgtEl>
+                                          <p:spTgt spid="7">
+                                            <p:txEl>
+                                              <p:pRg st="7" end="7"/>
+                                            </p:txEl>
+                                          </p:spTgt>
+                                        </p:tgtEl>
+                                      </p:cBhvr>
+                                    </p:animEffect>
+                                  </p:childTnLst>
+                                </p:cTn>
+                              </p:par>
+                              <p:par>
+                                <p:cTn id="40" presetID="10" presetClass="entr" presetSubtype="0" fill="hold" nodeType="withEffect">
+                                  <p:stCondLst>
+                                    <p:cond delay="0"/>
+                                  </p:stCondLst>
+                                  <p:childTnLst>
+                                    <p:set>
+                                      <p:cBhvr>
+                                        <p:cTn id="41" dur="1" fill="hold">
+                                          <p:stCondLst>
+                                            <p:cond delay="0"/>
+                                          </p:stCondLst>
+                                        </p:cTn>
+                                        <p:tgtEl>
+                                          <p:spTgt spid="7">
+                                            <p:txEl>
+                                              <p:pRg st="8" end="8"/>
+                                            </p:txEl>
+                                          </p:spTgt>
+                                        </p:tgtEl>
+                                        <p:attrNameLst>
+                                          <p:attrName>style.visibility</p:attrName>
+                                        </p:attrNameLst>
+                                      </p:cBhvr>
+                                      <p:to>
+                                        <p:strVal val="visible"/>
+                                      </p:to>
+                                    </p:set>
+                                    <p:animEffect transition="in" filter="fade">
+                                      <p:cBhvr>
+                                        <p:cTn id="42" dur="500"/>
+                                        <p:tgtEl>
+                                          <p:spTgt spid="7">
+                                            <p:txEl>
+                                              <p:pRg st="8" end="8"/>
+                                            </p:txEl>
+                                          </p:spTgt>
+                                        </p:tgtEl>
+                                      </p:cBhvr>
+                                    </p:animEffect>
+                                  </p:childTnLst>
+                                </p:cTn>
+                              </p:par>
+                            </p:childTnLst>
+                          </p:cTn>
+                        </p:par>
+                      </p:childTnLst>
+                    </p:cTn>
+                  </p:par>
+                </p:childTnLst>
+              </p:cTn>
+              <p:prevCondLst>
+                <p:cond evt="onPrev" delay="0">
+                  <p:tgtEl>
+                    <p:sldTgt/>
+                  </p:tgtEl>
+                </p:cond>
+              </p:prevCondLst>
+              <p:nextCondLst>
+                <p:cond evt="onNext" delay="0">
+                  <p:tgtEl>
+                    <p:sldTgt/>
+                  </p:tgtEl>
+                </p:cond>
+              </p:nextCondLst>
+            </p:seq>
+          </p:childTnLst>
+        </p:cTn>
+      </p:par>
+    </p:tnLst>
+    <p:bldLst>
+      <p:bldP spid="5" grpId="0"/>
+    </p:bldLst>
+  </p:timing>
+</p:sld>
+</file>
+
+<file path=ppt/slides/slide6.xml><?xml version="1.0" encoding="utf-8"?>
+<p:sld xmlns:a="http://schemas.openxmlformats.org/drawingml/2006/main" xmlns:r="http://schemas.openxmlformats.org/officeDocument/2006/relationships" xmlns:p="http://schemas.openxmlformats.org/presentationml/2006/main">
+  <p:cSld>
+    <p:spTree>
+      <p:nvGrpSpPr>
+        <p:cNvPr id="1" name=""/>
+        <p:cNvGrpSpPr/>
+        <p:nvPr/>
+      </p:nvGrpSpPr>
+      <p:grpSpPr>
+        <a:xfrm>
+          <a:off x="0" y="0"/>
+          <a:ext cx="0" cy="0"/>
+          <a:chOff x="0" y="0"/>
+          <a:chExt cx="0" cy="0"/>
+        </a:xfrm>
+      </p:grpSpPr>
+      <p:pic>
+        <p:nvPicPr>
+          <p:cNvPr id="2" name="図 1"/>
+          <p:cNvPicPr>
+            <a:picLocks noChangeAspect="1"/>
+          </p:cNvPicPr>
+          <p:nvPr/>
+        </p:nvPicPr>
+        <p:blipFill>
+          <a:blip r:embed="rId2">
+            <a:extLst>
+              <a:ext uri="{28A0092B-C50C-407E-A947-70E740481C1C}">
+                <a14:useLocalDpi xmlns:a14="http://schemas.microsoft.com/office/drawing/2010/main" val="0"/>
+              </a:ext>
+            </a:extLst>
+          </a:blip>
+          <a:stretch>
+            <a:fillRect/>
+          </a:stretch>
+        </p:blipFill>
+        <p:spPr>
+          <a:xfrm>
+            <a:off x="0" y="5497393"/>
+            <a:ext cx="4685714" cy="1726984"/>
+          </a:xfrm>
+          <a:prstGeom prst="rect">
+            <a:avLst/>
+          </a:prstGeom>
+        </p:spPr>
+      </p:pic>
+      <p:sp>
+        <p:nvSpPr>
+          <p:cNvPr id="4" name="テキスト ボックス 3"/>
+          <p:cNvSpPr txBox="1"/>
+          <p:nvPr/>
+        </p:nvSpPr>
+        <p:spPr>
+          <a:xfrm>
+            <a:off x="9554496" y="2022199"/>
+            <a:ext cx="612668" cy="1015663"/>
+          </a:xfrm>
+          <a:prstGeom prst="rect">
+            <a:avLst/>
+          </a:prstGeom>
+          <a:noFill/>
+        </p:spPr>
+        <p:txBody>
+          <a:bodyPr wrap="none" rtlCol="0">
+            <a:spAutoFit/>
+          </a:bodyPr>
+          <a:lstStyle/>
+          <a:p>
+            <a:r>
+              <a:rPr kumimoji="1" lang="en-US" altLang="ja-JP" sz="6000" dirty="0" smtClean="0"/>
+              <a:t>5</a:t>
+            </a:r>
+            <a:endParaRPr kumimoji="1" lang="ja-JP" altLang="en-US" sz="6000" dirty="0"/>
+          </a:p>
+        </p:txBody>
+      </p:sp>
+      <p:sp>
+        <p:nvSpPr>
+          <p:cNvPr id="5" name="テキスト ボックス 4"/>
+          <p:cNvSpPr txBox="1"/>
+          <p:nvPr/>
+        </p:nvSpPr>
+        <p:spPr>
+          <a:xfrm>
+            <a:off x="318357" y="267128"/>
+            <a:ext cx="3877985" cy="584775"/>
+          </a:xfrm>
+          <a:prstGeom prst="rect">
+            <a:avLst/>
+          </a:prstGeom>
+          <a:noFill/>
+        </p:spPr>
+        <p:txBody>
+          <a:bodyPr wrap="none" rtlCol="0">
+            <a:spAutoFit/>
+          </a:bodyPr>
+          <a:lstStyle/>
+          <a:p>
+            <a:r>
+              <a:rPr lang="ja-JP" altLang="en-US" sz="3200" b="1" dirty="0" smtClean="0"/>
+              <a:t>今回やってみること</a:t>
+            </a:r>
+            <a:endParaRPr kumimoji="1" lang="ja-JP" altLang="en-US" sz="3200" b="1" dirty="0"/>
+          </a:p>
+        </p:txBody>
+      </p:sp>
+      <p:sp>
+        <p:nvSpPr>
+          <p:cNvPr id="7" name="テキスト ボックス 6"/>
+          <p:cNvSpPr txBox="1"/>
+          <p:nvPr/>
+        </p:nvSpPr>
+        <p:spPr>
+          <a:xfrm>
+            <a:off x="318357" y="1745200"/>
+            <a:ext cx="8117928" cy="1569660"/>
+          </a:xfrm>
+          <a:prstGeom prst="rect">
+            <a:avLst/>
+          </a:prstGeom>
+          <a:noFill/>
+        </p:spPr>
+        <p:txBody>
+          <a:bodyPr wrap="none" rtlCol="0">
+            <a:spAutoFit/>
+          </a:bodyPr>
+          <a:lstStyle/>
+          <a:p>
+            <a:r>
+              <a:rPr lang="ja-JP" altLang="en-US" sz="3200" dirty="0" smtClean="0"/>
+              <a:t>説明資料</a:t>
+            </a:r>
+            <a:r>
+              <a:rPr lang="ja-JP" altLang="en-US" sz="3200" dirty="0" smtClean="0"/>
+              <a:t>を見つつ、</a:t>
+            </a:r>
+            <a:endParaRPr lang="en-US" altLang="ja-JP" sz="3200" dirty="0" smtClean="0"/>
+          </a:p>
+          <a:p>
+            <a:r>
+              <a:rPr lang="en-US" altLang="ja-JP" sz="3200" dirty="0" smtClean="0"/>
+              <a:t>Unity</a:t>
+            </a:r>
+            <a:r>
+              <a:rPr lang="ja-JP" altLang="en-US" sz="3200" dirty="0" smtClean="0"/>
+              <a:t>で</a:t>
+            </a:r>
+            <a:r>
+              <a:rPr lang="en-US" altLang="ja-JP" sz="3200" dirty="0" err="1" smtClean="0"/>
+              <a:t>github</a:t>
+            </a:r>
+            <a:r>
+              <a:rPr lang="ja-JP" altLang="en-US" sz="3200" dirty="0" smtClean="0"/>
+              <a:t>をやる下準備をしてみよう</a:t>
+            </a:r>
+            <a:r>
+              <a:rPr lang="ja-JP" altLang="en-US" sz="3200" dirty="0" smtClean="0"/>
+              <a:t>。</a:t>
+            </a:r>
+            <a:endParaRPr lang="en-US" altLang="ja-JP" sz="3200" dirty="0" smtClean="0"/>
+          </a:p>
+          <a:p>
+            <a:r>
+              <a:rPr lang="ja-JP" altLang="en-US" sz="3200" smtClean="0"/>
+              <a:t>実際の動作確認は次回。</a:t>
+            </a:r>
+            <a:endParaRPr lang="en-US" altLang="ja-JP" sz="3200" dirty="0"/>
+          </a:p>
+        </p:txBody>
+      </p:sp>
+      <p:pic>
+        <p:nvPicPr>
+          <p:cNvPr id="3" name="図 2"/>
+          <p:cNvPicPr>
+            <a:picLocks noChangeAspect="1"/>
+          </p:cNvPicPr>
+          <p:nvPr/>
+        </p:nvPicPr>
+        <p:blipFill>
+          <a:blip r:embed="rId3">
+            <a:extLst>
+              <a:ext uri="{28A0092B-C50C-407E-A947-70E740481C1C}">
+                <a14:useLocalDpi xmlns:a14="http://schemas.microsoft.com/office/drawing/2010/main" val="0"/>
+              </a:ext>
+            </a:extLst>
+          </a:blip>
+          <a:stretch>
+            <a:fillRect/>
+          </a:stretch>
+        </p:blipFill>
+        <p:spPr>
+          <a:xfrm>
+            <a:off x="7949901" y="3146572"/>
+            <a:ext cx="3821859" cy="3821859"/>
+          </a:xfrm>
+          <a:prstGeom prst="rect">
+            <a:avLst/>
+          </a:prstGeom>
+        </p:spPr>
+      </p:pic>
+    </p:spTree>
+    <p:extLst>
+      <p:ext uri="{BB962C8B-B14F-4D97-AF65-F5344CB8AC3E}">
+        <p14:creationId xmlns:p14="http://schemas.microsoft.com/office/powerpoint/2010/main" val="4127551093"/>
+      </p:ext>
+    </p:extLst>
+  </p:cSld>
+  <p:clrMapOvr>
+    <a:masterClrMapping/>
+  </p:clrMapOvr>
+  <p:timing>
+    <p:tnLst>
+      <p:par>
+        <p:cTn id="1" dur="indefinite" restart="never" nodeType="tmRoot">
+          <p:childTnLst>
+            <p:seq concurrent="1" nextAc="seek">
+              <p:cTn id="2" dur="indefinite" nodeType="mainSeq">
+                <p:childTnLst>
+                  <p:par>
+                    <p:cTn id="3" fill="hold">
+                      <p:stCondLst>
+                        <p:cond delay="indefinite"/>
+                      </p:stCondLst>
+                      <p:childTnLst>
+                        <p:par>
+                          <p:cTn id="4" fill="hold">
+                            <p:stCondLst>
+                              <p:cond delay="0"/>
+                            </p:stCondLst>
+                            <p:childTnLst>
+                              <p:par>
+                                <p:cTn id="5" presetID="10" presetClass="entr" presetSubtype="0" fill="hold" grpId="0" nodeType="clickEffect">
+                                  <p:stCondLst>
+                                    <p:cond delay="0"/>
+                                  </p:stCondLst>
+                                  <p:childTnLst>
+                                    <p:set>
+                                      <p:cBhvr>
+                                        <p:cTn id="6" dur="1" fill="hold">
+                                          <p:stCondLst>
+                                            <p:cond delay="0"/>
+                                          </p:stCondLst>
+                                        </p:cTn>
+                                        <p:tgtEl>
+                                          <p:spTgt spid="5"/>
+                                        </p:tgtEl>
+                                        <p:attrNameLst>
+                                          <p:attrName>style.visibility</p:attrName>
+                                        </p:attrNameLst>
+                                      </p:cBhvr>
+                                      <p:to>
+                                        <p:strVal val="visible"/>
+                                      </p:to>
+                                    </p:set>
+                                    <p:animEffect transition="in" filter="fade">
+                                      <p:cBhvr>
+                                        <p:cTn id="7" dur="500"/>
+                                        <p:tgtEl>
+                                          <p:spTgt spid="5"/>
+                                        </p:tgtEl>
+                                      </p:cBhvr>
+                                    </p:animEffect>
+                                  </p:childTnLst>
+                                </p:cTn>
+                              </p:par>
+                            </p:childTnLst>
+                          </p:cTn>
+                        </p:par>
+                      </p:childTnLst>
+                    </p:cTn>
+                  </p:par>
+                  <p:par>
+                    <p:cTn id="8" fill="hold">
+                      <p:stCondLst>
+                        <p:cond delay="indefinite"/>
+                      </p:stCondLst>
+                      <p:childTnLst>
+                        <p:par>
+                          <p:cTn id="9" fill="hold">
+                            <p:stCondLst>
+                              <p:cond delay="0"/>
+                            </p:stCondLst>
+                            <p:childTnLst>
+                              <p:par>
+                                <p:cTn id="10" presetID="10" presetClass="entr" presetSubtype="0" fill="hold" nodeType="clickEffect">
+                                  <p:stCondLst>
+                                    <p:cond delay="0"/>
+                                  </p:stCondLst>
+                                  <p:childTnLst>
+                                    <p:set>
+                                      <p:cBhvr>
+                                        <p:cTn id="11" dur="1" fill="hold">
+                                          <p:stCondLst>
+                                            <p:cond delay="0"/>
+                                          </p:stCondLst>
+                                        </p:cTn>
+                                        <p:tgtEl>
+                                          <p:spTgt spid="7">
+                                            <p:txEl>
+                                              <p:pRg st="0" end="0"/>
+                                            </p:txEl>
+                                          </p:spTgt>
+                                        </p:tgtEl>
+                                        <p:attrNameLst>
+                                          <p:attrName>style.visibility</p:attrName>
+                                        </p:attrNameLst>
+                                      </p:cBhvr>
+                                      <p:to>
+                                        <p:strVal val="visible"/>
+                                      </p:to>
+                                    </p:set>
+                                    <p:animEffect transition="in" filter="fade">
+                                      <p:cBhvr>
+                                        <p:cTn id="12" dur="500"/>
+                                        <p:tgtEl>
+                                          <p:spTgt spid="7">
+                                            <p:txEl>
+                                              <p:pRg st="0" end="0"/>
+                                            </p:txEl>
+                                          </p:spTgt>
+                                        </p:tgtEl>
+                                      </p:cBhvr>
+                                    </p:animEffect>
+                                  </p:childTnLst>
+                                </p:cTn>
+                              </p:par>
+                            </p:childTnLst>
+                          </p:cTn>
+                        </p:par>
+                      </p:childTnLst>
+                    </p:cTn>
+                  </p:par>
+                  <p:par>
+                    <p:cTn id="13" fill="hold">
+                      <p:stCondLst>
+                        <p:cond delay="indefinite"/>
+                      </p:stCondLst>
+                      <p:childTnLst>
+                        <p:par>
+                          <p:cTn id="14" fill="hold">
+                            <p:stCondLst>
+                              <p:cond delay="0"/>
+                            </p:stCondLst>
+                            <p:childTnLst>
+                              <p:par>
+                                <p:cTn id="15" presetID="10" presetClass="entr" presetSubtype="0" fill="hold" nodeType="clickEffect">
+                                  <p:stCondLst>
+                                    <p:cond delay="0"/>
+                                  </p:stCondLst>
+                                  <p:childTnLst>
+                                    <p:set>
+                                      <p:cBhvr>
+                                        <p:cTn id="16" dur="1" fill="hold">
+                                          <p:stCondLst>
+                                            <p:cond delay="0"/>
+                                          </p:stCondLst>
+                                        </p:cTn>
+                                        <p:tgtEl>
+                                          <p:spTgt spid="7">
+                                            <p:txEl>
+                                              <p:pRg st="1" end="1"/>
+                                            </p:txEl>
+                                          </p:spTgt>
+                                        </p:tgtEl>
+                                        <p:attrNameLst>
+                                          <p:attrName>style.visibility</p:attrName>
+                                        </p:attrNameLst>
+                                      </p:cBhvr>
+                                      <p:to>
+                                        <p:strVal val="visible"/>
+                                      </p:to>
+                                    </p:set>
+                                    <p:animEffect transition="in" filter="fade">
+                                      <p:cBhvr>
+                                        <p:cTn id="17" dur="500"/>
+                                        <p:tgtEl>
+                                          <p:spTgt spid="7">
+                                            <p:txEl>
+                                              <p:pRg st="1" end="1"/>
+                                            </p:txEl>
+                                          </p:spTgt>
+                                        </p:tgtEl>
+                                      </p:cBhvr>
+                                    </p:animEffect>
+                                  </p:childTnLst>
+                                </p:cTn>
+                              </p:par>
+                            </p:childTnLst>
+                          </p:cTn>
+                        </p:par>
+                      </p:childTnLst>
+                    </p:cTn>
+                  </p:par>
+                  <p:par>
+                    <p:cTn id="18" fill="hold">
+                      <p:stCondLst>
+                        <p:cond delay="indefinite"/>
+                      </p:stCondLst>
+                      <p:childTnLst>
+                        <p:par>
+                          <p:cTn id="19" fill="hold">
+                            <p:stCondLst>
+                              <p:cond delay="0"/>
+                            </p:stCondLst>
+                            <p:childTnLst>
+                              <p:par>
+                                <p:cTn id="20" presetID="10" presetClass="entr" presetSubtype="0" fill="hold" nodeType="clickEffect">
+                                  <p:stCondLst>
+                                    <p:cond delay="0"/>
+                                  </p:stCondLst>
+                                  <p:childTnLst>
+                                    <p:set>
+                                      <p:cBhvr>
+                                        <p:cTn id="21" dur="1" fill="hold">
+                                          <p:stCondLst>
+                                            <p:cond delay="0"/>
+                                          </p:stCondLst>
+                                        </p:cTn>
+                                        <p:tgtEl>
+                                          <p:spTgt spid="7">
+                                            <p:txEl>
+                                              <p:pRg st="2" end="2"/>
+                                            </p:txEl>
+                                          </p:spTgt>
+                                        </p:tgtEl>
+                                        <p:attrNameLst>
+                                          <p:attrName>style.visibility</p:attrName>
+                                        </p:attrNameLst>
+                                      </p:cBhvr>
+                                      <p:to>
+                                        <p:strVal val="visible"/>
+                                      </p:to>
+                                    </p:set>
+                                    <p:animEffect transition="in" filter="fade">
+                                      <p:cBhvr>
+                                        <p:cTn id="22" dur="500"/>
+                                        <p:tgtEl>
+                                          <p:spTgt spid="7">
+                                            <p:txEl>
+                                              <p:pRg st="2" end="2"/>
+                                            </p:txEl>
+                                          </p:spTgt>
+                                        </p:tgtEl>
+                                      </p:cBhvr>
+                                    </p:animEffect>
+                                  </p:childTnLst>
+                                </p:cTn>
+                              </p:par>
+                            </p:childTnLst>
+                          </p:cTn>
+                        </p:par>
+                      </p:childTnLst>
+                    </p:cTn>
+                  </p:par>
+                </p:childTnLst>
+              </p:cTn>
+              <p:prevCondLst>
+                <p:cond evt="onPrev" delay="0">
+                  <p:tgtEl>
+                    <p:sldTgt/>
+                  </p:tgtEl>
+                </p:cond>
+              </p:prevCondLst>
+              <p:nextCondLst>
+                <p:cond evt="onNext" delay="0">
+                  <p:tgtEl>
+                    <p:sldTgt/>
+                  </p:tgtEl>
+                </p:cond>
+              </p:nextCondLst>
+            </p:seq>
+          </p:childTnLst>
+        </p:cTn>
+      </p:par>
+    </p:tnLst>
+    <p:bldLst>
+      <p:bldP spid="5" grpId="0"/>
+    </p:bldLst>
+  </p:timing>
+</p:sld>
+</file>
+
+<file path=ppt/slides/slide7.xml><?xml version="1.0" encoding="utf-8"?>
 <p:sld xmlns:a="http://schemas.openxmlformats.org/drawingml/2006/main" xmlns:r="http://schemas.openxmlformats.org/officeDocument/2006/relationships" xmlns:p="http://schemas.openxmlformats.org/presentationml/2006/main">
   <p:cSld>
     <p:spTree>
@@ -5070,8 +7087,8 @@
           <a:lstStyle/>
           <a:p>
             <a:r>
-              <a:rPr kumimoji="1" lang="en-US" altLang="ja-JP" sz="6000" dirty="0" smtClean="0"/>
-              <a:t>2</a:t>
+              <a:rPr lang="en-US" altLang="ja-JP" sz="6000" dirty="0"/>
+              <a:t>6</a:t>
             </a:r>
             <a:endParaRPr kumimoji="1" lang="ja-JP" altLang="en-US" sz="6000" dirty="0"/>
           </a:p>
@@ -5130,10 +7147,10 @@
           <a:lstStyle/>
           <a:p>
             <a:r>
-              <a:rPr lang="ja-JP" altLang="en-US" dirty="0" smtClean="0"/>
+              <a:rPr lang="ja-JP" altLang="en-US" b="1" dirty="0" smtClean="0"/>
               <a:t>成功例</a:t>
             </a:r>
-            <a:endParaRPr lang="en-US" altLang="ja-JP" dirty="0" smtClean="0"/>
+            <a:endParaRPr lang="en-US" altLang="ja-JP" b="1" dirty="0" smtClean="0"/>
           </a:p>
           <a:p>
             <a:r>
@@ -5210,7 +7227,7 @@
         <p:spPr>
           <a:xfrm>
             <a:off x="411480" y="2736050"/>
-            <a:ext cx="6878806" cy="1477328"/>
+            <a:ext cx="6878806" cy="1754326"/>
           </a:xfrm>
           <a:prstGeom prst="rect">
             <a:avLst/>
@@ -5224,10 +7241,10 @@
           <a:lstStyle/>
           <a:p>
             <a:r>
-              <a:rPr lang="ja-JP" altLang="en-US" dirty="0" smtClean="0"/>
+              <a:rPr lang="ja-JP" altLang="en-US" b="1" dirty="0" smtClean="0"/>
               <a:t>失敗例</a:t>
             </a:r>
-            <a:endParaRPr lang="en-US" altLang="ja-JP" dirty="0" smtClean="0"/>
+            <a:endParaRPr lang="en-US" altLang="ja-JP" b="1" dirty="0" smtClean="0"/>
           </a:p>
           <a:p>
             <a:r>
@@ -5263,7 +7280,18 @@
               <a:rPr lang="ja-JP" altLang="en-US" dirty="0" smtClean="0"/>
               <a:t>のＰＣで動きもう一方で動かないなどの問題が多発。</a:t>
             </a:r>
-            <a:endParaRPr lang="en-US" altLang="ja-JP" dirty="0"/>
+            <a:endParaRPr lang="en-US" altLang="ja-JP" dirty="0" smtClean="0"/>
+          </a:p>
+          <a:p>
+            <a:r>
+              <a:rPr lang="ja-JP" altLang="en-US" dirty="0" smtClean="0"/>
+              <a:t>複数人で同じファイルをいじっていたりもしていた</a:t>
+            </a:r>
+            <a:r>
+              <a:rPr lang="ja-JP" altLang="en-US" dirty="0"/>
+              <a:t>。</a:t>
+            </a:r>
+            <a:endParaRPr lang="en-US" altLang="ja-JP" dirty="0" smtClean="0"/>
           </a:p>
         </p:txBody>
       </p:sp>
@@ -5564,1150 +7592,6 @@
       <p:bldP spid="9" grpId="0"/>
       <p:bldP spid="10" grpId="0"/>
       <p:bldP spid="11" grpId="0"/>
-    </p:bldLst>
-  </p:timing>
-</p:sld>
-</file>
-
-<file path=ppt/slides/slide4.xml><?xml version="1.0" encoding="utf-8"?>
-<p:sld xmlns:a="http://schemas.openxmlformats.org/drawingml/2006/main" xmlns:r="http://schemas.openxmlformats.org/officeDocument/2006/relationships" xmlns:p="http://schemas.openxmlformats.org/presentationml/2006/main">
-  <p:cSld>
-    <p:spTree>
-      <p:nvGrpSpPr>
-        <p:cNvPr id="1" name=""/>
-        <p:cNvGrpSpPr/>
-        <p:nvPr/>
-      </p:nvGrpSpPr>
-      <p:grpSpPr>
-        <a:xfrm>
-          <a:off x="0" y="0"/>
-          <a:ext cx="0" cy="0"/>
-          <a:chOff x="0" y="0"/>
-          <a:chExt cx="0" cy="0"/>
-        </a:xfrm>
-      </p:grpSpPr>
-      <p:pic>
-        <p:nvPicPr>
-          <p:cNvPr id="2" name="図 1"/>
-          <p:cNvPicPr>
-            <a:picLocks noChangeAspect="1"/>
-          </p:cNvPicPr>
-          <p:nvPr/>
-        </p:nvPicPr>
-        <p:blipFill>
-          <a:blip r:embed="rId2">
-            <a:extLst>
-              <a:ext uri="{28A0092B-C50C-407E-A947-70E740481C1C}">
-                <a14:useLocalDpi xmlns:a14="http://schemas.microsoft.com/office/drawing/2010/main" val="0"/>
-              </a:ext>
-            </a:extLst>
-          </a:blip>
-          <a:stretch>
-            <a:fillRect/>
-          </a:stretch>
-        </p:blipFill>
-        <p:spPr>
-          <a:xfrm>
-            <a:off x="0" y="5497393"/>
-            <a:ext cx="4685714" cy="1726984"/>
-          </a:xfrm>
-          <a:prstGeom prst="rect">
-            <a:avLst/>
-          </a:prstGeom>
-        </p:spPr>
-      </p:pic>
-      <p:pic>
-        <p:nvPicPr>
-          <p:cNvPr id="4" name="図 3"/>
-          <p:cNvPicPr>
-            <a:picLocks noChangeAspect="1"/>
-          </p:cNvPicPr>
-          <p:nvPr/>
-        </p:nvPicPr>
-        <p:blipFill>
-          <a:blip r:embed="rId3">
-            <a:extLst>
-              <a:ext uri="{28A0092B-C50C-407E-A947-70E740481C1C}">
-                <a14:useLocalDpi xmlns:a14="http://schemas.microsoft.com/office/drawing/2010/main" val="0"/>
-              </a:ext>
-            </a:extLst>
-          </a:blip>
-          <a:stretch>
-            <a:fillRect/>
-          </a:stretch>
-        </p:blipFill>
-        <p:spPr>
-          <a:xfrm>
-            <a:off x="7817525" y="2964581"/>
-            <a:ext cx="4259796" cy="4259796"/>
-          </a:xfrm>
-          <a:prstGeom prst="rect">
-            <a:avLst/>
-          </a:prstGeom>
-        </p:spPr>
-      </p:pic>
-      <p:sp>
-        <p:nvSpPr>
-          <p:cNvPr id="5" name="テキスト ボックス 4"/>
-          <p:cNvSpPr txBox="1"/>
-          <p:nvPr/>
-        </p:nvSpPr>
-        <p:spPr>
-          <a:xfrm>
-            <a:off x="9795587" y="2456749"/>
-            <a:ext cx="612668" cy="1015663"/>
-          </a:xfrm>
-          <a:prstGeom prst="rect">
-            <a:avLst/>
-          </a:prstGeom>
-          <a:noFill/>
-        </p:spPr>
-        <p:txBody>
-          <a:bodyPr wrap="none" rtlCol="0">
-            <a:spAutoFit/>
-          </a:bodyPr>
-          <a:lstStyle/>
-          <a:p>
-            <a:r>
-              <a:rPr kumimoji="1" lang="en-US" altLang="ja-JP" sz="6000" dirty="0" smtClean="0"/>
-              <a:t>3</a:t>
-            </a:r>
-            <a:endParaRPr kumimoji="1" lang="ja-JP" altLang="en-US" sz="6000" dirty="0"/>
-          </a:p>
-        </p:txBody>
-      </p:sp>
-      <p:sp>
-        <p:nvSpPr>
-          <p:cNvPr id="6" name="テキスト ボックス 5"/>
-          <p:cNvSpPr txBox="1"/>
-          <p:nvPr/>
-        </p:nvSpPr>
-        <p:spPr>
-          <a:xfrm>
-            <a:off x="318357" y="267128"/>
-            <a:ext cx="1826141" cy="584775"/>
-          </a:xfrm>
-          <a:prstGeom prst="rect">
-            <a:avLst/>
-          </a:prstGeom>
-          <a:noFill/>
-        </p:spPr>
-        <p:txBody>
-          <a:bodyPr wrap="none" rtlCol="0">
-            <a:spAutoFit/>
-          </a:bodyPr>
-          <a:lstStyle/>
-          <a:p>
-            <a:r>
-              <a:rPr lang="ja-JP" altLang="en-US" sz="3200" b="1" dirty="0" smtClean="0"/>
-              <a:t>用語</a:t>
-            </a:r>
-            <a:r>
-              <a:rPr lang="ja-JP" altLang="en-US" sz="3200" b="1" dirty="0"/>
-              <a:t>解説</a:t>
-            </a:r>
-            <a:endParaRPr kumimoji="1" lang="ja-JP" altLang="en-US" sz="3200" b="1" dirty="0"/>
-          </a:p>
-        </p:txBody>
-      </p:sp>
-      <p:sp>
-        <p:nvSpPr>
-          <p:cNvPr id="7" name="テキスト ボックス 6"/>
-          <p:cNvSpPr txBox="1"/>
-          <p:nvPr/>
-        </p:nvSpPr>
-        <p:spPr>
-          <a:xfrm>
-            <a:off x="318357" y="1466488"/>
-            <a:ext cx="9417963" cy="3970318"/>
-          </a:xfrm>
-          <a:prstGeom prst="rect">
-            <a:avLst/>
-          </a:prstGeom>
-          <a:noFill/>
-        </p:spPr>
-        <p:txBody>
-          <a:bodyPr wrap="none" rtlCol="0">
-            <a:spAutoFit/>
-          </a:bodyPr>
-          <a:lstStyle/>
-          <a:p>
-            <a:r>
-              <a:rPr lang="ja-JP" altLang="en-US" b="1" dirty="0" smtClean="0"/>
-              <a:t>リポジトリ（直訳で倉庫、まぁ作業場みたいな感じでとらえると良いかも）</a:t>
-            </a:r>
-            <a:endParaRPr lang="en-US" altLang="ja-JP" b="1" dirty="0" smtClean="0"/>
-          </a:p>
-          <a:p>
-            <a:r>
-              <a:rPr lang="ja-JP" altLang="en-US" dirty="0" smtClean="0"/>
-              <a:t>作業する場所、最初に作成するもの。</a:t>
-            </a:r>
-            <a:endParaRPr lang="en-US" altLang="ja-JP" dirty="0"/>
-          </a:p>
-          <a:p>
-            <a:r>
-              <a:rPr lang="ja-JP" altLang="en-US" dirty="0" smtClean="0"/>
-              <a:t>そういう名前と認識すればＯＫ。</a:t>
-            </a:r>
-            <a:endParaRPr lang="en-US" altLang="ja-JP" dirty="0" smtClean="0"/>
-          </a:p>
-          <a:p>
-            <a:r>
-              <a:rPr lang="ja-JP" altLang="en-US" b="1" dirty="0" smtClean="0"/>
-              <a:t>ブランチ（枝）</a:t>
-            </a:r>
-            <a:endParaRPr lang="en-US" altLang="ja-JP" b="1" dirty="0" smtClean="0"/>
-          </a:p>
-          <a:p>
-            <a:r>
-              <a:rPr lang="ja-JP" altLang="en-US" dirty="0" smtClean="0"/>
-              <a:t>名前の通り、主軸から作業を分けるために枝別れした領域を作る</a:t>
-            </a:r>
-            <a:r>
-              <a:rPr lang="ja-JP" altLang="en-US" dirty="0" smtClean="0"/>
-              <a:t>。</a:t>
-            </a:r>
-            <a:endParaRPr lang="en-US" altLang="ja-JP" dirty="0" smtClean="0"/>
-          </a:p>
-          <a:p>
-            <a:r>
-              <a:rPr lang="ja-JP" altLang="en-US" b="1" dirty="0" smtClean="0"/>
-              <a:t>プル、クローン</a:t>
-            </a:r>
-            <a:endParaRPr lang="en-US" altLang="ja-JP" b="1" dirty="0" smtClean="0"/>
-          </a:p>
-          <a:p>
-            <a:r>
-              <a:rPr lang="en-US" altLang="ja-JP" dirty="0" smtClean="0"/>
-              <a:t>Web</a:t>
-            </a:r>
-            <a:r>
-              <a:rPr lang="ja-JP" altLang="en-US" smtClean="0"/>
-              <a:t>か</a:t>
-            </a:r>
-            <a:r>
-              <a:rPr lang="ja-JP" altLang="en-US"/>
-              <a:t>ら</a:t>
-            </a:r>
-            <a:r>
-              <a:rPr lang="ja-JP" altLang="en-US" smtClean="0"/>
-              <a:t>データを持ってくる</a:t>
-            </a:r>
-            <a:endParaRPr lang="en-US" altLang="ja-JP" dirty="0" smtClean="0"/>
-          </a:p>
-          <a:p>
-            <a:r>
-              <a:rPr lang="ja-JP" altLang="en-US" b="1" dirty="0" smtClean="0"/>
-              <a:t>コミット</a:t>
-            </a:r>
-            <a:endParaRPr lang="en-US" altLang="ja-JP" b="1" dirty="0" smtClean="0"/>
-          </a:p>
-          <a:p>
-            <a:r>
-              <a:rPr lang="ja-JP" altLang="en-US" dirty="0"/>
-              <a:t>終了</a:t>
-            </a:r>
-            <a:r>
-              <a:rPr lang="ja-JP" altLang="en-US" dirty="0" smtClean="0"/>
-              <a:t>した作業を統合するためにマスターブランチに投げる（この時点では統合されない）</a:t>
-            </a:r>
-            <a:endParaRPr lang="en-US" altLang="ja-JP" dirty="0" smtClean="0"/>
-          </a:p>
-          <a:p>
-            <a:r>
-              <a:rPr lang="ja-JP" altLang="en-US" b="1" dirty="0" smtClean="0"/>
-              <a:t>マージ</a:t>
-            </a:r>
-            <a:endParaRPr lang="en-US" altLang="ja-JP" b="1" dirty="0" smtClean="0"/>
-          </a:p>
-          <a:p>
-            <a:r>
-              <a:rPr lang="ja-JP" altLang="en-US" dirty="0" smtClean="0"/>
-              <a:t>投げられてきたコミットを統合する。</a:t>
-            </a:r>
-            <a:endParaRPr lang="en-US" altLang="ja-JP" dirty="0"/>
-          </a:p>
-          <a:p>
-            <a:r>
-              <a:rPr lang="en-US" altLang="ja-JP" b="1" dirty="0" smtClean="0"/>
-              <a:t>Sync</a:t>
-            </a:r>
-          </a:p>
-          <a:p>
-            <a:r>
-              <a:rPr lang="ja-JP" altLang="en-US" dirty="0" smtClean="0"/>
-              <a:t>自分が投げたコミットをアップすると同時に最新版とってくる。</a:t>
-            </a:r>
-            <a:endParaRPr lang="en-US" altLang="ja-JP" dirty="0" smtClean="0"/>
-          </a:p>
-          <a:p>
-            <a:endParaRPr lang="en-US" altLang="ja-JP" dirty="0"/>
-          </a:p>
-        </p:txBody>
-      </p:sp>
-    </p:spTree>
-    <p:extLst>
-      <p:ext uri="{BB962C8B-B14F-4D97-AF65-F5344CB8AC3E}">
-        <p14:creationId xmlns:p14="http://schemas.microsoft.com/office/powerpoint/2010/main" val="2141803967"/>
-      </p:ext>
-    </p:extLst>
-  </p:cSld>
-  <p:clrMapOvr>
-    <a:masterClrMapping/>
-  </p:clrMapOvr>
-  <p:timing>
-    <p:tnLst>
-      <p:par>
-        <p:cTn id="1" dur="indefinite" restart="never" nodeType="tmRoot">
-          <p:childTnLst>
-            <p:seq concurrent="1" nextAc="seek">
-              <p:cTn id="2" dur="indefinite" nodeType="mainSeq">
-                <p:childTnLst>
-                  <p:par>
-                    <p:cTn id="3" fill="hold">
-                      <p:stCondLst>
-                        <p:cond delay="indefinite"/>
-                      </p:stCondLst>
-                      <p:childTnLst>
-                        <p:par>
-                          <p:cTn id="4" fill="hold">
-                            <p:stCondLst>
-                              <p:cond delay="0"/>
-                            </p:stCondLst>
-                            <p:childTnLst>
-                              <p:par>
-                                <p:cTn id="5" presetID="10" presetClass="entr" presetSubtype="0" fill="hold" grpId="0" nodeType="clickEffect">
-                                  <p:stCondLst>
-                                    <p:cond delay="0"/>
-                                  </p:stCondLst>
-                                  <p:childTnLst>
-                                    <p:set>
-                                      <p:cBhvr>
-                                        <p:cTn id="6" dur="1" fill="hold">
-                                          <p:stCondLst>
-                                            <p:cond delay="0"/>
-                                          </p:stCondLst>
-                                        </p:cTn>
-                                        <p:tgtEl>
-                                          <p:spTgt spid="6"/>
-                                        </p:tgtEl>
-                                        <p:attrNameLst>
-                                          <p:attrName>style.visibility</p:attrName>
-                                        </p:attrNameLst>
-                                      </p:cBhvr>
-                                      <p:to>
-                                        <p:strVal val="visible"/>
-                                      </p:to>
-                                    </p:set>
-                                    <p:animEffect transition="in" filter="fade">
-                                      <p:cBhvr>
-                                        <p:cTn id="7" dur="500"/>
-                                        <p:tgtEl>
-                                          <p:spTgt spid="6"/>
-                                        </p:tgtEl>
-                                      </p:cBhvr>
-                                    </p:animEffect>
-                                  </p:childTnLst>
-                                </p:cTn>
-                              </p:par>
-                            </p:childTnLst>
-                          </p:cTn>
-                        </p:par>
-                      </p:childTnLst>
-                    </p:cTn>
-                  </p:par>
-                </p:childTnLst>
-              </p:cTn>
-              <p:prevCondLst>
-                <p:cond evt="onPrev" delay="0">
-                  <p:tgtEl>
-                    <p:sldTgt/>
-                  </p:tgtEl>
-                </p:cond>
-              </p:prevCondLst>
-              <p:nextCondLst>
-                <p:cond evt="onNext" delay="0">
-                  <p:tgtEl>
-                    <p:sldTgt/>
-                  </p:tgtEl>
-                </p:cond>
-              </p:nextCondLst>
-            </p:seq>
-          </p:childTnLst>
-        </p:cTn>
-      </p:par>
-    </p:tnLst>
-    <p:bldLst>
-      <p:bldP spid="6" grpId="0"/>
-    </p:bldLst>
-  </p:timing>
-</p:sld>
-</file>
-
-<file path=ppt/slides/slide5.xml><?xml version="1.0" encoding="utf-8"?>
-<p:sld xmlns:a="http://schemas.openxmlformats.org/drawingml/2006/main" xmlns:r="http://schemas.openxmlformats.org/officeDocument/2006/relationships" xmlns:p="http://schemas.openxmlformats.org/presentationml/2006/main">
-  <p:cSld>
-    <p:spTree>
-      <p:nvGrpSpPr>
-        <p:cNvPr id="1" name=""/>
-        <p:cNvGrpSpPr/>
-        <p:nvPr/>
-      </p:nvGrpSpPr>
-      <p:grpSpPr>
-        <a:xfrm>
-          <a:off x="0" y="0"/>
-          <a:ext cx="0" cy="0"/>
-          <a:chOff x="0" y="0"/>
-          <a:chExt cx="0" cy="0"/>
-        </a:xfrm>
-      </p:grpSpPr>
-      <p:pic>
-        <p:nvPicPr>
-          <p:cNvPr id="2" name="図 1"/>
-          <p:cNvPicPr>
-            <a:picLocks noChangeAspect="1"/>
-          </p:cNvPicPr>
-          <p:nvPr/>
-        </p:nvPicPr>
-        <p:blipFill>
-          <a:blip r:embed="rId2">
-            <a:extLst>
-              <a:ext uri="{28A0092B-C50C-407E-A947-70E740481C1C}">
-                <a14:useLocalDpi xmlns:a14="http://schemas.microsoft.com/office/drawing/2010/main" val="0"/>
-              </a:ext>
-            </a:extLst>
-          </a:blip>
-          <a:stretch>
-            <a:fillRect/>
-          </a:stretch>
-        </p:blipFill>
-        <p:spPr>
-          <a:xfrm>
-            <a:off x="0" y="5497393"/>
-            <a:ext cx="4685714" cy="1726984"/>
-          </a:xfrm>
-          <a:prstGeom prst="rect">
-            <a:avLst/>
-          </a:prstGeom>
-        </p:spPr>
-      </p:pic>
-      <p:pic>
-        <p:nvPicPr>
-          <p:cNvPr id="6" name="図 5"/>
-          <p:cNvPicPr>
-            <a:picLocks noChangeAspect="1"/>
-          </p:cNvPicPr>
-          <p:nvPr/>
-        </p:nvPicPr>
-        <p:blipFill>
-          <a:blip r:embed="rId3">
-            <a:extLst>
-              <a:ext uri="{28A0092B-C50C-407E-A947-70E740481C1C}">
-                <a14:useLocalDpi xmlns:a14="http://schemas.microsoft.com/office/drawing/2010/main" val="0"/>
-              </a:ext>
-            </a:extLst>
-          </a:blip>
-          <a:stretch>
-            <a:fillRect/>
-          </a:stretch>
-        </p:blipFill>
-        <p:spPr>
-          <a:xfrm>
-            <a:off x="8316227" y="3180258"/>
-            <a:ext cx="3677742" cy="3677742"/>
-          </a:xfrm>
-          <a:prstGeom prst="rect">
-            <a:avLst/>
-          </a:prstGeom>
-        </p:spPr>
-      </p:pic>
-      <p:sp>
-        <p:nvSpPr>
-          <p:cNvPr id="4" name="テキスト ボックス 3"/>
-          <p:cNvSpPr txBox="1"/>
-          <p:nvPr/>
-        </p:nvSpPr>
-        <p:spPr>
-          <a:xfrm>
-            <a:off x="9692845" y="2022199"/>
-            <a:ext cx="612668" cy="1015663"/>
-          </a:xfrm>
-          <a:prstGeom prst="rect">
-            <a:avLst/>
-          </a:prstGeom>
-          <a:noFill/>
-        </p:spPr>
-        <p:txBody>
-          <a:bodyPr wrap="none" rtlCol="0">
-            <a:spAutoFit/>
-          </a:bodyPr>
-          <a:lstStyle/>
-          <a:p>
-            <a:r>
-              <a:rPr kumimoji="1" lang="en-US" altLang="ja-JP" sz="6000" dirty="0" smtClean="0"/>
-              <a:t>4</a:t>
-            </a:r>
-            <a:endParaRPr kumimoji="1" lang="ja-JP" altLang="en-US" sz="6000" dirty="0"/>
-          </a:p>
-        </p:txBody>
-      </p:sp>
-      <p:sp>
-        <p:nvSpPr>
-          <p:cNvPr id="5" name="テキスト ボックス 4"/>
-          <p:cNvSpPr txBox="1"/>
-          <p:nvPr/>
-        </p:nvSpPr>
-        <p:spPr>
-          <a:xfrm>
-            <a:off x="318357" y="267128"/>
-            <a:ext cx="6750566" cy="584775"/>
-          </a:xfrm>
-          <a:prstGeom prst="rect">
-            <a:avLst/>
-          </a:prstGeom>
-          <a:noFill/>
-        </p:spPr>
-        <p:txBody>
-          <a:bodyPr wrap="none" rtlCol="0">
-            <a:spAutoFit/>
-          </a:bodyPr>
-          <a:lstStyle/>
-          <a:p>
-            <a:r>
-              <a:rPr lang="ja-JP" altLang="en-US" sz="3200" b="1" dirty="0" smtClean="0"/>
-              <a:t>使うツールとかおすすめツールとか</a:t>
-            </a:r>
-            <a:endParaRPr kumimoji="1" lang="ja-JP" altLang="en-US" sz="3200" b="1" dirty="0"/>
-          </a:p>
-        </p:txBody>
-      </p:sp>
-      <p:sp>
-        <p:nvSpPr>
-          <p:cNvPr id="7" name="テキスト ボックス 6"/>
-          <p:cNvSpPr txBox="1"/>
-          <p:nvPr/>
-        </p:nvSpPr>
-        <p:spPr>
-          <a:xfrm>
-            <a:off x="318357" y="1745200"/>
-            <a:ext cx="7119257" cy="2585323"/>
-          </a:xfrm>
-          <a:prstGeom prst="rect">
-            <a:avLst/>
-          </a:prstGeom>
-          <a:noFill/>
-        </p:spPr>
-        <p:txBody>
-          <a:bodyPr wrap="none" rtlCol="0">
-            <a:spAutoFit/>
-          </a:bodyPr>
-          <a:lstStyle/>
-          <a:p>
-            <a:r>
-              <a:rPr lang="en-US" altLang="ja-JP" b="1" dirty="0" smtClean="0"/>
-              <a:t>GITHUB</a:t>
-            </a:r>
-            <a:r>
-              <a:rPr lang="ja-JP" altLang="en-US" b="1" dirty="0" smtClean="0"/>
-              <a:t>　</a:t>
-            </a:r>
-            <a:r>
-              <a:rPr lang="en-US" altLang="ja-JP" b="1" dirty="0" smtClean="0"/>
-              <a:t>DESKTOP</a:t>
-            </a:r>
-            <a:endParaRPr lang="en-US" altLang="ja-JP" dirty="0"/>
-          </a:p>
-          <a:p>
-            <a:r>
-              <a:rPr lang="en-US" altLang="ja-JP" dirty="0" smtClean="0"/>
-              <a:t>GITHUB</a:t>
-            </a:r>
-            <a:r>
-              <a:rPr lang="ja-JP" altLang="en-US" dirty="0" smtClean="0"/>
-              <a:t>との通信を簡単にしてくれるソフト。</a:t>
-            </a:r>
-            <a:endParaRPr lang="en-US" altLang="ja-JP" dirty="0" smtClean="0"/>
-          </a:p>
-          <a:p>
-            <a:r>
-              <a:rPr lang="en-US" altLang="ja-JP" b="1" dirty="0" smtClean="0"/>
-              <a:t>Unity</a:t>
-            </a:r>
-            <a:endParaRPr lang="en-US" altLang="ja-JP" b="1" dirty="0"/>
-          </a:p>
-          <a:p>
-            <a:r>
-              <a:rPr lang="ja-JP" altLang="en-US" dirty="0" smtClean="0"/>
-              <a:t>いわずと知れた神ソフト。正直これ以外いる？</a:t>
-            </a:r>
-            <a:endParaRPr lang="en-US" altLang="ja-JP" dirty="0" smtClean="0"/>
-          </a:p>
-          <a:p>
-            <a:r>
-              <a:rPr lang="en-US" altLang="ja-JP" b="1" dirty="0" smtClean="0"/>
-              <a:t>Slack</a:t>
-            </a:r>
-          </a:p>
-          <a:p>
-            <a:r>
-              <a:rPr lang="en-US" altLang="ja-JP" dirty="0" err="1" smtClean="0"/>
-              <a:t>Github</a:t>
-            </a:r>
-            <a:r>
-              <a:rPr lang="ja-JP" altLang="en-US" dirty="0" smtClean="0"/>
-              <a:t>と連携も出来て、更新ごとに通知とか出来る。</a:t>
-            </a:r>
-            <a:endParaRPr lang="en-US" altLang="ja-JP" dirty="0" smtClean="0"/>
-          </a:p>
-          <a:p>
-            <a:r>
-              <a:rPr lang="en-US" altLang="ja-JP" b="1" dirty="0" smtClean="0"/>
-              <a:t>Trello</a:t>
-            </a:r>
-          </a:p>
-          <a:p>
-            <a:r>
-              <a:rPr lang="en-US" altLang="ja-JP" dirty="0" err="1" smtClean="0"/>
-              <a:t>Github</a:t>
-            </a:r>
-            <a:r>
-              <a:rPr lang="ja-JP" altLang="en-US" dirty="0" smtClean="0"/>
-              <a:t>の</a:t>
-            </a:r>
-            <a:r>
-              <a:rPr lang="en-US" altLang="ja-JP" dirty="0" smtClean="0"/>
-              <a:t>Project</a:t>
-            </a:r>
-            <a:r>
-              <a:rPr lang="ja-JP" altLang="en-US" dirty="0" smtClean="0"/>
-              <a:t>タブと密接な関係なんと上記の</a:t>
-            </a:r>
-            <a:r>
-              <a:rPr lang="en-US" altLang="ja-JP" b="1" dirty="0" smtClean="0"/>
-              <a:t>Slack</a:t>
-            </a:r>
-            <a:r>
-              <a:rPr lang="ja-JP" altLang="en-US" dirty="0" smtClean="0"/>
-              <a:t>とも連携可能</a:t>
-            </a:r>
-            <a:endParaRPr lang="en-US" altLang="ja-JP" dirty="0" smtClean="0"/>
-          </a:p>
-          <a:p>
-            <a:endParaRPr lang="en-US" altLang="ja-JP" dirty="0" smtClean="0"/>
-          </a:p>
-        </p:txBody>
-      </p:sp>
-    </p:spTree>
-    <p:extLst>
-      <p:ext uri="{BB962C8B-B14F-4D97-AF65-F5344CB8AC3E}">
-        <p14:creationId xmlns:p14="http://schemas.microsoft.com/office/powerpoint/2010/main" val="659175246"/>
-      </p:ext>
-    </p:extLst>
-  </p:cSld>
-  <p:clrMapOvr>
-    <a:masterClrMapping/>
-  </p:clrMapOvr>
-  <p:timing>
-    <p:tnLst>
-      <p:par>
-        <p:cTn id="1" dur="indefinite" restart="never" nodeType="tmRoot">
-          <p:childTnLst>
-            <p:seq concurrent="1" nextAc="seek">
-              <p:cTn id="2" dur="indefinite" nodeType="mainSeq">
-                <p:childTnLst>
-                  <p:par>
-                    <p:cTn id="3" fill="hold">
-                      <p:stCondLst>
-                        <p:cond delay="indefinite"/>
-                      </p:stCondLst>
-                      <p:childTnLst>
-                        <p:par>
-                          <p:cTn id="4" fill="hold">
-                            <p:stCondLst>
-                              <p:cond delay="0"/>
-                            </p:stCondLst>
-                            <p:childTnLst>
-                              <p:par>
-                                <p:cTn id="5" presetID="10" presetClass="entr" presetSubtype="0" fill="hold" grpId="0" nodeType="clickEffect">
-                                  <p:stCondLst>
-                                    <p:cond delay="0"/>
-                                  </p:stCondLst>
-                                  <p:childTnLst>
-                                    <p:set>
-                                      <p:cBhvr>
-                                        <p:cTn id="6" dur="1" fill="hold">
-                                          <p:stCondLst>
-                                            <p:cond delay="0"/>
-                                          </p:stCondLst>
-                                        </p:cTn>
-                                        <p:tgtEl>
-                                          <p:spTgt spid="5"/>
-                                        </p:tgtEl>
-                                        <p:attrNameLst>
-                                          <p:attrName>style.visibility</p:attrName>
-                                        </p:attrNameLst>
-                                      </p:cBhvr>
-                                      <p:to>
-                                        <p:strVal val="visible"/>
-                                      </p:to>
-                                    </p:set>
-                                    <p:animEffect transition="in" filter="fade">
-                                      <p:cBhvr>
-                                        <p:cTn id="7" dur="500"/>
-                                        <p:tgtEl>
-                                          <p:spTgt spid="5"/>
-                                        </p:tgtEl>
-                                      </p:cBhvr>
-                                    </p:animEffect>
-                                  </p:childTnLst>
-                                </p:cTn>
-                              </p:par>
-                            </p:childTnLst>
-                          </p:cTn>
-                        </p:par>
-                      </p:childTnLst>
-                    </p:cTn>
-                  </p:par>
-                  <p:par>
-                    <p:cTn id="8" fill="hold">
-                      <p:stCondLst>
-                        <p:cond delay="indefinite"/>
-                      </p:stCondLst>
-                      <p:childTnLst>
-                        <p:par>
-                          <p:cTn id="9" fill="hold">
-                            <p:stCondLst>
-                              <p:cond delay="0"/>
-                            </p:stCondLst>
-                            <p:childTnLst>
-                              <p:par>
-                                <p:cTn id="10" presetID="10" presetClass="entr" presetSubtype="0" fill="hold" nodeType="clickEffect">
-                                  <p:stCondLst>
-                                    <p:cond delay="0"/>
-                                  </p:stCondLst>
-                                  <p:childTnLst>
-                                    <p:set>
-                                      <p:cBhvr>
-                                        <p:cTn id="11" dur="1" fill="hold">
-                                          <p:stCondLst>
-                                            <p:cond delay="0"/>
-                                          </p:stCondLst>
-                                        </p:cTn>
-                                        <p:tgtEl>
-                                          <p:spTgt spid="7">
-                                            <p:txEl>
-                                              <p:pRg st="0" end="0"/>
-                                            </p:txEl>
-                                          </p:spTgt>
-                                        </p:tgtEl>
-                                        <p:attrNameLst>
-                                          <p:attrName>style.visibility</p:attrName>
-                                        </p:attrNameLst>
-                                      </p:cBhvr>
-                                      <p:to>
-                                        <p:strVal val="visible"/>
-                                      </p:to>
-                                    </p:set>
-                                    <p:animEffect transition="in" filter="fade">
-                                      <p:cBhvr>
-                                        <p:cTn id="12" dur="500"/>
-                                        <p:tgtEl>
-                                          <p:spTgt spid="7">
-                                            <p:txEl>
-                                              <p:pRg st="0" end="0"/>
-                                            </p:txEl>
-                                          </p:spTgt>
-                                        </p:tgtEl>
-                                      </p:cBhvr>
-                                    </p:animEffect>
-                                  </p:childTnLst>
-                                </p:cTn>
-                              </p:par>
-                              <p:par>
-                                <p:cTn id="13" presetID="10" presetClass="entr" presetSubtype="0" fill="hold" nodeType="withEffect">
-                                  <p:stCondLst>
-                                    <p:cond delay="0"/>
-                                  </p:stCondLst>
-                                  <p:childTnLst>
-                                    <p:set>
-                                      <p:cBhvr>
-                                        <p:cTn id="14" dur="1" fill="hold">
-                                          <p:stCondLst>
-                                            <p:cond delay="0"/>
-                                          </p:stCondLst>
-                                        </p:cTn>
-                                        <p:tgtEl>
-                                          <p:spTgt spid="7">
-                                            <p:txEl>
-                                              <p:pRg st="1" end="1"/>
-                                            </p:txEl>
-                                          </p:spTgt>
-                                        </p:tgtEl>
-                                        <p:attrNameLst>
-                                          <p:attrName>style.visibility</p:attrName>
-                                        </p:attrNameLst>
-                                      </p:cBhvr>
-                                      <p:to>
-                                        <p:strVal val="visible"/>
-                                      </p:to>
-                                    </p:set>
-                                    <p:animEffect transition="in" filter="fade">
-                                      <p:cBhvr>
-                                        <p:cTn id="15" dur="500"/>
-                                        <p:tgtEl>
-                                          <p:spTgt spid="7">
-                                            <p:txEl>
-                                              <p:pRg st="1" end="1"/>
-                                            </p:txEl>
-                                          </p:spTgt>
-                                        </p:tgtEl>
-                                      </p:cBhvr>
-                                    </p:animEffect>
-                                  </p:childTnLst>
-                                </p:cTn>
-                              </p:par>
-                            </p:childTnLst>
-                          </p:cTn>
-                        </p:par>
-                      </p:childTnLst>
-                    </p:cTn>
-                  </p:par>
-                  <p:par>
-                    <p:cTn id="16" fill="hold">
-                      <p:stCondLst>
-                        <p:cond delay="indefinite"/>
-                      </p:stCondLst>
-                      <p:childTnLst>
-                        <p:par>
-                          <p:cTn id="17" fill="hold">
-                            <p:stCondLst>
-                              <p:cond delay="0"/>
-                            </p:stCondLst>
-                            <p:childTnLst>
-                              <p:par>
-                                <p:cTn id="18" presetID="10" presetClass="entr" presetSubtype="0" fill="hold" nodeType="clickEffect">
-                                  <p:stCondLst>
-                                    <p:cond delay="0"/>
-                                  </p:stCondLst>
-                                  <p:childTnLst>
-                                    <p:set>
-                                      <p:cBhvr>
-                                        <p:cTn id="19" dur="1" fill="hold">
-                                          <p:stCondLst>
-                                            <p:cond delay="0"/>
-                                          </p:stCondLst>
-                                        </p:cTn>
-                                        <p:tgtEl>
-                                          <p:spTgt spid="7">
-                                            <p:txEl>
-                                              <p:pRg st="2" end="2"/>
-                                            </p:txEl>
-                                          </p:spTgt>
-                                        </p:tgtEl>
-                                        <p:attrNameLst>
-                                          <p:attrName>style.visibility</p:attrName>
-                                        </p:attrNameLst>
-                                      </p:cBhvr>
-                                      <p:to>
-                                        <p:strVal val="visible"/>
-                                      </p:to>
-                                    </p:set>
-                                    <p:animEffect transition="in" filter="fade">
-                                      <p:cBhvr>
-                                        <p:cTn id="20" dur="500"/>
-                                        <p:tgtEl>
-                                          <p:spTgt spid="7">
-                                            <p:txEl>
-                                              <p:pRg st="2" end="2"/>
-                                            </p:txEl>
-                                          </p:spTgt>
-                                        </p:tgtEl>
-                                      </p:cBhvr>
-                                    </p:animEffect>
-                                  </p:childTnLst>
-                                </p:cTn>
-                              </p:par>
-                              <p:par>
-                                <p:cTn id="21" presetID="10" presetClass="entr" presetSubtype="0" fill="hold" nodeType="withEffect">
-                                  <p:stCondLst>
-                                    <p:cond delay="0"/>
-                                  </p:stCondLst>
-                                  <p:childTnLst>
-                                    <p:set>
-                                      <p:cBhvr>
-                                        <p:cTn id="22" dur="1" fill="hold">
-                                          <p:stCondLst>
-                                            <p:cond delay="0"/>
-                                          </p:stCondLst>
-                                        </p:cTn>
-                                        <p:tgtEl>
-                                          <p:spTgt spid="7">
-                                            <p:txEl>
-                                              <p:pRg st="3" end="3"/>
-                                            </p:txEl>
-                                          </p:spTgt>
-                                        </p:tgtEl>
-                                        <p:attrNameLst>
-                                          <p:attrName>style.visibility</p:attrName>
-                                        </p:attrNameLst>
-                                      </p:cBhvr>
-                                      <p:to>
-                                        <p:strVal val="visible"/>
-                                      </p:to>
-                                    </p:set>
-                                    <p:animEffect transition="in" filter="fade">
-                                      <p:cBhvr>
-                                        <p:cTn id="23" dur="500"/>
-                                        <p:tgtEl>
-                                          <p:spTgt spid="7">
-                                            <p:txEl>
-                                              <p:pRg st="3" end="3"/>
-                                            </p:txEl>
-                                          </p:spTgt>
-                                        </p:tgtEl>
-                                      </p:cBhvr>
-                                    </p:animEffect>
-                                  </p:childTnLst>
-                                </p:cTn>
-                              </p:par>
-                            </p:childTnLst>
-                          </p:cTn>
-                        </p:par>
-                      </p:childTnLst>
-                    </p:cTn>
-                  </p:par>
-                  <p:par>
-                    <p:cTn id="24" fill="hold">
-                      <p:stCondLst>
-                        <p:cond delay="indefinite"/>
-                      </p:stCondLst>
-                      <p:childTnLst>
-                        <p:par>
-                          <p:cTn id="25" fill="hold">
-                            <p:stCondLst>
-                              <p:cond delay="0"/>
-                            </p:stCondLst>
-                            <p:childTnLst>
-                              <p:par>
-                                <p:cTn id="26" presetID="10" presetClass="entr" presetSubtype="0" fill="hold" nodeType="clickEffect">
-                                  <p:stCondLst>
-                                    <p:cond delay="0"/>
-                                  </p:stCondLst>
-                                  <p:childTnLst>
-                                    <p:set>
-                                      <p:cBhvr>
-                                        <p:cTn id="27" dur="1" fill="hold">
-                                          <p:stCondLst>
-                                            <p:cond delay="0"/>
-                                          </p:stCondLst>
-                                        </p:cTn>
-                                        <p:tgtEl>
-                                          <p:spTgt spid="7">
-                                            <p:txEl>
-                                              <p:pRg st="4" end="4"/>
-                                            </p:txEl>
-                                          </p:spTgt>
-                                        </p:tgtEl>
-                                        <p:attrNameLst>
-                                          <p:attrName>style.visibility</p:attrName>
-                                        </p:attrNameLst>
-                                      </p:cBhvr>
-                                      <p:to>
-                                        <p:strVal val="visible"/>
-                                      </p:to>
-                                    </p:set>
-                                    <p:animEffect transition="in" filter="fade">
-                                      <p:cBhvr>
-                                        <p:cTn id="28" dur="500"/>
-                                        <p:tgtEl>
-                                          <p:spTgt spid="7">
-                                            <p:txEl>
-                                              <p:pRg st="4" end="4"/>
-                                            </p:txEl>
-                                          </p:spTgt>
-                                        </p:tgtEl>
-                                      </p:cBhvr>
-                                    </p:animEffect>
-                                  </p:childTnLst>
-                                </p:cTn>
-                              </p:par>
-                              <p:par>
-                                <p:cTn id="29" presetID="10" presetClass="entr" presetSubtype="0" fill="hold" nodeType="withEffect">
-                                  <p:stCondLst>
-                                    <p:cond delay="0"/>
-                                  </p:stCondLst>
-                                  <p:childTnLst>
-                                    <p:set>
-                                      <p:cBhvr>
-                                        <p:cTn id="30" dur="1" fill="hold">
-                                          <p:stCondLst>
-                                            <p:cond delay="0"/>
-                                          </p:stCondLst>
-                                        </p:cTn>
-                                        <p:tgtEl>
-                                          <p:spTgt spid="7">
-                                            <p:txEl>
-                                              <p:pRg st="5" end="5"/>
-                                            </p:txEl>
-                                          </p:spTgt>
-                                        </p:tgtEl>
-                                        <p:attrNameLst>
-                                          <p:attrName>style.visibility</p:attrName>
-                                        </p:attrNameLst>
-                                      </p:cBhvr>
-                                      <p:to>
-                                        <p:strVal val="visible"/>
-                                      </p:to>
-                                    </p:set>
-                                    <p:animEffect transition="in" filter="fade">
-                                      <p:cBhvr>
-                                        <p:cTn id="31" dur="500"/>
-                                        <p:tgtEl>
-                                          <p:spTgt spid="7">
-                                            <p:txEl>
-                                              <p:pRg st="5" end="5"/>
-                                            </p:txEl>
-                                          </p:spTgt>
-                                        </p:tgtEl>
-                                      </p:cBhvr>
-                                    </p:animEffect>
-                                  </p:childTnLst>
-                                </p:cTn>
-                              </p:par>
-                            </p:childTnLst>
-                          </p:cTn>
-                        </p:par>
-                      </p:childTnLst>
-                    </p:cTn>
-                  </p:par>
-                  <p:par>
-                    <p:cTn id="32" fill="hold">
-                      <p:stCondLst>
-                        <p:cond delay="indefinite"/>
-                      </p:stCondLst>
-                      <p:childTnLst>
-                        <p:par>
-                          <p:cTn id="33" fill="hold">
-                            <p:stCondLst>
-                              <p:cond delay="0"/>
-                            </p:stCondLst>
-                            <p:childTnLst>
-                              <p:par>
-                                <p:cTn id="34" presetID="10" presetClass="entr" presetSubtype="0" fill="hold" nodeType="clickEffect">
-                                  <p:stCondLst>
-                                    <p:cond delay="0"/>
-                                  </p:stCondLst>
-                                  <p:childTnLst>
-                                    <p:set>
-                                      <p:cBhvr>
-                                        <p:cTn id="35" dur="1" fill="hold">
-                                          <p:stCondLst>
-                                            <p:cond delay="0"/>
-                                          </p:stCondLst>
-                                        </p:cTn>
-                                        <p:tgtEl>
-                                          <p:spTgt spid="7">
-                                            <p:txEl>
-                                              <p:pRg st="6" end="6"/>
-                                            </p:txEl>
-                                          </p:spTgt>
-                                        </p:tgtEl>
-                                        <p:attrNameLst>
-                                          <p:attrName>style.visibility</p:attrName>
-                                        </p:attrNameLst>
-                                      </p:cBhvr>
-                                      <p:to>
-                                        <p:strVal val="visible"/>
-                                      </p:to>
-                                    </p:set>
-                                    <p:animEffect transition="in" filter="fade">
-                                      <p:cBhvr>
-                                        <p:cTn id="36" dur="500"/>
-                                        <p:tgtEl>
-                                          <p:spTgt spid="7">
-                                            <p:txEl>
-                                              <p:pRg st="6" end="6"/>
-                                            </p:txEl>
-                                          </p:spTgt>
-                                        </p:tgtEl>
-                                      </p:cBhvr>
-                                    </p:animEffect>
-                                  </p:childTnLst>
-                                </p:cTn>
-                              </p:par>
-                              <p:par>
-                                <p:cTn id="37" presetID="10" presetClass="entr" presetSubtype="0" fill="hold" nodeType="withEffect">
-                                  <p:stCondLst>
-                                    <p:cond delay="0"/>
-                                  </p:stCondLst>
-                                  <p:childTnLst>
-                                    <p:set>
-                                      <p:cBhvr>
-                                        <p:cTn id="38" dur="1" fill="hold">
-                                          <p:stCondLst>
-                                            <p:cond delay="0"/>
-                                          </p:stCondLst>
-                                        </p:cTn>
-                                        <p:tgtEl>
-                                          <p:spTgt spid="7">
-                                            <p:txEl>
-                                              <p:pRg st="7" end="7"/>
-                                            </p:txEl>
-                                          </p:spTgt>
-                                        </p:tgtEl>
-                                        <p:attrNameLst>
-                                          <p:attrName>style.visibility</p:attrName>
-                                        </p:attrNameLst>
-                                      </p:cBhvr>
-                                      <p:to>
-                                        <p:strVal val="visible"/>
-                                      </p:to>
-                                    </p:set>
-                                    <p:animEffect transition="in" filter="fade">
-                                      <p:cBhvr>
-                                        <p:cTn id="39" dur="500"/>
-                                        <p:tgtEl>
-                                          <p:spTgt spid="7">
-                                            <p:txEl>
-                                              <p:pRg st="7" end="7"/>
-                                            </p:txEl>
-                                          </p:spTgt>
-                                        </p:tgtEl>
-                                      </p:cBhvr>
-                                    </p:animEffect>
-                                  </p:childTnLst>
-                                </p:cTn>
-                              </p:par>
-                            </p:childTnLst>
-                          </p:cTn>
-                        </p:par>
-                      </p:childTnLst>
-                    </p:cTn>
-                  </p:par>
-                </p:childTnLst>
-              </p:cTn>
-              <p:prevCondLst>
-                <p:cond evt="onPrev" delay="0">
-                  <p:tgtEl>
-                    <p:sldTgt/>
-                  </p:tgtEl>
-                </p:cond>
-              </p:prevCondLst>
-              <p:nextCondLst>
-                <p:cond evt="onNext" delay="0">
-                  <p:tgtEl>
-                    <p:sldTgt/>
-                  </p:tgtEl>
-                </p:cond>
-              </p:nextCondLst>
-            </p:seq>
-          </p:childTnLst>
-        </p:cTn>
-      </p:par>
-    </p:tnLst>
-    <p:bldLst>
-      <p:bldP spid="5" grpId="0"/>
     </p:bldLst>
   </p:timing>
 </p:sld>

--- a/GITHUB運用の勧め.pptx
+++ b/GITHUB運用の勧め.pptx
@@ -203,7 +203,7 @@
           <a:p>
             <a:fld id="{F9EC3F6F-729F-4772-99B9-342B55CB3BF8}" type="datetimeFigureOut">
               <a:rPr kumimoji="1" lang="ja-JP" altLang="en-US" smtClean="0"/>
-              <a:t>2017/6/5</a:t>
+              <a:t>2017/6/6</a:t>
             </a:fld>
             <a:endParaRPr kumimoji="1" lang="ja-JP" altLang="en-US"/>
           </a:p>
@@ -634,7 +634,7 @@
           <a:p>
             <a:fld id="{1B016D60-7977-4250-98AD-CC5A8A7CB987}" type="datetimeFigureOut">
               <a:rPr kumimoji="1" lang="ja-JP" altLang="en-US" smtClean="0"/>
-              <a:t>2017/6/5</a:t>
+              <a:t>2017/6/6</a:t>
             </a:fld>
             <a:endParaRPr kumimoji="1" lang="ja-JP" altLang="en-US"/>
           </a:p>
@@ -836,7 +836,7 @@
           <a:p>
             <a:fld id="{1B016D60-7977-4250-98AD-CC5A8A7CB987}" type="datetimeFigureOut">
               <a:rPr kumimoji="1" lang="ja-JP" altLang="en-US" smtClean="0"/>
-              <a:t>2017/6/5</a:t>
+              <a:t>2017/6/6</a:t>
             </a:fld>
             <a:endParaRPr kumimoji="1" lang="ja-JP" altLang="en-US"/>
           </a:p>
@@ -1048,7 +1048,7 @@
           <a:p>
             <a:fld id="{1B016D60-7977-4250-98AD-CC5A8A7CB987}" type="datetimeFigureOut">
               <a:rPr kumimoji="1" lang="ja-JP" altLang="en-US" smtClean="0"/>
-              <a:t>2017/6/5</a:t>
+              <a:t>2017/6/6</a:t>
             </a:fld>
             <a:endParaRPr kumimoji="1" lang="ja-JP" altLang="en-US"/>
           </a:p>
@@ -1250,7 +1250,7 @@
           <a:p>
             <a:fld id="{1B016D60-7977-4250-98AD-CC5A8A7CB987}" type="datetimeFigureOut">
               <a:rPr kumimoji="1" lang="ja-JP" altLang="en-US" smtClean="0"/>
-              <a:t>2017/6/5</a:t>
+              <a:t>2017/6/6</a:t>
             </a:fld>
             <a:endParaRPr kumimoji="1" lang="ja-JP" altLang="en-US"/>
           </a:p>
@@ -1496,7 +1496,7 @@
           <a:p>
             <a:fld id="{1B016D60-7977-4250-98AD-CC5A8A7CB987}" type="datetimeFigureOut">
               <a:rPr kumimoji="1" lang="ja-JP" altLang="en-US" smtClean="0"/>
-              <a:t>2017/6/5</a:t>
+              <a:t>2017/6/6</a:t>
             </a:fld>
             <a:endParaRPr kumimoji="1" lang="ja-JP" altLang="en-US"/>
           </a:p>
@@ -1792,7 +1792,7 @@
           <a:p>
             <a:fld id="{1B016D60-7977-4250-98AD-CC5A8A7CB987}" type="datetimeFigureOut">
               <a:rPr kumimoji="1" lang="ja-JP" altLang="en-US" smtClean="0"/>
-              <a:t>2017/6/5</a:t>
+              <a:t>2017/6/6</a:t>
             </a:fld>
             <a:endParaRPr kumimoji="1" lang="ja-JP" altLang="en-US"/>
           </a:p>
@@ -2223,7 +2223,7 @@
           <a:p>
             <a:fld id="{1B016D60-7977-4250-98AD-CC5A8A7CB987}" type="datetimeFigureOut">
               <a:rPr kumimoji="1" lang="ja-JP" altLang="en-US" smtClean="0"/>
-              <a:t>2017/6/5</a:t>
+              <a:t>2017/6/6</a:t>
             </a:fld>
             <a:endParaRPr kumimoji="1" lang="ja-JP" altLang="en-US"/>
           </a:p>
@@ -2341,7 +2341,7 @@
           <a:p>
             <a:fld id="{1B016D60-7977-4250-98AD-CC5A8A7CB987}" type="datetimeFigureOut">
               <a:rPr kumimoji="1" lang="ja-JP" altLang="en-US" smtClean="0"/>
-              <a:t>2017/6/5</a:t>
+              <a:t>2017/6/6</a:t>
             </a:fld>
             <a:endParaRPr kumimoji="1" lang="ja-JP" altLang="en-US"/>
           </a:p>
@@ -2436,7 +2436,7 @@
           <a:p>
             <a:fld id="{1B016D60-7977-4250-98AD-CC5A8A7CB987}" type="datetimeFigureOut">
               <a:rPr kumimoji="1" lang="ja-JP" altLang="en-US" smtClean="0"/>
-              <a:t>2017/6/5</a:t>
+              <a:t>2017/6/6</a:t>
             </a:fld>
             <a:endParaRPr kumimoji="1" lang="ja-JP" altLang="en-US"/>
           </a:p>
@@ -2745,7 +2745,7 @@
           <a:p>
             <a:fld id="{1B016D60-7977-4250-98AD-CC5A8A7CB987}" type="datetimeFigureOut">
               <a:rPr kumimoji="1" lang="ja-JP" altLang="en-US" smtClean="0"/>
-              <a:t>2017/6/5</a:t>
+              <a:t>2017/6/6</a:t>
             </a:fld>
             <a:endParaRPr kumimoji="1" lang="ja-JP" altLang="en-US"/>
           </a:p>
@@ -2998,7 +2998,7 @@
           <a:p>
             <a:fld id="{1B016D60-7977-4250-98AD-CC5A8A7CB987}" type="datetimeFigureOut">
               <a:rPr kumimoji="1" lang="ja-JP" altLang="en-US" smtClean="0"/>
-              <a:t>2017/6/5</a:t>
+              <a:t>2017/6/6</a:t>
             </a:fld>
             <a:endParaRPr kumimoji="1" lang="ja-JP" altLang="en-US"/>
           </a:p>
@@ -3243,7 +3243,7 @@
           <a:p>
             <a:fld id="{1B016D60-7977-4250-98AD-CC5A8A7CB987}" type="datetimeFigureOut">
               <a:rPr kumimoji="1" lang="ja-JP" altLang="en-US" smtClean="0"/>
-              <a:t>2017/6/5</a:t>
+              <a:t>2017/6/6</a:t>
             </a:fld>
             <a:endParaRPr kumimoji="1" lang="ja-JP" altLang="en-US"/>
           </a:p>
@@ -4124,11 +4124,15 @@
           <a:p>
             <a:r>
               <a:rPr lang="ja-JP" altLang="en-US" dirty="0"/>
-              <a:t>なれる</a:t>
+              <a:t>覚える</a:t>
             </a:r>
             <a:r>
               <a:rPr lang="ja-JP" altLang="en-US" dirty="0" smtClean="0"/>
-              <a:t>まで時間がかかります。</a:t>
+              <a:t>まで</a:t>
+            </a:r>
+            <a:r>
+              <a:rPr lang="ja-JP" altLang="en-US" dirty="0" smtClean="0"/>
+              <a:t>時間がかかります。</a:t>
             </a:r>
             <a:endParaRPr lang="en-US" altLang="ja-JP" dirty="0" smtClean="0"/>
           </a:p>
@@ -5456,7 +5460,7 @@
         <p:spPr>
           <a:xfrm>
             <a:off x="318357" y="1466488"/>
-            <a:ext cx="9417963" cy="3970318"/>
+            <a:ext cx="9417963" cy="4524315"/>
           </a:xfrm>
           <a:prstGeom prst="rect">
             <a:avLst/>
@@ -5525,7 +5529,25 @@
             </a:r>
             <a:r>
               <a:rPr lang="ja-JP" altLang="en-US" dirty="0" smtClean="0"/>
-              <a:t>データを持ってくる</a:t>
+              <a:t>データを持って</a:t>
+            </a:r>
+            <a:r>
+              <a:rPr lang="ja-JP" altLang="en-US" dirty="0" smtClean="0"/>
+              <a:t>くる。</a:t>
+            </a:r>
+            <a:endParaRPr lang="en-US" altLang="ja-JP" dirty="0" smtClean="0"/>
+          </a:p>
+          <a:p>
+            <a:r>
+              <a:rPr lang="ja-JP" altLang="en-US" b="1" dirty="0" smtClean="0"/>
+              <a:t>プッシュ</a:t>
+            </a:r>
+            <a:endParaRPr lang="en-US" altLang="ja-JP" b="1" dirty="0" smtClean="0"/>
+          </a:p>
+          <a:p>
+            <a:r>
+              <a:rPr lang="ja-JP" altLang="en-US" dirty="0" smtClean="0"/>
+              <a:t>逆にデータを送る。</a:t>
             </a:r>
             <a:endParaRPr lang="en-US" altLang="ja-JP" dirty="0" smtClean="0"/>
           </a:p>
@@ -5572,8 +5594,9 @@
             </a:r>
             <a:r>
               <a:rPr lang="en-US" altLang="ja-JP" b="1" dirty="0" smtClean="0"/>
-              <a:t>)-&gt;push origin</a:t>
-            </a:r>
+              <a:t>)</a:t>
+            </a:r>
+            <a:endParaRPr lang="en-US" altLang="ja-JP" b="1" dirty="0" smtClean="0"/>
           </a:p>
           <a:p>
             <a:r>
@@ -5658,6 +5681,59 @@
                       </p:childTnLst>
                     </p:cTn>
                   </p:par>
+                  <p:par>
+                    <p:cTn id="8" fill="hold">
+                      <p:stCondLst>
+                        <p:cond delay="indefinite"/>
+                      </p:stCondLst>
+                      <p:childTnLst>
+                        <p:par>
+                          <p:cTn id="9" fill="hold">
+                            <p:stCondLst>
+                              <p:cond delay="0"/>
+                            </p:stCondLst>
+                            <p:childTnLst>
+                              <p:par>
+                                <p:cTn id="10" presetID="10" presetClass="entr" presetSubtype="0" fill="hold" grpId="0" nodeType="clickEffect">
+                                  <p:stCondLst>
+                                    <p:cond delay="0"/>
+                                  </p:stCondLst>
+                                  <p:childTnLst>
+                                    <p:set>
+                                      <p:cBhvr>
+                                        <p:cTn id="11" dur="1" fill="hold">
+                                          <p:stCondLst>
+                                            <p:cond delay="0"/>
+                                          </p:stCondLst>
+                                        </p:cTn>
+                                        <p:tgtEl>
+                                          <p:spTgt spid="7"/>
+                                        </p:tgtEl>
+                                        <p:attrNameLst>
+                                          <p:attrName>style.visibility</p:attrName>
+                                        </p:attrNameLst>
+                                      </p:cBhvr>
+                                      <p:to>
+                                        <p:strVal val="visible"/>
+                                      </p:to>
+                                    </p:set>
+                                    <p:animEffect transition="in" filter="fade">
+                                      <p:cBhvr>
+                                        <p:cTn id="12" dur="500"/>
+                                        <p:tgtEl>
+                                          <p:spTgt spid="7"/>
+                                        </p:tgtEl>
+                                      </p:cBhvr>
+                                    </p:animEffect>
+                                  </p:childTnLst>
+                                </p:cTn>
+                              </p:par>
+                            </p:childTnLst>
+                          </p:cTn>
+                        </p:par>
+                      </p:childTnLst>
+                    </p:cTn>
+                  </p:par>
                 </p:childTnLst>
               </p:cTn>
               <p:prevCondLst>
@@ -5681,6 +5757,7 @@
     </p:tnLst>
     <p:bldLst>
       <p:bldP spid="6" grpId="0"/>
+      <p:bldP spid="7" grpId="0"/>
     </p:bldLst>
   </p:timing>
 </p:sld>
@@ -5802,7 +5879,7 @@
         <p:spPr>
           <a:xfrm>
             <a:off x="318357" y="267128"/>
-            <a:ext cx="6750566" cy="584775"/>
+            <a:ext cx="5929828" cy="584775"/>
           </a:xfrm>
           <a:prstGeom prst="rect">
             <a:avLst/>
@@ -5817,7 +5894,15 @@
           <a:p>
             <a:r>
               <a:rPr lang="ja-JP" altLang="en-US" sz="3200" b="1" dirty="0" smtClean="0"/>
-              <a:t>使うツールとかおすすめツールとか</a:t>
+              <a:t>使うツール</a:t>
+            </a:r>
+            <a:r>
+              <a:rPr lang="ja-JP" altLang="en-US" sz="3200" b="1" dirty="0" smtClean="0"/>
+              <a:t>とか関連ツール</a:t>
+            </a:r>
+            <a:r>
+              <a:rPr lang="ja-JP" altLang="en-US" sz="3200" b="1" dirty="0" smtClean="0"/>
+              <a:t>とか</a:t>
             </a:r>
             <a:endParaRPr kumimoji="1" lang="ja-JP" altLang="en-US" sz="3200" b="1" dirty="0"/>
           </a:p>
@@ -5866,7 +5951,19 @@
             </a:r>
             <a:r>
               <a:rPr lang="ja-JP" altLang="en-US" dirty="0" smtClean="0"/>
-              <a:t>との通信を簡単にしてくれるソフト。</a:t>
+              <a:t>との</a:t>
+            </a:r>
+            <a:r>
+              <a:rPr lang="ja-JP" altLang="en-US" dirty="0"/>
+              <a:t>やりとり</a:t>
+            </a:r>
+            <a:r>
+              <a:rPr lang="ja-JP" altLang="en-US" dirty="0" smtClean="0"/>
+              <a:t>を</a:t>
+            </a:r>
+            <a:r>
+              <a:rPr lang="ja-JP" altLang="en-US" dirty="0" smtClean="0"/>
+              <a:t>簡単にしてくれるソフト。</a:t>
             </a:r>
             <a:endParaRPr lang="en-US" altLang="ja-JP" dirty="0" smtClean="0"/>
           </a:p>
@@ -5887,15 +5984,40 @@
           <a:p>
             <a:r>
               <a:rPr lang="ja-JP" altLang="en-US" dirty="0" smtClean="0"/>
-              <a:t>いわずと知れた神ソフト。正直これ以外いる？</a:t>
-            </a:r>
-            <a:endParaRPr lang="en-US" altLang="ja-JP" dirty="0" smtClean="0"/>
+              <a:t>今回は</a:t>
+            </a:r>
+            <a:r>
+              <a:rPr lang="en-US" altLang="ja-JP" dirty="0" smtClean="0"/>
+              <a:t>Unity</a:t>
+            </a:r>
+            <a:r>
+              <a:rPr lang="ja-JP" altLang="en-US" dirty="0" err="1" smtClean="0"/>
+              <a:t>での</a:t>
+            </a:r>
+            <a:r>
+              <a:rPr lang="en-US" altLang="ja-JP" dirty="0" err="1" smtClean="0"/>
+              <a:t>Git</a:t>
+            </a:r>
+            <a:r>
+              <a:rPr lang="ja-JP" altLang="en-US" dirty="0" smtClean="0"/>
+              <a:t>運用なので</a:t>
+            </a:r>
+            <a:r>
+              <a:rPr lang="en-US" altLang="ja-JP" dirty="0" smtClean="0"/>
+              <a:t>Unity</a:t>
+            </a:r>
+            <a:r>
+              <a:rPr lang="ja-JP" altLang="en-US" dirty="0" smtClean="0"/>
+              <a:t>を</a:t>
+            </a:r>
+            <a:endParaRPr lang="en-US" altLang="ja-JP" dirty="0"/>
           </a:p>
           <a:p>
             <a:r>
               <a:rPr lang="en-US" altLang="ja-JP" b="1" dirty="0" smtClean="0"/>
               <a:t>Slack</a:t>
             </a:r>
+            <a:endParaRPr lang="en-US" altLang="ja-JP" b="1" dirty="0" smtClean="0"/>
           </a:p>
           <a:p>
             <a:r>
@@ -6219,15 +6341,33 @@
                                   </p:childTnLst>
                                 </p:cTn>
                               </p:par>
+                            </p:childTnLst>
+                          </p:cTn>
+                        </p:par>
+                      </p:childTnLst>
+                    </p:cTn>
+                  </p:par>
+                  <p:par>
+                    <p:cTn id="24" fill="hold">
+                      <p:stCondLst>
+                        <p:cond delay="indefinite"/>
+                      </p:stCondLst>
+                      <p:childTnLst>
+                        <p:par>
+                          <p:cTn id="25" fill="hold">
+                            <p:stCondLst>
+                              <p:cond delay="0"/>
+                            </p:stCondLst>
+                            <p:childTnLst>
                               <p:par>
-                                <p:cTn id="24" presetID="10" presetClass="entr" presetSubtype="0" fill="hold" nodeType="withEffect">
+                                <p:cTn id="26" presetID="10" presetClass="entr" presetSubtype="0" fill="hold" nodeType="clickEffect">
                                   <p:stCondLst>
                                     <p:cond delay="0"/>
                                   </p:stCondLst>
                                   <p:childTnLst>
                                     <p:set>
                                       <p:cBhvr>
-                                        <p:cTn id="25" dur="1" fill="hold">
+                                        <p:cTn id="27" dur="1" fill="hold">
                                           <p:stCondLst>
                                             <p:cond delay="0"/>
                                           </p:stCondLst>
@@ -6249,7 +6389,7 @@
                                     </p:set>
                                     <p:animEffect transition="in" filter="fade">
                                       <p:cBhvr>
-                                        <p:cTn id="26" dur="500"/>
+                                        <p:cTn id="28" dur="500"/>
                                         <p:tgtEl>
                                           <p:spTgt spid="7">
                                             <p:txEl>
@@ -6262,26 +6402,8 @@
                                   </p:childTnLst>
                                 </p:cTn>
                               </p:par>
-                            </p:childTnLst>
-                          </p:cTn>
-                        </p:par>
-                      </p:childTnLst>
-                    </p:cTn>
-                  </p:par>
-                  <p:par>
-                    <p:cTn id="27" fill="hold">
-                      <p:stCondLst>
-                        <p:cond delay="indefinite"/>
-                      </p:stCondLst>
-                      <p:childTnLst>
-                        <p:par>
-                          <p:cTn id="28" fill="hold">
-                            <p:stCondLst>
-                              <p:cond delay="0"/>
-                            </p:stCondLst>
-                            <p:childTnLst>
                               <p:par>
-                                <p:cTn id="29" presetID="10" presetClass="entr" presetSubtype="0" fill="hold" nodeType="clickEffect">
+                                <p:cTn id="29" presetID="10" presetClass="entr" presetSubtype="0" fill="hold" nodeType="withEffect">
                                   <p:stCondLst>
                                     <p:cond delay="0"/>
                                   </p:stCondLst>
@@ -6635,11 +6757,7 @@
           <a:p>
             <a:r>
               <a:rPr lang="ja-JP" altLang="en-US" sz="3200" dirty="0" smtClean="0"/>
-              <a:t>説明資料</a:t>
-            </a:r>
-            <a:r>
-              <a:rPr lang="ja-JP" altLang="en-US" sz="3200" dirty="0" smtClean="0"/>
-              <a:t>を見つつ、</a:t>
+              <a:t>説明資料を見つつ、</a:t>
             </a:r>
             <a:endParaRPr lang="en-US" altLang="ja-JP" sz="3200" dirty="0" smtClean="0"/>
           </a:p>
@@ -6658,11 +6776,7 @@
             </a:r>
             <a:r>
               <a:rPr lang="ja-JP" altLang="en-US" sz="3200" dirty="0" smtClean="0"/>
-              <a:t>をやる下準備をしてみよう</a:t>
-            </a:r>
-            <a:r>
-              <a:rPr lang="ja-JP" altLang="en-US" sz="3200" dirty="0" smtClean="0"/>
-              <a:t>。</a:t>
+              <a:t>をやる下準備をしてみよう。</a:t>
             </a:r>
             <a:endParaRPr lang="en-US" altLang="ja-JP" sz="3200" dirty="0" smtClean="0"/>
           </a:p>

--- a/GITHUB運用の勧め.pptx
+++ b/GITHUB運用の勧め.pptx
@@ -4128,11 +4128,7 @@
             </a:r>
             <a:r>
               <a:rPr lang="ja-JP" altLang="en-US" dirty="0" smtClean="0"/>
-              <a:t>まで</a:t>
-            </a:r>
-            <a:r>
-              <a:rPr lang="ja-JP" altLang="en-US" dirty="0" smtClean="0"/>
-              <a:t>時間がかかります。</a:t>
+              <a:t>まで時間がかかります。</a:t>
             </a:r>
             <a:endParaRPr lang="en-US" altLang="ja-JP" dirty="0" smtClean="0"/>
           </a:p>
@@ -5459,8 +5455,8 @@
         </p:nvSpPr>
         <p:spPr>
           <a:xfrm>
-            <a:off x="318357" y="1466488"/>
-            <a:ext cx="9417963" cy="4524315"/>
+            <a:off x="318357" y="1423200"/>
+            <a:ext cx="9417963" cy="3693319"/>
           </a:xfrm>
           <a:prstGeom prst="rect">
             <a:avLst/>
@@ -5529,25 +5525,7 @@
             </a:r>
             <a:r>
               <a:rPr lang="ja-JP" altLang="en-US" dirty="0" smtClean="0"/>
-              <a:t>データを持って</a:t>
-            </a:r>
-            <a:r>
-              <a:rPr lang="ja-JP" altLang="en-US" dirty="0" smtClean="0"/>
-              <a:t>くる。</a:t>
-            </a:r>
-            <a:endParaRPr lang="en-US" altLang="ja-JP" dirty="0" smtClean="0"/>
-          </a:p>
-          <a:p>
-            <a:r>
-              <a:rPr lang="ja-JP" altLang="en-US" b="1" dirty="0" smtClean="0"/>
-              <a:t>プッシュ</a:t>
-            </a:r>
-            <a:endParaRPr lang="en-US" altLang="ja-JP" b="1" dirty="0" smtClean="0"/>
-          </a:p>
-          <a:p>
-            <a:r>
-              <a:rPr lang="ja-JP" altLang="en-US" dirty="0" smtClean="0"/>
-              <a:t>逆にデータを送る。</a:t>
+              <a:t>データを持ってくる。</a:t>
             </a:r>
             <a:endParaRPr lang="en-US" altLang="ja-JP" dirty="0" smtClean="0"/>
           </a:p>
@@ -5565,7 +5543,29 @@
             </a:r>
             <a:r>
               <a:rPr lang="ja-JP" altLang="en-US" dirty="0" smtClean="0"/>
-              <a:t>した作業を統合するためにマスターブランチに投げる（この時点では統合されない）</a:t>
+              <a:t>した作業を統合するためにマスターブランチに投げる（この時点では統合されない</a:t>
+            </a:r>
+            <a:r>
+              <a:rPr lang="ja-JP" altLang="en-US" dirty="0" smtClean="0"/>
+              <a:t>）</a:t>
+            </a:r>
+            <a:endParaRPr lang="en-US" altLang="ja-JP" dirty="0" smtClean="0"/>
+          </a:p>
+          <a:p>
+            <a:r>
+              <a:rPr lang="ja-JP" altLang="en-US" b="1" dirty="0"/>
+              <a:t>プッシュ</a:t>
+            </a:r>
+            <a:endParaRPr lang="en-US" altLang="ja-JP" b="1" dirty="0"/>
+          </a:p>
+          <a:p>
+            <a:r>
+              <a:rPr lang="ja-JP" altLang="en-US" dirty="0"/>
+              <a:t>逆にデータを送る</a:t>
+            </a:r>
+            <a:r>
+              <a:rPr lang="ja-JP" altLang="en-US" dirty="0" smtClean="0"/>
+              <a:t>。</a:t>
             </a:r>
             <a:endParaRPr lang="en-US" altLang="ja-JP" dirty="0" smtClean="0"/>
           </a:p>
@@ -5579,37 +5579,46 @@
           <a:p>
             <a:r>
               <a:rPr lang="ja-JP" altLang="en-US" dirty="0" smtClean="0"/>
-              <a:t>投げられてきたコミットを統合する。</a:t>
+              <a:t>投げられてきたコミットを統合する</a:t>
+            </a:r>
+            <a:r>
+              <a:rPr lang="ja-JP" altLang="en-US" dirty="0" smtClean="0"/>
+              <a:t>。</a:t>
             </a:r>
             <a:endParaRPr lang="en-US" altLang="ja-JP" dirty="0"/>
           </a:p>
-          <a:p>
-            <a:r>
-              <a:rPr lang="en-US" altLang="ja-JP" b="1" dirty="0" smtClean="0"/>
-              <a:t>Sync(</a:t>
-            </a:r>
-            <a:r>
-              <a:rPr lang="ja-JP" altLang="en-US" b="1" dirty="0" smtClean="0"/>
-              <a:t>変更来ました</a:t>
-            </a:r>
-            <a:r>
-              <a:rPr lang="en-US" altLang="ja-JP" b="1" dirty="0" smtClean="0"/>
-              <a:t>)</a:t>
-            </a:r>
-            <a:endParaRPr lang="en-US" altLang="ja-JP" b="1" dirty="0" smtClean="0"/>
-          </a:p>
-          <a:p>
-            <a:r>
-              <a:rPr lang="ja-JP" altLang="en-US" dirty="0" smtClean="0"/>
-              <a:t>自分が投げたコミットをアップすると同時に最新版とってくる。</a:t>
-            </a:r>
-            <a:endParaRPr lang="en-US" altLang="ja-JP" dirty="0" smtClean="0"/>
-          </a:p>
-          <a:p>
-            <a:endParaRPr lang="en-US" altLang="ja-JP" dirty="0"/>
-          </a:p>
-        </p:txBody>
-      </p:sp>
+        </p:txBody>
+      </p:sp>
+      <p:pic>
+        <p:nvPicPr>
+          <p:cNvPr id="3" name="図 2"/>
+          <p:cNvPicPr>
+            <a:picLocks noChangeAspect="1"/>
+          </p:cNvPicPr>
+          <p:nvPr/>
+        </p:nvPicPr>
+        <p:blipFill>
+          <a:blip r:embed="rId4">
+            <a:extLst>
+              <a:ext uri="{28A0092B-C50C-407E-A947-70E740481C1C}">
+                <a14:useLocalDpi xmlns:a14="http://schemas.microsoft.com/office/drawing/2010/main" val="0"/>
+              </a:ext>
+            </a:extLst>
+          </a:blip>
+          <a:stretch>
+            <a:fillRect/>
+          </a:stretch>
+        </p:blipFill>
+        <p:spPr>
+          <a:xfrm>
+            <a:off x="8552184" y="488333"/>
+            <a:ext cx="2657475" cy="1714500"/>
+          </a:xfrm>
+          <a:prstGeom prst="rect">
+            <a:avLst/>
+          </a:prstGeom>
+        </p:spPr>
+      </p:pic>
     </p:spTree>
     <p:extLst>
       <p:ext uri="{BB962C8B-B14F-4D97-AF65-F5344CB8AC3E}">
@@ -5694,7 +5703,7 @@
                             </p:stCondLst>
                             <p:childTnLst>
                               <p:par>
-                                <p:cTn id="10" presetID="10" presetClass="entr" presetSubtype="0" fill="hold" grpId="0" nodeType="clickEffect">
+                                <p:cTn id="10" presetID="10" presetClass="entr" presetSubtype="0" fill="hold" nodeType="clickEffect">
                                   <p:stCondLst>
                                     <p:cond delay="0"/>
                                   </p:stCondLst>
@@ -5707,7 +5716,11 @@
                                           </p:stCondLst>
                                         </p:cTn>
                                         <p:tgtEl>
-                                          <p:spTgt spid="7"/>
+                                          <p:spTgt spid="7">
+                                            <p:txEl>
+                                              <p:pRg st="0" end="0"/>
+                                            </p:txEl>
+                                          </p:spTgt>
                                         </p:tgtEl>
                                         <p:attrNameLst>
                                           <p:attrName>style.visibility</p:attrName>
@@ -5721,7 +5734,670 @@
                                       <p:cBhvr>
                                         <p:cTn id="12" dur="500"/>
                                         <p:tgtEl>
-                                          <p:spTgt spid="7"/>
+                                          <p:spTgt spid="7">
+                                            <p:txEl>
+                                              <p:pRg st="0" end="0"/>
+                                            </p:txEl>
+                                          </p:spTgt>
+                                        </p:tgtEl>
+                                      </p:cBhvr>
+                                    </p:animEffect>
+                                  </p:childTnLst>
+                                </p:cTn>
+                              </p:par>
+                              <p:par>
+                                <p:cTn id="13" presetID="10" presetClass="entr" presetSubtype="0" fill="hold" nodeType="withEffect">
+                                  <p:stCondLst>
+                                    <p:cond delay="0"/>
+                                  </p:stCondLst>
+                                  <p:childTnLst>
+                                    <p:set>
+                                      <p:cBhvr>
+                                        <p:cTn id="14" dur="1" fill="hold">
+                                          <p:stCondLst>
+                                            <p:cond delay="0"/>
+                                          </p:stCondLst>
+                                        </p:cTn>
+                                        <p:tgtEl>
+                                          <p:spTgt spid="7">
+                                            <p:txEl>
+                                              <p:pRg st="1" end="1"/>
+                                            </p:txEl>
+                                          </p:spTgt>
+                                        </p:tgtEl>
+                                        <p:attrNameLst>
+                                          <p:attrName>style.visibility</p:attrName>
+                                        </p:attrNameLst>
+                                      </p:cBhvr>
+                                      <p:to>
+                                        <p:strVal val="visible"/>
+                                      </p:to>
+                                    </p:set>
+                                    <p:animEffect transition="in" filter="fade">
+                                      <p:cBhvr>
+                                        <p:cTn id="15" dur="500"/>
+                                        <p:tgtEl>
+                                          <p:spTgt spid="7">
+                                            <p:txEl>
+                                              <p:pRg st="1" end="1"/>
+                                            </p:txEl>
+                                          </p:spTgt>
+                                        </p:tgtEl>
+                                      </p:cBhvr>
+                                    </p:animEffect>
+                                  </p:childTnLst>
+                                </p:cTn>
+                              </p:par>
+                              <p:par>
+                                <p:cTn id="16" presetID="10" presetClass="entr" presetSubtype="0" fill="hold" nodeType="withEffect">
+                                  <p:stCondLst>
+                                    <p:cond delay="0"/>
+                                  </p:stCondLst>
+                                  <p:childTnLst>
+                                    <p:set>
+                                      <p:cBhvr>
+                                        <p:cTn id="17" dur="1" fill="hold">
+                                          <p:stCondLst>
+                                            <p:cond delay="0"/>
+                                          </p:stCondLst>
+                                        </p:cTn>
+                                        <p:tgtEl>
+                                          <p:spTgt spid="7">
+                                            <p:txEl>
+                                              <p:pRg st="2" end="2"/>
+                                            </p:txEl>
+                                          </p:spTgt>
+                                        </p:tgtEl>
+                                        <p:attrNameLst>
+                                          <p:attrName>style.visibility</p:attrName>
+                                        </p:attrNameLst>
+                                      </p:cBhvr>
+                                      <p:to>
+                                        <p:strVal val="visible"/>
+                                      </p:to>
+                                    </p:set>
+                                    <p:animEffect transition="in" filter="fade">
+                                      <p:cBhvr>
+                                        <p:cTn id="18" dur="500"/>
+                                        <p:tgtEl>
+                                          <p:spTgt spid="7">
+                                            <p:txEl>
+                                              <p:pRg st="2" end="2"/>
+                                            </p:txEl>
+                                          </p:spTgt>
+                                        </p:tgtEl>
+                                      </p:cBhvr>
+                                    </p:animEffect>
+                                  </p:childTnLst>
+                                </p:cTn>
+                              </p:par>
+                            </p:childTnLst>
+                          </p:cTn>
+                        </p:par>
+                      </p:childTnLst>
+                    </p:cTn>
+                  </p:par>
+                  <p:par>
+                    <p:cTn id="19" fill="hold">
+                      <p:stCondLst>
+                        <p:cond delay="indefinite"/>
+                      </p:stCondLst>
+                      <p:childTnLst>
+                        <p:par>
+                          <p:cTn id="20" fill="hold">
+                            <p:stCondLst>
+                              <p:cond delay="0"/>
+                            </p:stCondLst>
+                            <p:childTnLst>
+                              <p:par>
+                                <p:cTn id="21" presetID="10" presetClass="entr" presetSubtype="0" fill="hold" nodeType="clickEffect">
+                                  <p:stCondLst>
+                                    <p:cond delay="0"/>
+                                  </p:stCondLst>
+                                  <p:childTnLst>
+                                    <p:set>
+                                      <p:cBhvr>
+                                        <p:cTn id="22" dur="1" fill="hold">
+                                          <p:stCondLst>
+                                            <p:cond delay="0"/>
+                                          </p:stCondLst>
+                                        </p:cTn>
+                                        <p:tgtEl>
+                                          <p:spTgt spid="7">
+                                            <p:txEl>
+                                              <p:pRg st="3" end="3"/>
+                                            </p:txEl>
+                                          </p:spTgt>
+                                        </p:tgtEl>
+                                        <p:attrNameLst>
+                                          <p:attrName>style.visibility</p:attrName>
+                                        </p:attrNameLst>
+                                      </p:cBhvr>
+                                      <p:to>
+                                        <p:strVal val="visible"/>
+                                      </p:to>
+                                    </p:set>
+                                    <p:animEffect transition="in" filter="fade">
+                                      <p:cBhvr>
+                                        <p:cTn id="23" dur="500"/>
+                                        <p:tgtEl>
+                                          <p:spTgt spid="7">
+                                            <p:txEl>
+                                              <p:pRg st="3" end="3"/>
+                                            </p:txEl>
+                                          </p:spTgt>
+                                        </p:tgtEl>
+                                      </p:cBhvr>
+                                    </p:animEffect>
+                                  </p:childTnLst>
+                                </p:cTn>
+                              </p:par>
+                              <p:par>
+                                <p:cTn id="24" presetID="10" presetClass="entr" presetSubtype="0" fill="hold" nodeType="withEffect">
+                                  <p:stCondLst>
+                                    <p:cond delay="0"/>
+                                  </p:stCondLst>
+                                  <p:childTnLst>
+                                    <p:set>
+                                      <p:cBhvr>
+                                        <p:cTn id="25" dur="1" fill="hold">
+                                          <p:stCondLst>
+                                            <p:cond delay="0"/>
+                                          </p:stCondLst>
+                                        </p:cTn>
+                                        <p:tgtEl>
+                                          <p:spTgt spid="7">
+                                            <p:txEl>
+                                              <p:pRg st="4" end="4"/>
+                                            </p:txEl>
+                                          </p:spTgt>
+                                        </p:tgtEl>
+                                        <p:attrNameLst>
+                                          <p:attrName>style.visibility</p:attrName>
+                                        </p:attrNameLst>
+                                      </p:cBhvr>
+                                      <p:to>
+                                        <p:strVal val="visible"/>
+                                      </p:to>
+                                    </p:set>
+                                    <p:animEffect transition="in" filter="fade">
+                                      <p:cBhvr>
+                                        <p:cTn id="26" dur="500"/>
+                                        <p:tgtEl>
+                                          <p:spTgt spid="7">
+                                            <p:txEl>
+                                              <p:pRg st="4" end="4"/>
+                                            </p:txEl>
+                                          </p:spTgt>
+                                        </p:tgtEl>
+                                      </p:cBhvr>
+                                    </p:animEffect>
+                                  </p:childTnLst>
+                                </p:cTn>
+                              </p:par>
+                            </p:childTnLst>
+                          </p:cTn>
+                        </p:par>
+                      </p:childTnLst>
+                    </p:cTn>
+                  </p:par>
+                  <p:par>
+                    <p:cTn id="27" fill="hold">
+                      <p:stCondLst>
+                        <p:cond delay="indefinite"/>
+                      </p:stCondLst>
+                      <p:childTnLst>
+                        <p:par>
+                          <p:cTn id="28" fill="hold">
+                            <p:stCondLst>
+                              <p:cond delay="0"/>
+                            </p:stCondLst>
+                            <p:childTnLst>
+                              <p:par>
+                                <p:cTn id="29" presetID="10" presetClass="entr" presetSubtype="0" fill="hold" nodeType="clickEffect">
+                                  <p:stCondLst>
+                                    <p:cond delay="0"/>
+                                  </p:stCondLst>
+                                  <p:childTnLst>
+                                    <p:set>
+                                      <p:cBhvr>
+                                        <p:cTn id="30" dur="1" fill="hold">
+                                          <p:stCondLst>
+                                            <p:cond delay="0"/>
+                                          </p:stCondLst>
+                                        </p:cTn>
+                                        <p:tgtEl>
+                                          <p:spTgt spid="3"/>
+                                        </p:tgtEl>
+                                        <p:attrNameLst>
+                                          <p:attrName>style.visibility</p:attrName>
+                                        </p:attrNameLst>
+                                      </p:cBhvr>
+                                      <p:to>
+                                        <p:strVal val="visible"/>
+                                      </p:to>
+                                    </p:set>
+                                    <p:animEffect transition="in" filter="fade">
+                                      <p:cBhvr>
+                                        <p:cTn id="31" dur="500"/>
+                                        <p:tgtEl>
+                                          <p:spTgt spid="3"/>
+                                        </p:tgtEl>
+                                      </p:cBhvr>
+                                    </p:animEffect>
+                                  </p:childTnLst>
+                                </p:cTn>
+                              </p:par>
+                            </p:childTnLst>
+                          </p:cTn>
+                        </p:par>
+                      </p:childTnLst>
+                    </p:cTn>
+                  </p:par>
+                  <p:par>
+                    <p:cTn id="32" fill="hold">
+                      <p:stCondLst>
+                        <p:cond delay="indefinite"/>
+                      </p:stCondLst>
+                      <p:childTnLst>
+                        <p:par>
+                          <p:cTn id="33" fill="hold">
+                            <p:stCondLst>
+                              <p:cond delay="0"/>
+                            </p:stCondLst>
+                            <p:childTnLst>
+                              <p:par>
+                                <p:cTn id="34" presetID="10" presetClass="entr" presetSubtype="0" fill="hold" nodeType="clickEffect">
+                                  <p:stCondLst>
+                                    <p:cond delay="0"/>
+                                  </p:stCondLst>
+                                  <p:childTnLst>
+                                    <p:set>
+                                      <p:cBhvr>
+                                        <p:cTn id="35" dur="1" fill="hold">
+                                          <p:stCondLst>
+                                            <p:cond delay="0"/>
+                                          </p:stCondLst>
+                                        </p:cTn>
+                                        <p:tgtEl>
+                                          <p:spTgt spid="7">
+                                            <p:txEl>
+                                              <p:pRg st="5" end="5"/>
+                                            </p:txEl>
+                                          </p:spTgt>
+                                        </p:tgtEl>
+                                        <p:attrNameLst>
+                                          <p:attrName>style.visibility</p:attrName>
+                                        </p:attrNameLst>
+                                      </p:cBhvr>
+                                      <p:to>
+                                        <p:strVal val="visible"/>
+                                      </p:to>
+                                    </p:set>
+                                    <p:animEffect transition="in" filter="fade">
+                                      <p:cBhvr>
+                                        <p:cTn id="36" dur="500"/>
+                                        <p:tgtEl>
+                                          <p:spTgt spid="7">
+                                            <p:txEl>
+                                              <p:pRg st="5" end="5"/>
+                                            </p:txEl>
+                                          </p:spTgt>
+                                        </p:tgtEl>
+                                      </p:cBhvr>
+                                    </p:animEffect>
+                                  </p:childTnLst>
+                                </p:cTn>
+                              </p:par>
+                              <p:par>
+                                <p:cTn id="37" presetID="10" presetClass="entr" presetSubtype="0" fill="hold" nodeType="withEffect">
+                                  <p:stCondLst>
+                                    <p:cond delay="0"/>
+                                  </p:stCondLst>
+                                  <p:childTnLst>
+                                    <p:set>
+                                      <p:cBhvr>
+                                        <p:cTn id="38" dur="1" fill="hold">
+                                          <p:stCondLst>
+                                            <p:cond delay="0"/>
+                                          </p:stCondLst>
+                                        </p:cTn>
+                                        <p:tgtEl>
+                                          <p:spTgt spid="7">
+                                            <p:txEl>
+                                              <p:pRg st="6" end="6"/>
+                                            </p:txEl>
+                                          </p:spTgt>
+                                        </p:tgtEl>
+                                        <p:attrNameLst>
+                                          <p:attrName>style.visibility</p:attrName>
+                                        </p:attrNameLst>
+                                      </p:cBhvr>
+                                      <p:to>
+                                        <p:strVal val="visible"/>
+                                      </p:to>
+                                    </p:set>
+                                    <p:animEffect transition="in" filter="fade">
+                                      <p:cBhvr>
+                                        <p:cTn id="39" dur="500"/>
+                                        <p:tgtEl>
+                                          <p:spTgt spid="7">
+                                            <p:txEl>
+                                              <p:pRg st="6" end="6"/>
+                                            </p:txEl>
+                                          </p:spTgt>
+                                        </p:tgtEl>
+                                      </p:cBhvr>
+                                    </p:animEffect>
+                                  </p:childTnLst>
+                                </p:cTn>
+                              </p:par>
+                            </p:childTnLst>
+                          </p:cTn>
+                        </p:par>
+                      </p:childTnLst>
+                    </p:cTn>
+                  </p:par>
+                  <p:par>
+                    <p:cTn id="40" fill="hold">
+                      <p:stCondLst>
+                        <p:cond delay="indefinite"/>
+                      </p:stCondLst>
+                      <p:childTnLst>
+                        <p:par>
+                          <p:cTn id="41" fill="hold">
+                            <p:stCondLst>
+                              <p:cond delay="0"/>
+                            </p:stCondLst>
+                            <p:childTnLst>
+                              <p:par>
+                                <p:cTn id="42" presetID="10" presetClass="entr" presetSubtype="0" fill="hold" nodeType="clickEffect">
+                                  <p:stCondLst>
+                                    <p:cond delay="0"/>
+                                  </p:stCondLst>
+                                  <p:childTnLst>
+                                    <p:set>
+                                      <p:cBhvr>
+                                        <p:cTn id="43" dur="1" fill="hold">
+                                          <p:stCondLst>
+                                            <p:cond delay="0"/>
+                                          </p:stCondLst>
+                                        </p:cTn>
+                                        <p:tgtEl>
+                                          <p:spTgt spid="7">
+                                            <p:txEl>
+                                              <p:pRg st="7" end="7"/>
+                                            </p:txEl>
+                                          </p:spTgt>
+                                        </p:tgtEl>
+                                        <p:attrNameLst>
+                                          <p:attrName>style.visibility</p:attrName>
+                                        </p:attrNameLst>
+                                      </p:cBhvr>
+                                      <p:to>
+                                        <p:strVal val="visible"/>
+                                      </p:to>
+                                    </p:set>
+                                    <p:animEffect transition="in" filter="fade">
+                                      <p:cBhvr>
+                                        <p:cTn id="44" dur="500"/>
+                                        <p:tgtEl>
+                                          <p:spTgt spid="7">
+                                            <p:txEl>
+                                              <p:pRg st="7" end="7"/>
+                                            </p:txEl>
+                                          </p:spTgt>
+                                        </p:tgtEl>
+                                      </p:cBhvr>
+                                    </p:animEffect>
+                                  </p:childTnLst>
+                                </p:cTn>
+                              </p:par>
+                              <p:par>
+                                <p:cTn id="45" presetID="10" presetClass="entr" presetSubtype="0" fill="hold" nodeType="withEffect">
+                                  <p:stCondLst>
+                                    <p:cond delay="0"/>
+                                  </p:stCondLst>
+                                  <p:childTnLst>
+                                    <p:set>
+                                      <p:cBhvr>
+                                        <p:cTn id="46" dur="1" fill="hold">
+                                          <p:stCondLst>
+                                            <p:cond delay="0"/>
+                                          </p:stCondLst>
+                                        </p:cTn>
+                                        <p:tgtEl>
+                                          <p:spTgt spid="7">
+                                            <p:txEl>
+                                              <p:pRg st="8" end="8"/>
+                                            </p:txEl>
+                                          </p:spTgt>
+                                        </p:tgtEl>
+                                        <p:attrNameLst>
+                                          <p:attrName>style.visibility</p:attrName>
+                                        </p:attrNameLst>
+                                      </p:cBhvr>
+                                      <p:to>
+                                        <p:strVal val="visible"/>
+                                      </p:to>
+                                    </p:set>
+                                    <p:animEffect transition="in" filter="fade">
+                                      <p:cBhvr>
+                                        <p:cTn id="47" dur="500"/>
+                                        <p:tgtEl>
+                                          <p:spTgt spid="7">
+                                            <p:txEl>
+                                              <p:pRg st="8" end="8"/>
+                                            </p:txEl>
+                                          </p:spTgt>
+                                        </p:tgtEl>
+                                      </p:cBhvr>
+                                    </p:animEffect>
+                                  </p:childTnLst>
+                                </p:cTn>
+                              </p:par>
+                            </p:childTnLst>
+                          </p:cTn>
+                        </p:par>
+                      </p:childTnLst>
+                    </p:cTn>
+                  </p:par>
+                  <p:par>
+                    <p:cTn id="48" fill="hold">
+                      <p:stCondLst>
+                        <p:cond delay="indefinite"/>
+                      </p:stCondLst>
+                      <p:childTnLst>
+                        <p:par>
+                          <p:cTn id="49" fill="hold">
+                            <p:stCondLst>
+                              <p:cond delay="0"/>
+                            </p:stCondLst>
+                            <p:childTnLst>
+                              <p:par>
+                                <p:cTn id="50" presetID="10" presetClass="entr" presetSubtype="0" fill="hold" nodeType="clickEffect">
+                                  <p:stCondLst>
+                                    <p:cond delay="0"/>
+                                  </p:stCondLst>
+                                  <p:childTnLst>
+                                    <p:set>
+                                      <p:cBhvr>
+                                        <p:cTn id="51" dur="1" fill="hold">
+                                          <p:stCondLst>
+                                            <p:cond delay="0"/>
+                                          </p:stCondLst>
+                                        </p:cTn>
+                                        <p:tgtEl>
+                                          <p:spTgt spid="7">
+                                            <p:txEl>
+                                              <p:pRg st="9" end="9"/>
+                                            </p:txEl>
+                                          </p:spTgt>
+                                        </p:tgtEl>
+                                        <p:attrNameLst>
+                                          <p:attrName>style.visibility</p:attrName>
+                                        </p:attrNameLst>
+                                      </p:cBhvr>
+                                      <p:to>
+                                        <p:strVal val="visible"/>
+                                      </p:to>
+                                    </p:set>
+                                    <p:animEffect transition="in" filter="fade">
+                                      <p:cBhvr>
+                                        <p:cTn id="52" dur="500"/>
+                                        <p:tgtEl>
+                                          <p:spTgt spid="7">
+                                            <p:txEl>
+                                              <p:pRg st="9" end="9"/>
+                                            </p:txEl>
+                                          </p:spTgt>
+                                        </p:tgtEl>
+                                      </p:cBhvr>
+                                    </p:animEffect>
+                                  </p:childTnLst>
+                                </p:cTn>
+                              </p:par>
+                              <p:par>
+                                <p:cTn id="53" presetID="10" presetClass="entr" presetSubtype="0" fill="hold" nodeType="withEffect">
+                                  <p:stCondLst>
+                                    <p:cond delay="0"/>
+                                  </p:stCondLst>
+                                  <p:childTnLst>
+                                    <p:set>
+                                      <p:cBhvr>
+                                        <p:cTn id="54" dur="1" fill="hold">
+                                          <p:stCondLst>
+                                            <p:cond delay="0"/>
+                                          </p:stCondLst>
+                                        </p:cTn>
+                                        <p:tgtEl>
+                                          <p:spTgt spid="7">
+                                            <p:txEl>
+                                              <p:pRg st="10" end="10"/>
+                                            </p:txEl>
+                                          </p:spTgt>
+                                        </p:tgtEl>
+                                        <p:attrNameLst>
+                                          <p:attrName>style.visibility</p:attrName>
+                                        </p:attrNameLst>
+                                      </p:cBhvr>
+                                      <p:to>
+                                        <p:strVal val="visible"/>
+                                      </p:to>
+                                    </p:set>
+                                    <p:animEffect transition="in" filter="fade">
+                                      <p:cBhvr>
+                                        <p:cTn id="55" dur="500"/>
+                                        <p:tgtEl>
+                                          <p:spTgt spid="7">
+                                            <p:txEl>
+                                              <p:pRg st="10" end="10"/>
+                                            </p:txEl>
+                                          </p:spTgt>
+                                        </p:tgtEl>
+                                      </p:cBhvr>
+                                    </p:animEffect>
+                                  </p:childTnLst>
+                                </p:cTn>
+                              </p:par>
+                            </p:childTnLst>
+                          </p:cTn>
+                        </p:par>
+                      </p:childTnLst>
+                    </p:cTn>
+                  </p:par>
+                  <p:par>
+                    <p:cTn id="56" fill="hold">
+                      <p:stCondLst>
+                        <p:cond delay="indefinite"/>
+                      </p:stCondLst>
+                      <p:childTnLst>
+                        <p:par>
+                          <p:cTn id="57" fill="hold">
+                            <p:stCondLst>
+                              <p:cond delay="0"/>
+                            </p:stCondLst>
+                            <p:childTnLst>
+                              <p:par>
+                                <p:cTn id="58" presetID="10" presetClass="entr" presetSubtype="0" fill="hold" nodeType="clickEffect">
+                                  <p:stCondLst>
+                                    <p:cond delay="0"/>
+                                  </p:stCondLst>
+                                  <p:childTnLst>
+                                    <p:set>
+                                      <p:cBhvr>
+                                        <p:cTn id="59" dur="1" fill="hold">
+                                          <p:stCondLst>
+                                            <p:cond delay="0"/>
+                                          </p:stCondLst>
+                                        </p:cTn>
+                                        <p:tgtEl>
+                                          <p:spTgt spid="7">
+                                            <p:txEl>
+                                              <p:pRg st="11" end="11"/>
+                                            </p:txEl>
+                                          </p:spTgt>
+                                        </p:tgtEl>
+                                        <p:attrNameLst>
+                                          <p:attrName>style.visibility</p:attrName>
+                                        </p:attrNameLst>
+                                      </p:cBhvr>
+                                      <p:to>
+                                        <p:strVal val="visible"/>
+                                      </p:to>
+                                    </p:set>
+                                    <p:animEffect transition="in" filter="fade">
+                                      <p:cBhvr>
+                                        <p:cTn id="60" dur="500"/>
+                                        <p:tgtEl>
+                                          <p:spTgt spid="7">
+                                            <p:txEl>
+                                              <p:pRg st="11" end="11"/>
+                                            </p:txEl>
+                                          </p:spTgt>
+                                        </p:tgtEl>
+                                      </p:cBhvr>
+                                    </p:animEffect>
+                                  </p:childTnLst>
+                                </p:cTn>
+                              </p:par>
+                              <p:par>
+                                <p:cTn id="61" presetID="10" presetClass="entr" presetSubtype="0" fill="hold" nodeType="withEffect">
+                                  <p:stCondLst>
+                                    <p:cond delay="0"/>
+                                  </p:stCondLst>
+                                  <p:childTnLst>
+                                    <p:set>
+                                      <p:cBhvr>
+                                        <p:cTn id="62" dur="1" fill="hold">
+                                          <p:stCondLst>
+                                            <p:cond delay="0"/>
+                                          </p:stCondLst>
+                                        </p:cTn>
+                                        <p:tgtEl>
+                                          <p:spTgt spid="7">
+                                            <p:txEl>
+                                              <p:pRg st="12" end="12"/>
+                                            </p:txEl>
+                                          </p:spTgt>
+                                        </p:tgtEl>
+                                        <p:attrNameLst>
+                                          <p:attrName>style.visibility</p:attrName>
+                                        </p:attrNameLst>
+                                      </p:cBhvr>
+                                      <p:to>
+                                        <p:strVal val="visible"/>
+                                      </p:to>
+                                    </p:set>
+                                    <p:animEffect transition="in" filter="fade">
+                                      <p:cBhvr>
+                                        <p:cTn id="63" dur="500"/>
+                                        <p:tgtEl>
+                                          <p:spTgt spid="7">
+                                            <p:txEl>
+                                              <p:pRg st="12" end="12"/>
+                                            </p:txEl>
+                                          </p:spTgt>
                                         </p:tgtEl>
                                       </p:cBhvr>
                                     </p:animEffect>
@@ -5757,7 +6433,6 @@
     </p:tnLst>
     <p:bldLst>
       <p:bldP spid="6" grpId="0"/>
-      <p:bldP spid="7" grpId="0"/>
     </p:bldLst>
   </p:timing>
 </p:sld>
@@ -5894,15 +6569,7 @@
           <a:p>
             <a:r>
               <a:rPr lang="ja-JP" altLang="en-US" sz="3200" b="1" dirty="0" smtClean="0"/>
-              <a:t>使うツール</a:t>
-            </a:r>
-            <a:r>
-              <a:rPr lang="ja-JP" altLang="en-US" sz="3200" b="1" dirty="0" smtClean="0"/>
-              <a:t>とか関連ツール</a:t>
-            </a:r>
-            <a:r>
-              <a:rPr lang="ja-JP" altLang="en-US" sz="3200" b="1" dirty="0" smtClean="0"/>
-              <a:t>とか</a:t>
+              <a:t>使うツールとか関連ツールとか</a:t>
             </a:r>
             <a:endParaRPr kumimoji="1" lang="ja-JP" altLang="en-US" sz="3200" b="1" dirty="0"/>
           </a:p>
@@ -5959,11 +6626,7 @@
             </a:r>
             <a:r>
               <a:rPr lang="ja-JP" altLang="en-US" dirty="0" smtClean="0"/>
-              <a:t>を</a:t>
-            </a:r>
-            <a:r>
-              <a:rPr lang="ja-JP" altLang="en-US" dirty="0" smtClean="0"/>
-              <a:t>簡単にしてくれるソフト。</a:t>
+              <a:t>を簡単にしてくれるソフト。</a:t>
             </a:r>
             <a:endParaRPr lang="en-US" altLang="ja-JP" dirty="0" smtClean="0"/>
           </a:p>
@@ -6017,7 +6680,6 @@
               <a:rPr lang="en-US" altLang="ja-JP" b="1" dirty="0" smtClean="0"/>
               <a:t>Slack</a:t>
             </a:r>
-            <a:endParaRPr lang="en-US" altLang="ja-JP" b="1" dirty="0" smtClean="0"/>
           </a:p>
           <a:p>
             <a:r>
@@ -6782,7 +7444,7 @@
           </a:p>
           <a:p>
             <a:r>
-              <a:rPr lang="ja-JP" altLang="en-US" sz="3200" smtClean="0"/>
+              <a:rPr lang="ja-JP" altLang="en-US" sz="3200" dirty="0" smtClean="0"/>
               <a:t>実際の動作確認は次回。</a:t>
             </a:r>
             <a:endParaRPr lang="en-US" altLang="ja-JP" sz="3200" dirty="0"/>
